--- a/JP/JPF01_slide_TE.pptx
+++ b/JP/JPF01_slide_TE.pptx
@@ -5,25 +5,24 @@
     <p:sldMasterId id="2147483648" r:id="rId4"/>
   </p:sldMasterIdLst>
   <p:notesMasterIdLst>
-    <p:notesMasterId r:id="rId18"/>
+    <p:notesMasterId r:id="rId17"/>
   </p:notesMasterIdLst>
   <p:handoutMasterIdLst>
-    <p:handoutMasterId r:id="rId19"/>
+    <p:handoutMasterId r:id="rId18"/>
   </p:handoutMasterIdLst>
   <p:sldIdLst>
     <p:sldId id="256" r:id="rId5"/>
-    <p:sldId id="347" r:id="rId6"/>
-    <p:sldId id="337" r:id="rId7"/>
-    <p:sldId id="263" r:id="rId8"/>
-    <p:sldId id="333" r:id="rId9"/>
-    <p:sldId id="376" r:id="rId10"/>
-    <p:sldId id="332" r:id="rId11"/>
-    <p:sldId id="387" r:id="rId12"/>
-    <p:sldId id="335" r:id="rId13"/>
-    <p:sldId id="388" r:id="rId14"/>
-    <p:sldId id="394" r:id="rId15"/>
-    <p:sldId id="336" r:id="rId16"/>
-    <p:sldId id="392" r:id="rId17"/>
+    <p:sldId id="263" r:id="rId6"/>
+    <p:sldId id="333" r:id="rId7"/>
+    <p:sldId id="376" r:id="rId8"/>
+    <p:sldId id="332" r:id="rId9"/>
+    <p:sldId id="387" r:id="rId10"/>
+    <p:sldId id="335" r:id="rId11"/>
+    <p:sldId id="395" r:id="rId12"/>
+    <p:sldId id="462" r:id="rId13"/>
+    <p:sldId id="394" r:id="rId14"/>
+    <p:sldId id="336" r:id="rId15"/>
+    <p:sldId id="392" r:id="rId16"/>
   </p:sldIdLst>
   <p:sldSz cx="9906000" cy="6858000" type="A4"/>
   <p:notesSz cx="7104063" cy="10234613"/>
@@ -238,7 +237,7 @@
           <a:p>
             <a:fld id="{9C4CBB43-E31D-44A0-A53C-703516A088F9}" type="datetimeFigureOut">
               <a:rPr kumimoji="1" lang="ja-JP" altLang="en-US" smtClean="0"/>
-              <a:t>2025/8/12</a:t>
+              <a:t>2025/8/21</a:t>
             </a:fld>
             <a:endParaRPr kumimoji="1" lang="ja-JP" altLang="en-US"/>
           </a:p>
@@ -416,7 +415,7 @@
           <a:p>
             <a:fld id="{0F5249E7-E526-41BC-878D-DBB27AF3BCB6}" type="datetimeFigureOut">
               <a:rPr kumimoji="1" lang="ja-JP" altLang="en-US" smtClean="0"/>
-              <a:t>2025/8/12</a:t>
+              <a:t>2025/8/21</a:t>
             </a:fld>
             <a:endParaRPr kumimoji="1" lang="ja-JP" altLang="en-US"/>
           </a:p>
@@ -3564,6 +3563,439 @@
 </p:sldLayout>
 </file>
 
+<file path=ppt/slideLayouts/slideLayout9.xml><?xml version="1.0" encoding="utf-8"?>
+<p:sldLayout xmlns:a="http://schemas.openxmlformats.org/drawingml/2006/main" xmlns:r="http://schemas.openxmlformats.org/officeDocument/2006/relationships" xmlns:p="http://schemas.openxmlformats.org/presentationml/2006/main">
+  <p:cSld name="タイトル_下線">
+    <p:spTree>
+      <p:nvGrpSpPr>
+        <p:cNvPr id="1" name=""/>
+        <p:cNvGrpSpPr/>
+        <p:nvPr/>
+      </p:nvGrpSpPr>
+      <p:grpSpPr>
+        <a:xfrm>
+          <a:off x="0" y="0"/>
+          <a:ext cx="0" cy="0"/>
+          <a:chOff x="0" y="0"/>
+          <a:chExt cx="0" cy="0"/>
+        </a:xfrm>
+      </p:grpSpPr>
+      <p:sp>
+        <p:nvSpPr>
+          <p:cNvPr id="6" name="テキスト プレースホルダー 5">
+            <a:extLst>
+              <a:ext uri="{FF2B5EF4-FFF2-40B4-BE49-F238E27FC236}">
+                <a16:creationId xmlns:a16="http://schemas.microsoft.com/office/drawing/2014/main" id="{65429B45-9F93-27EB-62DC-23964D2D4452}"/>
+              </a:ext>
+            </a:extLst>
+          </p:cNvPr>
+          <p:cNvSpPr>
+            <a:spLocks noGrp="1"/>
+          </p:cNvSpPr>
+          <p:nvPr>
+            <p:ph type="body" sz="quarter" idx="24" hasCustomPrompt="1"/>
+          </p:nvPr>
+        </p:nvSpPr>
+        <p:spPr>
+          <a:xfrm>
+            <a:off x="655147" y="1921054"/>
+            <a:ext cx="8595704" cy="4218663"/>
+          </a:xfrm>
+          <a:prstGeom prst="rect">
+            <a:avLst/>
+          </a:prstGeom>
+        </p:spPr>
+        <p:txBody>
+          <a:bodyPr/>
+          <a:lstStyle>
+            <a:lvl1pPr marL="0" indent="0">
+              <a:buNone/>
+              <a:defRPr sz="2925">
+                <a:latin typeface="+mn-lt"/>
+              </a:defRPr>
+            </a:lvl1pPr>
+          </a:lstStyle>
+          <a:p>
+            <a:pPr lvl="0"/>
+            <a:r>
+              <a:rPr kumimoji="1" lang="ja-JP" altLang="en-US"/>
+              <a:t>（内容）</a:t>
+            </a:r>
+          </a:p>
+        </p:txBody>
+      </p:sp>
+      <p:sp>
+        <p:nvSpPr>
+          <p:cNvPr id="16" name="テキスト プレースホルダー 15">
+            <a:extLst>
+              <a:ext uri="{FF2B5EF4-FFF2-40B4-BE49-F238E27FC236}">
+                <a16:creationId xmlns:a16="http://schemas.microsoft.com/office/drawing/2014/main" id="{C70A53EF-E7EC-95B8-DF3A-83D09F5CC009}"/>
+              </a:ext>
+            </a:extLst>
+          </p:cNvPr>
+          <p:cNvSpPr>
+            <a:spLocks noGrp="1"/>
+          </p:cNvSpPr>
+          <p:nvPr>
+            <p:ph type="body" sz="quarter" idx="10" hasCustomPrompt="1"/>
+          </p:nvPr>
+        </p:nvSpPr>
+        <p:spPr>
+          <a:xfrm>
+            <a:off x="493696" y="1279551"/>
+            <a:ext cx="9412301" cy="296333"/>
+          </a:xfrm>
+          <a:prstGeom prst="rect">
+            <a:avLst/>
+          </a:prstGeom>
+          <a:noFill/>
+          <a:ln>
+            <a:noFill/>
+          </a:ln>
+        </p:spPr>
+        <p:style>
+          <a:lnRef idx="2">
+            <a:schemeClr val="accent1"/>
+          </a:lnRef>
+          <a:fillRef idx="1">
+            <a:schemeClr val="lt1"/>
+          </a:fillRef>
+          <a:effectRef idx="0">
+            <a:schemeClr val="accent1"/>
+          </a:effectRef>
+          <a:fontRef idx="minor">
+            <a:schemeClr val="dk1"/>
+          </a:fontRef>
+        </p:style>
+        <p:txBody>
+          <a:bodyPr/>
+          <a:lstStyle>
+            <a:lvl1pPr marL="0" indent="0">
+              <a:buNone/>
+              <a:defRPr sz="1300" b="0">
+                <a:latin typeface="+mn-lt"/>
+                <a:ea typeface="+mn-ea"/>
+              </a:defRPr>
+            </a:lvl1pPr>
+          </a:lstStyle>
+          <a:p>
+            <a:pPr lvl="0"/>
+            <a:r>
+              <a:rPr kumimoji="1" lang="ja-JP" altLang="en-US"/>
+              <a:t>（サブタイトル）</a:t>
+            </a:r>
+          </a:p>
+        </p:txBody>
+      </p:sp>
+      <p:sp>
+        <p:nvSpPr>
+          <p:cNvPr id="13" name="タイトル 2">
+            <a:extLst>
+              <a:ext uri="{FF2B5EF4-FFF2-40B4-BE49-F238E27FC236}">
+                <a16:creationId xmlns:a16="http://schemas.microsoft.com/office/drawing/2014/main" id="{4E335B14-1B39-F44D-D009-78A0A022A56C}"/>
+              </a:ext>
+            </a:extLst>
+          </p:cNvPr>
+          <p:cNvSpPr>
+            <a:spLocks noGrp="1"/>
+          </p:cNvSpPr>
+          <p:nvPr>
+            <p:ph type="title" hasCustomPrompt="1"/>
+          </p:nvPr>
+        </p:nvSpPr>
+        <p:spPr>
+          <a:xfrm>
+            <a:off x="493697" y="453035"/>
+            <a:ext cx="9412301" cy="809528"/>
+          </a:xfrm>
+          <a:prstGeom prst="rect">
+            <a:avLst/>
+          </a:prstGeom>
+        </p:spPr>
+        <p:txBody>
+          <a:bodyPr anchor="b"/>
+          <a:lstStyle>
+            <a:lvl1pPr algn="l">
+              <a:defRPr sz="3900" b="0">
+                <a:solidFill>
+                  <a:schemeClr val="tx1"/>
+                </a:solidFill>
+                <a:latin typeface="+mn-lt"/>
+                <a:ea typeface="+mn-ea"/>
+              </a:defRPr>
+            </a:lvl1pPr>
+          </a:lstStyle>
+          <a:p>
+            <a:r>
+              <a:rPr kumimoji="1" lang="ja-JP" altLang="en-US"/>
+              <a:t>（タイトル）</a:t>
+            </a:r>
+          </a:p>
+        </p:txBody>
+      </p:sp>
+      <p:cxnSp>
+        <p:nvCxnSpPr>
+          <p:cNvPr id="14" name="直線コネクタ 13">
+            <a:extLst>
+              <a:ext uri="{FF2B5EF4-FFF2-40B4-BE49-F238E27FC236}">
+                <a16:creationId xmlns:a16="http://schemas.microsoft.com/office/drawing/2014/main" id="{71168D24-BE76-7146-D29A-A6FA4823975E}"/>
+              </a:ext>
+            </a:extLst>
+          </p:cNvPr>
+          <p:cNvCxnSpPr>
+            <a:cxnSpLocks/>
+          </p:cNvCxnSpPr>
+          <p:nvPr/>
+        </p:nvCxnSpPr>
+        <p:spPr>
+          <a:xfrm>
+            <a:off x="493699" y="1244723"/>
+            <a:ext cx="9412301" cy="0"/>
+          </a:xfrm>
+          <a:prstGeom prst="line">
+            <a:avLst/>
+          </a:prstGeom>
+          <a:ln w="76200">
+            <a:gradFill flip="none" rotWithShape="1">
+              <a:gsLst>
+                <a:gs pos="0">
+                  <a:schemeClr val="accent1"/>
+                </a:gs>
+                <a:gs pos="35000">
+                  <a:schemeClr val="accent1">
+                    <a:lumMod val="60000"/>
+                    <a:lumOff val="40000"/>
+                  </a:schemeClr>
+                </a:gs>
+                <a:gs pos="69000">
+                  <a:schemeClr val="accent1">
+                    <a:lumMod val="40000"/>
+                    <a:lumOff val="60000"/>
+                  </a:schemeClr>
+                </a:gs>
+                <a:gs pos="100000">
+                  <a:schemeClr val="accent1">
+                    <a:lumMod val="20000"/>
+                    <a:lumOff val="80000"/>
+                  </a:schemeClr>
+                </a:gs>
+              </a:gsLst>
+              <a:lin ang="0" scaled="1"/>
+              <a:tileRect/>
+            </a:gradFill>
+          </a:ln>
+          <a:effectLst>
+            <a:softEdge rad="12700"/>
+          </a:effectLst>
+        </p:spPr>
+        <p:style>
+          <a:lnRef idx="1">
+            <a:schemeClr val="accent1"/>
+          </a:lnRef>
+          <a:fillRef idx="0">
+            <a:schemeClr val="accent1"/>
+          </a:fillRef>
+          <a:effectRef idx="0">
+            <a:schemeClr val="accent1"/>
+          </a:effectRef>
+          <a:fontRef idx="minor">
+            <a:schemeClr val="tx1"/>
+          </a:fontRef>
+        </p:style>
+      </p:cxnSp>
+      <p:cxnSp>
+        <p:nvCxnSpPr>
+          <p:cNvPr id="17" name="Google Shape;146;p21">
+            <a:extLst>
+              <a:ext uri="{FF2B5EF4-FFF2-40B4-BE49-F238E27FC236}">
+                <a16:creationId xmlns:a16="http://schemas.microsoft.com/office/drawing/2014/main" id="{C5F8DBA6-072D-66AB-C2DD-1E2533B620F3}"/>
+              </a:ext>
+            </a:extLst>
+          </p:cNvPr>
+          <p:cNvCxnSpPr/>
+          <p:nvPr/>
+        </p:nvCxnSpPr>
+        <p:spPr>
+          <a:xfrm rot="10800000">
+            <a:off x="277686" y="6490233"/>
+            <a:ext cx="1189175" cy="0"/>
+          </a:xfrm>
+          <a:prstGeom prst="straightConnector1">
+            <a:avLst/>
+          </a:prstGeom>
+          <a:noFill/>
+          <a:ln w="12700" cap="flat" cmpd="sng">
+            <a:solidFill>
+              <a:schemeClr val="dk1"/>
+            </a:solidFill>
+            <a:prstDash val="solid"/>
+            <a:round/>
+            <a:headEnd type="none" w="med" len="med"/>
+            <a:tailEnd type="none" w="med" len="med"/>
+          </a:ln>
+        </p:spPr>
+      </p:cxnSp>
+      <p:sp>
+        <p:nvSpPr>
+          <p:cNvPr id="3" name="テキスト プレースホルダー 11">
+            <a:extLst>
+              <a:ext uri="{FF2B5EF4-FFF2-40B4-BE49-F238E27FC236}">
+                <a16:creationId xmlns:a16="http://schemas.microsoft.com/office/drawing/2014/main" id="{673F2A49-0F9F-A740-A77C-01775AA0B965}"/>
+              </a:ext>
+            </a:extLst>
+          </p:cNvPr>
+          <p:cNvSpPr>
+            <a:spLocks noGrp="1"/>
+          </p:cNvSpPr>
+          <p:nvPr>
+            <p:ph type="body" sz="quarter" idx="22" hasCustomPrompt="1"/>
+          </p:nvPr>
+        </p:nvSpPr>
+        <p:spPr>
+          <a:xfrm>
+            <a:off x="1" y="6490233"/>
+            <a:ext cx="8595706" cy="365986"/>
+          </a:xfrm>
+          <a:prstGeom prst="rect">
+            <a:avLst/>
+          </a:prstGeom>
+        </p:spPr>
+        <p:txBody>
+          <a:bodyPr anchor="b"/>
+          <a:lstStyle>
+            <a:lvl1pPr marL="0" indent="0">
+              <a:buNone/>
+              <a:defRPr sz="1300" b="0">
+                <a:solidFill>
+                  <a:schemeClr val="tx1"/>
+                </a:solidFill>
+                <a:latin typeface="+mj-ea"/>
+                <a:ea typeface="+mj-ea"/>
+              </a:defRPr>
+            </a:lvl1pPr>
+          </a:lstStyle>
+          <a:p>
+            <a:pPr lvl="0"/>
+            <a:r>
+              <a:rPr kumimoji="1" lang="ja-JP" altLang="en-US"/>
+              <a:t>（</a:t>
+            </a:r>
+            <a:r>
+              <a:rPr kumimoji="1" lang="en-US" altLang="ja-JP"/>
+              <a:t>URL</a:t>
+            </a:r>
+            <a:r>
+              <a:rPr kumimoji="1" lang="ja-JP" altLang="en-US"/>
+              <a:t>）</a:t>
+            </a:r>
+          </a:p>
+        </p:txBody>
+      </p:sp>
+      <p:sp>
+        <p:nvSpPr>
+          <p:cNvPr id="4" name="テキスト プレースホルダー 11">
+            <a:extLst>
+              <a:ext uri="{FF2B5EF4-FFF2-40B4-BE49-F238E27FC236}">
+                <a16:creationId xmlns:a16="http://schemas.microsoft.com/office/drawing/2014/main" id="{9FD305A1-D95A-F1D9-5FC6-6D21D043E911}"/>
+              </a:ext>
+            </a:extLst>
+          </p:cNvPr>
+          <p:cNvSpPr>
+            <a:spLocks noGrp="1"/>
+          </p:cNvSpPr>
+          <p:nvPr>
+            <p:ph type="body" sz="quarter" idx="23" hasCustomPrompt="1"/>
+          </p:nvPr>
+        </p:nvSpPr>
+        <p:spPr>
+          <a:xfrm>
+            <a:off x="8595706" y="6492014"/>
+            <a:ext cx="1310293" cy="365986"/>
+          </a:xfrm>
+          <a:prstGeom prst="rect">
+            <a:avLst/>
+          </a:prstGeom>
+        </p:spPr>
+        <p:txBody>
+          <a:bodyPr anchor="b"/>
+          <a:lstStyle>
+            <a:lvl1pPr marL="0" indent="0" algn="r">
+              <a:buNone/>
+              <a:defRPr sz="1300" b="0">
+                <a:solidFill>
+                  <a:schemeClr val="tx1"/>
+                </a:solidFill>
+                <a:latin typeface="+mj-ea"/>
+                <a:ea typeface="+mj-ea"/>
+              </a:defRPr>
+            </a:lvl1pPr>
+          </a:lstStyle>
+          <a:p>
+            <a:pPr lvl="0"/>
+            <a:r>
+              <a:rPr kumimoji="1" lang="ja-JP" altLang="en-US"/>
+              <a:t>名前の入力</a:t>
+            </a:r>
+          </a:p>
+        </p:txBody>
+      </p:sp>
+      <p:sp>
+        <p:nvSpPr>
+          <p:cNvPr id="8" name="スライド番号プレースホルダー 7">
+            <a:extLst>
+              <a:ext uri="{FF2B5EF4-FFF2-40B4-BE49-F238E27FC236}">
+                <a16:creationId xmlns:a16="http://schemas.microsoft.com/office/drawing/2014/main" id="{5E2AAA37-2125-4324-A4EE-2D884FE2E147}"/>
+              </a:ext>
+            </a:extLst>
+          </p:cNvPr>
+          <p:cNvSpPr>
+            <a:spLocks noGrp="1"/>
+          </p:cNvSpPr>
+          <p:nvPr>
+            <p:ph type="sldNum" sz="quarter" idx="26"/>
+          </p:nvPr>
+        </p:nvSpPr>
+        <p:spPr>
+          <a:xfrm>
+            <a:off x="8843503" y="1"/>
+            <a:ext cx="1038529" cy="604565"/>
+          </a:xfrm>
+          <a:prstGeom prst="rect">
+            <a:avLst/>
+          </a:prstGeom>
+        </p:spPr>
+        <p:txBody>
+          <a:bodyPr/>
+          <a:lstStyle>
+            <a:lvl1pPr algn="r">
+              <a:defRPr sz="2600">
+                <a:latin typeface="+mn-lt"/>
+              </a:defRPr>
+            </a:lvl1pPr>
+          </a:lstStyle>
+          <a:p>
+            <a:fld id="{6408349E-6932-463E-ABE1-6FC2A2453113}" type="slidenum">
+              <a:rPr kumimoji="1" lang="ja-JP" altLang="en-US" smtClean="0"/>
+              <a:pPr/>
+              <a:t>‹#›</a:t>
+            </a:fld>
+            <a:endParaRPr kumimoji="1" lang="ja-JP" altLang="en-US"/>
+          </a:p>
+        </p:txBody>
+      </p:sp>
+    </p:spTree>
+    <p:extLst>
+      <p:ext uri="{BB962C8B-B14F-4D97-AF65-F5344CB8AC3E}">
+        <p14:creationId xmlns:p14="http://schemas.microsoft.com/office/powerpoint/2010/main" val="420703064"/>
+      </p:ext>
+    </p:extLst>
+  </p:cSld>
+  <p:clrMapOvr>
+    <a:masterClrMapping/>
+  </p:clrMapOvr>
+</p:sldLayout>
+</file>
+
 <file path=ppt/slideMasters/slideMaster1.xml><?xml version="1.0" encoding="utf-8"?>
 <p:sldMaster xmlns:a="http://schemas.openxmlformats.org/drawingml/2006/main" xmlns:r="http://schemas.openxmlformats.org/officeDocument/2006/relationships" xmlns:p="http://schemas.openxmlformats.org/presentationml/2006/main">
   <p:cSld>
@@ -3598,6 +4030,7 @@
     <p:sldLayoutId id="2147483673" r:id="rId6"/>
     <p:sldLayoutId id="2147483668" r:id="rId7"/>
     <p:sldLayoutId id="2147483667" r:id="rId8"/>
+    <p:sldLayoutId id="2147483674" r:id="rId9"/>
   </p:sldLayoutIdLst>
   <p:hf hdr="0" ftr="0" dt="0"/>
   <p:txStyles>
@@ -4029,6 +4462,12 @@
             <a:pPr marL="0" indent="0">
               <a:buNone/>
             </a:pPr>
+            <a:r>
+              <a:rPr kumimoji="1" lang="en-US" altLang="ja-JP" sz="2000" dirty="0">
+                <a:hlinkClick r:id="rId2"/>
+              </a:rPr>
+              <a:t>@hojicya_study</a:t>
+            </a:r>
             <a:endParaRPr kumimoji="1" lang="ja-JP" altLang="en-US" sz="2000" dirty="0"/>
           </a:p>
         </p:txBody>
@@ -4065,7 +4504,10 @@
             <a:pPr marL="0" indent="0">
               <a:buNone/>
             </a:pPr>
-            <a:endParaRPr kumimoji="1" lang="ja-JP" altLang="en-US" sz="2000" dirty="0"/>
+            <a:r>
+              <a:rPr kumimoji="1" lang="ja-JP" altLang="en-US" sz="2000" dirty="0"/>
+              <a:t>ほうじ茶</a:t>
+            </a:r>
           </a:p>
         </p:txBody>
       </p:sp>
@@ -4090,6 +4532,10 @@
           <a:bodyPr anchor="ctr"/>
           <a:lstStyle/>
           <a:p>
+            <a:r>
+              <a:rPr kumimoji="1" lang="en-US" altLang="ja-JP" sz="2000" dirty="0"/>
+              <a:t>Yr. 2025</a:t>
+            </a:r>
             <a:endParaRPr kumimoji="1" lang="ja-JP" altLang="en-US" sz="2000" dirty="0"/>
           </a:p>
         </p:txBody>
@@ -4137,13 +4583,7 @@
   <p:cSld>
     <p:spTree>
       <p:nvGrpSpPr>
-        <p:cNvPr id="1" name="">
-          <a:extLst>
-            <a:ext uri="{FF2B5EF4-FFF2-40B4-BE49-F238E27FC236}">
-              <a16:creationId xmlns:a16="http://schemas.microsoft.com/office/drawing/2014/main" id="{7644DCC6-2CA8-B9B8-C7F4-A14040509BE1}"/>
-            </a:ext>
-          </a:extLst>
-        </p:cNvPr>
+        <p:cNvPr id="1" name=""/>
         <p:cNvGrpSpPr/>
         <p:nvPr/>
       </p:nvGrpSpPr>
@@ -4157,123 +4597,10 @@
       </p:grpSpPr>
       <p:sp>
         <p:nvSpPr>
-          <p:cNvPr id="15" name="楕円 14">
-            <a:extLst>
-              <a:ext uri="{FF2B5EF4-FFF2-40B4-BE49-F238E27FC236}">
-                <a16:creationId xmlns:a16="http://schemas.microsoft.com/office/drawing/2014/main" id="{08A9D06D-DFF0-B31F-BEB8-B77BF00ABCF4}"/>
-              </a:ext>
-            </a:extLst>
-          </p:cNvPr>
-          <p:cNvSpPr/>
-          <p:nvPr/>
-        </p:nvSpPr>
-        <p:spPr>
-          <a:xfrm>
-            <a:off x="2151561" y="2216722"/>
-            <a:ext cx="913624" cy="929912"/>
-          </a:xfrm>
-          <a:prstGeom prst="ellipse">
-            <a:avLst/>
-          </a:prstGeom>
-          <a:ln>
-            <a:prstDash val="dash"/>
-          </a:ln>
-        </p:spPr>
-        <p:style>
-          <a:lnRef idx="1">
-            <a:schemeClr val="accent6"/>
-          </a:lnRef>
-          <a:fillRef idx="2">
-            <a:schemeClr val="accent6"/>
-          </a:fillRef>
-          <a:effectRef idx="1">
-            <a:schemeClr val="accent6"/>
-          </a:effectRef>
-          <a:fontRef idx="minor">
-            <a:schemeClr val="dk1"/>
-          </a:fontRef>
-        </p:style>
-        <p:txBody>
-          <a:bodyPr rtlCol="0" anchor="ctr"/>
-          <a:lstStyle/>
-          <a:p>
-            <a:pPr algn="ctr"/>
-            <a:r>
-              <a:rPr kumimoji="1" lang="en-US" altLang="ja-JP" sz="1800" dirty="0"/>
-              <a:t>100</a:t>
-            </a:r>
-          </a:p>
-          <a:p>
-            <a:pPr algn="ctr"/>
-            <a:r>
-              <a:rPr kumimoji="1" lang="en-US" altLang="ja-JP" sz="1800" dirty="0"/>
-              <a:t>kg</a:t>
-            </a:r>
-            <a:endParaRPr kumimoji="1" lang="ja-JP" altLang="en-US" sz="1800" dirty="0"/>
-          </a:p>
-        </p:txBody>
-      </p:sp>
-      <p:sp>
-        <p:nvSpPr>
-          <p:cNvPr id="18" name="楕円 17">
-            <a:extLst>
-              <a:ext uri="{FF2B5EF4-FFF2-40B4-BE49-F238E27FC236}">
-                <a16:creationId xmlns:a16="http://schemas.microsoft.com/office/drawing/2014/main" id="{EA0B03C0-FBB3-0006-D0C8-37428654D35F}"/>
-              </a:ext>
-            </a:extLst>
-          </p:cNvPr>
-          <p:cNvSpPr/>
-          <p:nvPr/>
-        </p:nvSpPr>
-        <p:spPr>
-          <a:xfrm>
-            <a:off x="2151561" y="2216153"/>
-            <a:ext cx="913624" cy="929912"/>
-          </a:xfrm>
-          <a:prstGeom prst="ellipse">
-            <a:avLst/>
-          </a:prstGeom>
-        </p:spPr>
-        <p:style>
-          <a:lnRef idx="1">
-            <a:schemeClr val="accent6"/>
-          </a:lnRef>
-          <a:fillRef idx="2">
-            <a:schemeClr val="accent6"/>
-          </a:fillRef>
-          <a:effectRef idx="1">
-            <a:schemeClr val="accent6"/>
-          </a:effectRef>
-          <a:fontRef idx="minor">
-            <a:schemeClr val="dk1"/>
-          </a:fontRef>
-        </p:style>
-        <p:txBody>
-          <a:bodyPr rtlCol="0" anchor="ctr"/>
-          <a:lstStyle/>
-          <a:p>
-            <a:pPr algn="ctr"/>
-            <a:r>
-              <a:rPr kumimoji="1" lang="en-US" altLang="ja-JP" sz="1800" dirty="0"/>
-              <a:t>100</a:t>
-            </a:r>
-          </a:p>
-          <a:p>
-            <a:pPr algn="ctr"/>
-            <a:r>
-              <a:rPr kumimoji="1" lang="en-US" altLang="ja-JP" sz="1800" dirty="0"/>
-              <a:t>kg</a:t>
-            </a:r>
-            <a:endParaRPr kumimoji="1" lang="ja-JP" altLang="en-US" sz="1800" dirty="0"/>
-          </a:p>
-        </p:txBody>
-      </p:sp>
-      <p:sp>
-        <p:nvSpPr>
-          <p:cNvPr id="38" name="テキスト プレースホルダー 37">
-            <a:extLst>
-              <a:ext uri="{FF2B5EF4-FFF2-40B4-BE49-F238E27FC236}">
-                <a16:creationId xmlns:a16="http://schemas.microsoft.com/office/drawing/2014/main" id="{AD66A11A-6391-160B-5AC3-C5378D6D1CE0}"/>
+          <p:cNvPr id="2" name="テキスト プレースホルダー 1">
+            <a:extLst>
+              <a:ext uri="{FF2B5EF4-FFF2-40B4-BE49-F238E27FC236}">
+                <a16:creationId xmlns:a16="http://schemas.microsoft.com/office/drawing/2014/main" id="{CE29F6E3-FD4E-66A4-460C-40301D481F52}"/>
               </a:ext>
             </a:extLst>
           </p:cNvPr>
@@ -4284,156 +4611,126 @@
             <p:ph type="body" sz="quarter" idx="24"/>
           </p:nvPr>
         </p:nvSpPr>
-        <p:spPr>
-          <a:xfrm>
-            <a:off x="3612104" y="2344166"/>
-            <a:ext cx="6293896" cy="1084806"/>
-          </a:xfrm>
-        </p:spPr>
+        <p:spPr/>
         <p:txBody>
           <a:bodyPr/>
           <a:lstStyle/>
           <a:p>
-            <a:pPr marL="0" indent="0">
-              <a:buNone/>
+            <a:pPr marL="685800" indent="-685800">
+              <a:buFont typeface="Arial" panose="020B0604020202020204" pitchFamily="34" charset="0"/>
+              <a:buChar char="•"/>
             </a:pPr>
             <a:r>
-              <a:rPr lang="ja-JP" altLang="en-US" sz="3200" dirty="0"/>
-              <a:t>アリストテレスの価値観：</a:t>
-            </a:r>
-            <a:endParaRPr lang="en-US" altLang="ja-JP" sz="3200" dirty="0"/>
-          </a:p>
-          <a:p>
-            <a:pPr marL="0" indent="0">
-              <a:buNone/>
+              <a:rPr kumimoji="1" lang="ja-JP" altLang="en-US" sz="4400" dirty="0"/>
+              <a:t>知りたいのは，</a:t>
+            </a:r>
+            <a:r>
+              <a:rPr lang="ja-JP" altLang="en-US" sz="4400" dirty="0">
+                <a:solidFill>
+                  <a:schemeClr val="accent6"/>
+                </a:solidFill>
+              </a:rPr>
+              <a:t>質量</a:t>
+            </a:r>
+            <a:r>
+              <a:rPr kumimoji="1" lang="ja-JP" altLang="en-US" sz="4400" dirty="0">
+                <a:solidFill>
+                  <a:schemeClr val="accent6"/>
+                </a:solidFill>
+              </a:rPr>
+              <a:t>によって落ちる時間が変わるの</a:t>
+            </a:r>
+            <a:r>
+              <a:rPr lang="ja-JP" altLang="en-US" sz="4400" dirty="0">
+                <a:solidFill>
+                  <a:schemeClr val="accent6"/>
+                </a:solidFill>
+              </a:rPr>
+              <a:t>か</a:t>
+            </a:r>
+            <a:r>
+              <a:rPr lang="ja-JP" altLang="en-US" sz="4400" dirty="0"/>
+              <a:t>．</a:t>
+            </a:r>
+            <a:endParaRPr lang="en-US" altLang="ja-JP" sz="4400" dirty="0"/>
+          </a:p>
+          <a:p>
+            <a:pPr marL="685800" indent="-685800">
+              <a:buFont typeface="Arial" panose="020B0604020202020204" pitchFamily="34" charset="0"/>
+              <a:buChar char="•"/>
             </a:pPr>
             <a:r>
-              <a:rPr lang="ja-JP" altLang="en-US" sz="3200" dirty="0"/>
-              <a:t>「重い物体ほど速く落下する！」</a:t>
-            </a:r>
-            <a:endParaRPr lang="en-US" altLang="ja-JP" sz="3200" dirty="0"/>
+              <a:rPr lang="ja-JP" altLang="en-US" sz="4400" dirty="0"/>
+              <a:t>質量以外の条件を合わせることで，</a:t>
+            </a:r>
+            <a:r>
+              <a:rPr lang="ja-JP" altLang="en-US" sz="4400" dirty="0">
+                <a:solidFill>
+                  <a:schemeClr val="accent6"/>
+                </a:solidFill>
+              </a:rPr>
+              <a:t>原因と結果の関係が明らか</a:t>
+            </a:r>
+            <a:r>
+              <a:rPr lang="ja-JP" altLang="en-US" sz="4400" dirty="0"/>
+              <a:t>になる．</a:t>
+            </a:r>
+            <a:endParaRPr lang="en-US" altLang="ja-JP" sz="4400" dirty="0"/>
+          </a:p>
+          <a:p>
+            <a:pPr marL="685800" indent="-685800">
+              <a:buFont typeface="Arial" panose="020B0604020202020204" pitchFamily="34" charset="0"/>
+              <a:buChar char="•"/>
+            </a:pPr>
+            <a:r>
+              <a:rPr kumimoji="1" lang="ja-JP" altLang="en-US" sz="4400" dirty="0"/>
+              <a:t>この実験方法を</a:t>
+            </a:r>
+            <a:r>
+              <a:rPr kumimoji="1" lang="ja-JP" altLang="en-US" sz="4400" dirty="0">
+                <a:solidFill>
+                  <a:schemeClr val="accent6"/>
+                </a:solidFill>
+              </a:rPr>
+              <a:t>対照実験</a:t>
+            </a:r>
+            <a:r>
+              <a:rPr kumimoji="1" lang="ja-JP" altLang="en-US" sz="4400" dirty="0"/>
+              <a:t>という．</a:t>
+            </a:r>
+            <a:endParaRPr kumimoji="1" lang="en-US" altLang="ja-JP" sz="4400" dirty="0"/>
+          </a:p>
+          <a:p>
+            <a:pPr marL="685800" indent="-685800">
+              <a:buFont typeface="Arial" panose="020B0604020202020204" pitchFamily="34" charset="0"/>
+              <a:buChar char="•"/>
+            </a:pPr>
+            <a:r>
+              <a:rPr kumimoji="1" lang="ja-JP" altLang="en-US" sz="4400" dirty="0"/>
+              <a:t>白い羽の方が，</a:t>
+            </a:r>
+            <a:r>
+              <a:rPr kumimoji="1" lang="ja-JP" altLang="en-US" sz="4400" dirty="0">
+                <a:solidFill>
+                  <a:schemeClr val="accent6"/>
+                </a:solidFill>
+              </a:rPr>
+              <a:t>空気抵抗があった</a:t>
+            </a:r>
+            <a:r>
+              <a:rPr kumimoji="1" lang="ja-JP" altLang="en-US" sz="4400" dirty="0"/>
+              <a:t>と考えられる．</a:t>
+            </a:r>
+            <a:endParaRPr kumimoji="1" lang="en-US" altLang="ja-JP" sz="4400" dirty="0"/>
           </a:p>
         </p:txBody>
       </p:sp>
       <p:sp>
         <p:nvSpPr>
-          <p:cNvPr id="14" name="楕円 13">
-            <a:extLst>
-              <a:ext uri="{FF2B5EF4-FFF2-40B4-BE49-F238E27FC236}">
-                <a16:creationId xmlns:a16="http://schemas.microsoft.com/office/drawing/2014/main" id="{EE6F58C1-CBD5-DE6A-1320-DEB752686CCE}"/>
-              </a:ext>
-            </a:extLst>
-          </p:cNvPr>
-          <p:cNvSpPr/>
-          <p:nvPr/>
-        </p:nvSpPr>
-        <p:spPr>
-          <a:xfrm>
-            <a:off x="669199" y="2540324"/>
-            <a:ext cx="620894" cy="611644"/>
-          </a:xfrm>
-          <a:prstGeom prst="ellipse">
-            <a:avLst/>
-          </a:prstGeom>
-          <a:ln>
-            <a:prstDash val="dash"/>
-          </a:ln>
-        </p:spPr>
-        <p:style>
-          <a:lnRef idx="1">
-            <a:schemeClr val="accent1"/>
-          </a:lnRef>
-          <a:fillRef idx="2">
-            <a:schemeClr val="accent1"/>
-          </a:fillRef>
-          <a:effectRef idx="1">
-            <a:schemeClr val="accent1"/>
-          </a:effectRef>
-          <a:fontRef idx="minor">
-            <a:schemeClr val="dk1"/>
-          </a:fontRef>
-        </p:style>
-        <p:txBody>
-          <a:bodyPr rtlCol="0" anchor="ctr"/>
-          <a:lstStyle/>
-          <a:p>
-            <a:pPr algn="ctr"/>
-            <a:r>
-              <a:rPr kumimoji="1" lang="en-US" altLang="ja-JP" sz="1400" dirty="0"/>
-              <a:t>1 </a:t>
-            </a:r>
-          </a:p>
-          <a:p>
-            <a:pPr algn="ctr"/>
-            <a:r>
-              <a:rPr kumimoji="1" lang="en-US" altLang="ja-JP" sz="1400" dirty="0"/>
-              <a:t>kg</a:t>
-            </a:r>
-            <a:endParaRPr kumimoji="1" lang="ja-JP" altLang="en-US" sz="1400" dirty="0"/>
-          </a:p>
-        </p:txBody>
-      </p:sp>
-      <p:sp>
-        <p:nvSpPr>
-          <p:cNvPr id="17" name="楕円 16">
-            <a:extLst>
-              <a:ext uri="{FF2B5EF4-FFF2-40B4-BE49-F238E27FC236}">
-                <a16:creationId xmlns:a16="http://schemas.microsoft.com/office/drawing/2014/main" id="{E13DED65-234C-07EB-E485-53D0FA858688}"/>
-              </a:ext>
-            </a:extLst>
-          </p:cNvPr>
-          <p:cNvSpPr/>
-          <p:nvPr/>
-        </p:nvSpPr>
-        <p:spPr>
-          <a:xfrm>
-            <a:off x="669199" y="2540001"/>
-            <a:ext cx="620894" cy="611644"/>
-          </a:xfrm>
-          <a:prstGeom prst="ellipse">
-            <a:avLst/>
-          </a:prstGeom>
-        </p:spPr>
-        <p:style>
-          <a:lnRef idx="1">
-            <a:schemeClr val="accent1"/>
-          </a:lnRef>
-          <a:fillRef idx="2">
-            <a:schemeClr val="accent1"/>
-          </a:fillRef>
-          <a:effectRef idx="1">
-            <a:schemeClr val="accent1"/>
-          </a:effectRef>
-          <a:fontRef idx="minor">
-            <a:schemeClr val="dk1"/>
-          </a:fontRef>
-        </p:style>
-        <p:txBody>
-          <a:bodyPr rtlCol="0" anchor="ctr"/>
-          <a:lstStyle/>
-          <a:p>
-            <a:pPr algn="ctr"/>
-            <a:r>
-              <a:rPr kumimoji="1" lang="en-US" altLang="ja-JP" sz="1400" dirty="0"/>
-              <a:t>1 </a:t>
-            </a:r>
-          </a:p>
-          <a:p>
-            <a:pPr algn="ctr"/>
-            <a:r>
-              <a:rPr kumimoji="1" lang="en-US" altLang="ja-JP" sz="1400" dirty="0"/>
-              <a:t>kg</a:t>
-            </a:r>
-            <a:endParaRPr kumimoji="1" lang="ja-JP" altLang="en-US" sz="1400" dirty="0"/>
-          </a:p>
-        </p:txBody>
-      </p:sp>
-      <p:sp>
-        <p:nvSpPr>
-          <p:cNvPr id="4" name="タイトル 3">
-            <a:extLst>
-              <a:ext uri="{FF2B5EF4-FFF2-40B4-BE49-F238E27FC236}">
-                <a16:creationId xmlns:a16="http://schemas.microsoft.com/office/drawing/2014/main" id="{46840A90-75C4-40A2-75BD-FC68144B7B1D}"/>
+          <p:cNvPr id="3" name="タイトル 2">
+            <a:extLst>
+              <a:ext uri="{FF2B5EF4-FFF2-40B4-BE49-F238E27FC236}">
+                <a16:creationId xmlns:a16="http://schemas.microsoft.com/office/drawing/2014/main" id="{94637F52-6122-FF78-9134-530A4812121A}"/>
               </a:ext>
             </a:extLst>
           </p:cNvPr>
@@ -4451,1035 +4748,17 @@
           <a:p>
             <a:r>
               <a:rPr kumimoji="1" lang="ja-JP" altLang="en-US" dirty="0"/>
-              <a:t>ガリレオが行った思考実験</a:t>
+              <a:t>実験は条件を合わせる必要がある</a:t>
             </a:r>
           </a:p>
         </p:txBody>
       </p:sp>
       <p:sp>
         <p:nvSpPr>
-          <p:cNvPr id="34" name="テキスト プレースホルダー 33">
-            <a:extLst>
-              <a:ext uri="{FF2B5EF4-FFF2-40B4-BE49-F238E27FC236}">
-                <a16:creationId xmlns:a16="http://schemas.microsoft.com/office/drawing/2014/main" id="{E825B643-4DB6-0721-72AD-56927F63C1C7}"/>
-              </a:ext>
-            </a:extLst>
-          </p:cNvPr>
-          <p:cNvSpPr>
-            <a:spLocks noGrp="1"/>
-          </p:cNvSpPr>
-          <p:nvPr>
-            <p:ph type="body" sz="quarter" idx="22"/>
-          </p:nvPr>
-        </p:nvSpPr>
-        <p:spPr/>
-        <p:txBody>
-          <a:bodyPr/>
-          <a:lstStyle/>
-          <a:p>
-            <a:r>
-              <a:rPr lang="en-US" altLang="ja-JP" baseline="30000" dirty="0"/>
-              <a:t>[3] </a:t>
-            </a:r>
-            <a:r>
-              <a:rPr lang="en-US" altLang="ja-JP" dirty="0">
-                <a:hlinkClick r:id="rId2"/>
-              </a:rPr>
-              <a:t>https://www.manabinoba.com/science/9720.html</a:t>
-            </a:r>
-            <a:endParaRPr lang="ja-JP" altLang="en-US" dirty="0"/>
-          </a:p>
-        </p:txBody>
-      </p:sp>
-      <p:sp>
-        <p:nvSpPr>
-          <p:cNvPr id="16" name="テキスト ボックス 15">
-            <a:extLst>
-              <a:ext uri="{FF2B5EF4-FFF2-40B4-BE49-F238E27FC236}">
-                <a16:creationId xmlns:a16="http://schemas.microsoft.com/office/drawing/2014/main" id="{57C122D8-9687-1570-BE6E-31CD78FB01F9}"/>
-              </a:ext>
-            </a:extLst>
-          </p:cNvPr>
-          <p:cNvSpPr txBox="1"/>
-          <p:nvPr/>
-        </p:nvSpPr>
-        <p:spPr>
-          <a:xfrm>
-            <a:off x="1063639" y="1704443"/>
-            <a:ext cx="1464049" cy="400110"/>
-          </a:xfrm>
-          <a:prstGeom prst="rect">
-            <a:avLst/>
-          </a:prstGeom>
-          <a:noFill/>
-        </p:spPr>
-        <p:txBody>
-          <a:bodyPr wrap="square" rtlCol="0">
-            <a:spAutoFit/>
-          </a:bodyPr>
-          <a:lstStyle/>
-          <a:p>
-            <a:pPr algn="ctr"/>
-            <a:r>
-              <a:rPr kumimoji="1" lang="ja-JP" altLang="en-US" sz="2000" dirty="0"/>
-              <a:t>同時に落下</a:t>
-            </a:r>
-          </a:p>
-        </p:txBody>
-      </p:sp>
-      <p:sp>
-        <p:nvSpPr>
-          <p:cNvPr id="35" name="テキスト ボックス 34">
-            <a:extLst>
-              <a:ext uri="{FF2B5EF4-FFF2-40B4-BE49-F238E27FC236}">
-                <a16:creationId xmlns:a16="http://schemas.microsoft.com/office/drawing/2014/main" id="{B8E75D50-B3C5-A0E9-E6D7-513BBAF24FC6}"/>
-              </a:ext>
-            </a:extLst>
-          </p:cNvPr>
-          <p:cNvSpPr txBox="1"/>
-          <p:nvPr/>
-        </p:nvSpPr>
-        <p:spPr>
-          <a:xfrm>
-            <a:off x="3336926" y="5932038"/>
-            <a:ext cx="2606674" cy="400110"/>
-          </a:xfrm>
-          <a:prstGeom prst="rect">
-            <a:avLst/>
-          </a:prstGeom>
-          <a:noFill/>
-        </p:spPr>
-        <p:txBody>
-          <a:bodyPr wrap="square" rtlCol="0">
-            <a:spAutoFit/>
-          </a:bodyPr>
-          <a:lstStyle/>
-          <a:p>
-            <a:r>
-              <a:rPr kumimoji="1" lang="ja-JP" altLang="en-US" sz="2000" dirty="0"/>
-              <a:t>途中で糸が切れる．</a:t>
-            </a:r>
-          </a:p>
-        </p:txBody>
-      </p:sp>
-      <p:sp>
-        <p:nvSpPr>
-          <p:cNvPr id="2" name="フリーフォーム: 図形 1">
-            <a:extLst>
-              <a:ext uri="{FF2B5EF4-FFF2-40B4-BE49-F238E27FC236}">
-                <a16:creationId xmlns:a16="http://schemas.microsoft.com/office/drawing/2014/main" id="{DD142E2E-1356-7AD5-6512-2ACFD40E4544}"/>
-              </a:ext>
-            </a:extLst>
-          </p:cNvPr>
-          <p:cNvSpPr/>
-          <p:nvPr/>
-        </p:nvSpPr>
-        <p:spPr>
-          <a:xfrm>
-            <a:off x="1290093" y="2549525"/>
-            <a:ext cx="439713" cy="263167"/>
-          </a:xfrm>
-          <a:custGeom>
-            <a:avLst/>
-            <a:gdLst>
-              <a:gd name="connsiteX0" fmla="*/ 0 w 495300"/>
-              <a:gd name="connsiteY0" fmla="*/ 323898 h 323898"/>
-              <a:gd name="connsiteX1" fmla="*/ 298450 w 495300"/>
-              <a:gd name="connsiteY1" fmla="*/ 48 h 323898"/>
-              <a:gd name="connsiteX2" fmla="*/ 495300 w 495300"/>
-              <a:gd name="connsiteY2" fmla="*/ 304848 h 323898"/>
-            </a:gdLst>
-            <a:ahLst/>
-            <a:cxnLst>
-              <a:cxn ang="0">
-                <a:pos x="connsiteX0" y="connsiteY0"/>
-              </a:cxn>
-              <a:cxn ang="0">
-                <a:pos x="connsiteX1" y="connsiteY1"/>
-              </a:cxn>
-              <a:cxn ang="0">
-                <a:pos x="connsiteX2" y="connsiteY2"/>
-              </a:cxn>
-            </a:cxnLst>
-            <a:rect l="l" t="t" r="r" b="b"/>
-            <a:pathLst>
-              <a:path w="495300" h="323898">
-                <a:moveTo>
-                  <a:pt x="0" y="323898"/>
-                </a:moveTo>
-                <a:cubicBezTo>
-                  <a:pt x="107950" y="163560"/>
-                  <a:pt x="215900" y="3223"/>
-                  <a:pt x="298450" y="48"/>
-                </a:cubicBezTo>
-                <a:cubicBezTo>
-                  <a:pt x="381000" y="-3127"/>
-                  <a:pt x="438150" y="150860"/>
-                  <a:pt x="495300" y="304848"/>
-                </a:cubicBezTo>
-              </a:path>
-            </a:pathLst>
-          </a:custGeom>
-          <a:noFill/>
-        </p:spPr>
-        <p:style>
-          <a:lnRef idx="2">
-            <a:schemeClr val="accent1">
-              <a:shade val="15000"/>
-            </a:schemeClr>
-          </a:lnRef>
-          <a:fillRef idx="1">
-            <a:schemeClr val="accent1"/>
-          </a:fillRef>
-          <a:effectRef idx="0">
-            <a:schemeClr val="accent1"/>
-          </a:effectRef>
-          <a:fontRef idx="minor">
-            <a:schemeClr val="lt1"/>
-          </a:fontRef>
-        </p:style>
-        <p:txBody>
-          <a:bodyPr rtlCol="0" anchor="ctr"/>
-          <a:lstStyle/>
-          <a:p>
-            <a:pPr algn="ctr"/>
-            <a:endParaRPr kumimoji="1" lang="ja-JP" altLang="en-US" sz="975"/>
-          </a:p>
-        </p:txBody>
-      </p:sp>
-      <p:sp>
-        <p:nvSpPr>
-          <p:cNvPr id="9" name="フリーフォーム: 図形 8">
-            <a:extLst>
-              <a:ext uri="{FF2B5EF4-FFF2-40B4-BE49-F238E27FC236}">
-                <a16:creationId xmlns:a16="http://schemas.microsoft.com/office/drawing/2014/main" id="{4B5F411F-E4A0-626A-015B-4020A08D5E51}"/>
-              </a:ext>
-            </a:extLst>
-          </p:cNvPr>
-          <p:cNvSpPr/>
-          <p:nvPr/>
-        </p:nvSpPr>
-        <p:spPr>
-          <a:xfrm rot="10800000">
-            <a:off x="1701818" y="2714239"/>
-            <a:ext cx="439714" cy="263167"/>
-          </a:xfrm>
-          <a:custGeom>
-            <a:avLst/>
-            <a:gdLst>
-              <a:gd name="connsiteX0" fmla="*/ 0 w 495300"/>
-              <a:gd name="connsiteY0" fmla="*/ 323898 h 323898"/>
-              <a:gd name="connsiteX1" fmla="*/ 298450 w 495300"/>
-              <a:gd name="connsiteY1" fmla="*/ 48 h 323898"/>
-              <a:gd name="connsiteX2" fmla="*/ 495300 w 495300"/>
-              <a:gd name="connsiteY2" fmla="*/ 304848 h 323898"/>
-            </a:gdLst>
-            <a:ahLst/>
-            <a:cxnLst>
-              <a:cxn ang="0">
-                <a:pos x="connsiteX0" y="connsiteY0"/>
-              </a:cxn>
-              <a:cxn ang="0">
-                <a:pos x="connsiteX1" y="connsiteY1"/>
-              </a:cxn>
-              <a:cxn ang="0">
-                <a:pos x="connsiteX2" y="connsiteY2"/>
-              </a:cxn>
-            </a:cxnLst>
-            <a:rect l="l" t="t" r="r" b="b"/>
-            <a:pathLst>
-              <a:path w="495300" h="323898">
-                <a:moveTo>
-                  <a:pt x="0" y="323898"/>
-                </a:moveTo>
-                <a:cubicBezTo>
-                  <a:pt x="107950" y="163560"/>
-                  <a:pt x="215900" y="3223"/>
-                  <a:pt x="298450" y="48"/>
-                </a:cubicBezTo>
-                <a:cubicBezTo>
-                  <a:pt x="381000" y="-3127"/>
-                  <a:pt x="438150" y="150860"/>
-                  <a:pt x="495300" y="304848"/>
-                </a:cubicBezTo>
-              </a:path>
-            </a:pathLst>
-          </a:custGeom>
-          <a:noFill/>
-        </p:spPr>
-        <p:style>
-          <a:lnRef idx="2">
-            <a:schemeClr val="accent1">
-              <a:shade val="15000"/>
-            </a:schemeClr>
-          </a:lnRef>
-          <a:fillRef idx="1">
-            <a:schemeClr val="accent1"/>
-          </a:fillRef>
-          <a:effectRef idx="0">
-            <a:schemeClr val="accent1"/>
-          </a:effectRef>
-          <a:fontRef idx="minor">
-            <a:schemeClr val="lt1"/>
-          </a:fontRef>
-        </p:style>
-        <p:txBody>
-          <a:bodyPr rtlCol="0" anchor="ctr"/>
-          <a:lstStyle/>
-          <a:p>
-            <a:pPr algn="ctr"/>
-            <a:endParaRPr kumimoji="1" lang="ja-JP" altLang="en-US" sz="975"/>
-          </a:p>
-        </p:txBody>
-      </p:sp>
-      <p:sp>
-        <p:nvSpPr>
-          <p:cNvPr id="3" name="爆発: 8 pt 2">
-            <a:extLst>
-              <a:ext uri="{FF2B5EF4-FFF2-40B4-BE49-F238E27FC236}">
-                <a16:creationId xmlns:a16="http://schemas.microsoft.com/office/drawing/2014/main" id="{3EC1F2FE-36F5-8ECE-777E-7A7669A08DE7}"/>
-              </a:ext>
-            </a:extLst>
-          </p:cNvPr>
-          <p:cNvSpPr/>
-          <p:nvPr/>
-        </p:nvSpPr>
-        <p:spPr>
-          <a:xfrm>
-            <a:off x="1627218" y="4999403"/>
-            <a:ext cx="336889" cy="297360"/>
-          </a:xfrm>
-          <a:prstGeom prst="irregularSeal1">
-            <a:avLst/>
-          </a:prstGeom>
-        </p:spPr>
-        <p:style>
-          <a:lnRef idx="2">
-            <a:schemeClr val="accent5">
-              <a:shade val="15000"/>
-            </a:schemeClr>
-          </a:lnRef>
-          <a:fillRef idx="1">
-            <a:schemeClr val="accent5"/>
-          </a:fillRef>
-          <a:effectRef idx="0">
-            <a:schemeClr val="accent5"/>
-          </a:effectRef>
-          <a:fontRef idx="minor">
-            <a:schemeClr val="lt1"/>
-          </a:fontRef>
-        </p:style>
-        <p:txBody>
-          <a:bodyPr rtlCol="0" anchor="ctr"/>
-          <a:lstStyle/>
-          <a:p>
-            <a:pPr algn="ctr"/>
-            <a:endParaRPr kumimoji="1" lang="ja-JP" altLang="en-US" sz="975"/>
-          </a:p>
-        </p:txBody>
-      </p:sp>
-      <p:grpSp>
-        <p:nvGrpSpPr>
-          <p:cNvPr id="37" name="グループ化 36">
-            <a:extLst>
-              <a:ext uri="{FF2B5EF4-FFF2-40B4-BE49-F238E27FC236}">
-                <a16:creationId xmlns:a16="http://schemas.microsoft.com/office/drawing/2014/main" id="{2F74C5C6-D7A2-0D61-3CF4-8FE05E5200D8}"/>
-              </a:ext>
-            </a:extLst>
-          </p:cNvPr>
-          <p:cNvGrpSpPr/>
-          <p:nvPr/>
-        </p:nvGrpSpPr>
-        <p:grpSpPr>
-          <a:xfrm>
-            <a:off x="3612104" y="3651323"/>
-            <a:ext cx="6269930" cy="1745770"/>
-            <a:chOff x="3612103" y="3651323"/>
-            <a:chExt cx="6293897" cy="1745770"/>
-          </a:xfrm>
-        </p:grpSpPr>
-        <p:sp>
-          <p:nvSpPr>
-            <p:cNvPr id="24" name="テキスト プレースホルダー 1">
-              <a:extLst>
-                <a:ext uri="{FF2B5EF4-FFF2-40B4-BE49-F238E27FC236}">
-                  <a16:creationId xmlns:a16="http://schemas.microsoft.com/office/drawing/2014/main" id="{2B660E09-61F5-3A51-5DA2-0E6B0FA739FF}"/>
-                </a:ext>
-              </a:extLst>
-            </p:cNvPr>
-            <p:cNvSpPr txBox="1">
-              <a:spLocks/>
-            </p:cNvSpPr>
-            <p:nvPr/>
-          </p:nvSpPr>
-          <p:spPr>
-            <a:xfrm>
-              <a:off x="3612103" y="4260474"/>
-              <a:ext cx="6293897" cy="1136619"/>
-            </a:xfrm>
-            <a:prstGeom prst="rect">
-              <a:avLst/>
-            </a:prstGeom>
-          </p:spPr>
-          <p:txBody>
-            <a:bodyPr anchor="ctr"/>
-            <a:lstStyle>
-              <a:lvl1pPr marL="0" indent="0" algn="l" defTabSz="609630" rtl="0" eaLnBrk="1" latinLnBrk="0" hangingPunct="1">
-                <a:spcBef>
-                  <a:spcPct val="20000"/>
-                </a:spcBef>
-                <a:buFont typeface="Arial" pitchFamily="34" charset="0"/>
-                <a:buNone/>
-                <a:defRPr kumimoji="1" sz="3600" kern="1200">
-                  <a:solidFill>
-                    <a:schemeClr val="tx1"/>
-                  </a:solidFill>
-                  <a:latin typeface="+mj-lt"/>
-                  <a:ea typeface="+mn-ea"/>
-                  <a:cs typeface="+mn-cs"/>
-                </a:defRPr>
-              </a:lvl1pPr>
-              <a:lvl2pPr marL="495325" indent="-190510" algn="l" defTabSz="609630" rtl="0" eaLnBrk="1" latinLnBrk="0" hangingPunct="1">
-                <a:spcBef>
-                  <a:spcPct val="20000"/>
-                </a:spcBef>
-                <a:buFont typeface="Arial" pitchFamily="34" charset="0"/>
-                <a:buChar char="–"/>
-                <a:defRPr kumimoji="1" sz="1867" kern="1200">
-                  <a:solidFill>
-                    <a:schemeClr val="tx1"/>
-                  </a:solidFill>
-                  <a:latin typeface="+mn-lt"/>
-                  <a:ea typeface="+mn-ea"/>
-                  <a:cs typeface="+mn-cs"/>
-                </a:defRPr>
-              </a:lvl2pPr>
-              <a:lvl3pPr marL="762038" indent="-152408" algn="l" defTabSz="609630" rtl="0" eaLnBrk="1" latinLnBrk="0" hangingPunct="1">
-                <a:spcBef>
-                  <a:spcPct val="20000"/>
-                </a:spcBef>
-                <a:buFont typeface="Arial" pitchFamily="34" charset="0"/>
-                <a:buChar char="•"/>
-                <a:defRPr kumimoji="1" sz="1600" kern="1200">
-                  <a:solidFill>
-                    <a:schemeClr val="tx1"/>
-                  </a:solidFill>
-                  <a:latin typeface="+mn-lt"/>
-                  <a:ea typeface="+mn-ea"/>
-                  <a:cs typeface="+mn-cs"/>
-                </a:defRPr>
-              </a:lvl3pPr>
-              <a:lvl4pPr marL="1066853" indent="-152408" algn="l" defTabSz="609630" rtl="0" eaLnBrk="1" latinLnBrk="0" hangingPunct="1">
-                <a:spcBef>
-                  <a:spcPct val="20000"/>
-                </a:spcBef>
-                <a:buFont typeface="Arial" pitchFamily="34" charset="0"/>
-                <a:buChar char="–"/>
-                <a:defRPr kumimoji="1" sz="1333" kern="1200">
-                  <a:solidFill>
-                    <a:schemeClr val="tx1"/>
-                  </a:solidFill>
-                  <a:latin typeface="+mn-lt"/>
-                  <a:ea typeface="+mn-ea"/>
-                  <a:cs typeface="+mn-cs"/>
-                </a:defRPr>
-              </a:lvl4pPr>
-              <a:lvl5pPr marL="1371669" indent="-152408" algn="l" defTabSz="609630" rtl="0" eaLnBrk="1" latinLnBrk="0" hangingPunct="1">
-                <a:spcBef>
-                  <a:spcPct val="20000"/>
-                </a:spcBef>
-                <a:buFont typeface="Arial" pitchFamily="34" charset="0"/>
-                <a:buChar char="»"/>
-                <a:defRPr kumimoji="1" sz="1333" kern="1200">
-                  <a:solidFill>
-                    <a:schemeClr val="tx1"/>
-                  </a:solidFill>
-                  <a:latin typeface="+mn-lt"/>
-                  <a:ea typeface="+mn-ea"/>
-                  <a:cs typeface="+mn-cs"/>
-                </a:defRPr>
-              </a:lvl5pPr>
-              <a:lvl6pPr marL="1676484" indent="-152408" algn="l" defTabSz="609630" rtl="0" eaLnBrk="1" latinLnBrk="0" hangingPunct="1">
-                <a:spcBef>
-                  <a:spcPct val="20000"/>
-                </a:spcBef>
-                <a:buFont typeface="Arial" pitchFamily="34" charset="0"/>
-                <a:buChar char="•"/>
-                <a:defRPr kumimoji="1" sz="1333" kern="1200">
-                  <a:solidFill>
-                    <a:schemeClr val="tx1"/>
-                  </a:solidFill>
-                  <a:latin typeface="+mn-lt"/>
-                  <a:ea typeface="+mn-ea"/>
-                  <a:cs typeface="+mn-cs"/>
-                </a:defRPr>
-              </a:lvl6pPr>
-              <a:lvl7pPr marL="1981299" indent="-152408" algn="l" defTabSz="609630" rtl="0" eaLnBrk="1" latinLnBrk="0" hangingPunct="1">
-                <a:spcBef>
-                  <a:spcPct val="20000"/>
-                </a:spcBef>
-                <a:buFont typeface="Arial" pitchFamily="34" charset="0"/>
-                <a:buChar char="•"/>
-                <a:defRPr kumimoji="1" sz="1333" kern="1200">
-                  <a:solidFill>
-                    <a:schemeClr val="tx1"/>
-                  </a:solidFill>
-                  <a:latin typeface="+mn-lt"/>
-                  <a:ea typeface="+mn-ea"/>
-                  <a:cs typeface="+mn-cs"/>
-                </a:defRPr>
-              </a:lvl7pPr>
-              <a:lvl8pPr marL="2286114" indent="-152408" algn="l" defTabSz="609630" rtl="0" eaLnBrk="1" latinLnBrk="0" hangingPunct="1">
-                <a:spcBef>
-                  <a:spcPct val="20000"/>
-                </a:spcBef>
-                <a:buFont typeface="Arial" pitchFamily="34" charset="0"/>
-                <a:buChar char="•"/>
-                <a:defRPr kumimoji="1" sz="1333" kern="1200">
-                  <a:solidFill>
-                    <a:schemeClr val="tx1"/>
-                  </a:solidFill>
-                  <a:latin typeface="+mn-lt"/>
-                  <a:ea typeface="+mn-ea"/>
-                  <a:cs typeface="+mn-cs"/>
-                </a:defRPr>
-              </a:lvl8pPr>
-              <a:lvl9pPr marL="2590930" indent="-152408" algn="l" defTabSz="609630" rtl="0" eaLnBrk="1" latinLnBrk="0" hangingPunct="1">
-                <a:spcBef>
-                  <a:spcPct val="20000"/>
-                </a:spcBef>
-                <a:buFont typeface="Arial" pitchFamily="34" charset="0"/>
-                <a:buChar char="•"/>
-                <a:defRPr kumimoji="1" sz="1333" kern="1200">
-                  <a:solidFill>
-                    <a:schemeClr val="tx1"/>
-                  </a:solidFill>
-                  <a:latin typeface="+mn-lt"/>
-                  <a:ea typeface="+mn-ea"/>
-                  <a:cs typeface="+mn-cs"/>
-                </a:defRPr>
-              </a:lvl9pPr>
-            </a:lstStyle>
-            <a:p>
-              <a:r>
-                <a:rPr lang="en-US" altLang="ja-JP" sz="3200" dirty="0">
-                  <a:latin typeface="+mn-lt"/>
-                </a:rPr>
-                <a:t>2</a:t>
-              </a:r>
-              <a:r>
-                <a:rPr lang="ja-JP" altLang="en-US" sz="3200" dirty="0">
-                  <a:latin typeface="+mn-lt"/>
-                </a:rPr>
-                <a:t>つの物体を糸で繋いで落とせば</a:t>
-              </a:r>
-              <a:endParaRPr lang="en-US" altLang="ja-JP" sz="3200" dirty="0">
-                <a:latin typeface="+mn-lt"/>
-              </a:endParaRPr>
-            </a:p>
-            <a:p>
-              <a:r>
-                <a:rPr lang="ja-JP" altLang="en-US" sz="3200" dirty="0">
-                  <a:latin typeface="+mn-lt"/>
-                </a:rPr>
-                <a:t>途中で糸が切れる？</a:t>
-              </a:r>
-            </a:p>
-          </p:txBody>
-        </p:sp>
-        <p:sp>
-          <p:nvSpPr>
-            <p:cNvPr id="25" name="テキスト プレースホルダー 1">
-              <a:extLst>
-                <a:ext uri="{FF2B5EF4-FFF2-40B4-BE49-F238E27FC236}">
-                  <a16:creationId xmlns:a16="http://schemas.microsoft.com/office/drawing/2014/main" id="{8E3E04FB-04FD-41A9-90FC-B7DDB10C10B7}"/>
-                </a:ext>
-              </a:extLst>
-            </p:cNvPr>
-            <p:cNvSpPr txBox="1">
-              <a:spLocks/>
-            </p:cNvSpPr>
-            <p:nvPr/>
-          </p:nvSpPr>
-          <p:spPr>
-            <a:xfrm>
-              <a:off x="3612529" y="3651323"/>
-              <a:ext cx="6293468" cy="441001"/>
-            </a:xfrm>
-            <a:prstGeom prst="rect">
-              <a:avLst/>
-            </a:prstGeom>
-          </p:spPr>
-          <p:txBody>
-            <a:bodyPr anchor="ctr"/>
-            <a:lstStyle>
-              <a:lvl1pPr marL="0" indent="0" algn="l" defTabSz="609630" rtl="0" eaLnBrk="1" latinLnBrk="0" hangingPunct="1">
-                <a:spcBef>
-                  <a:spcPct val="20000"/>
-                </a:spcBef>
-                <a:buFont typeface="Arial" pitchFamily="34" charset="0"/>
-                <a:buNone/>
-                <a:defRPr kumimoji="1" sz="3600" kern="1200">
-                  <a:solidFill>
-                    <a:schemeClr val="tx1"/>
-                  </a:solidFill>
-                  <a:latin typeface="+mj-lt"/>
-                  <a:ea typeface="+mn-ea"/>
-                  <a:cs typeface="+mn-cs"/>
-                </a:defRPr>
-              </a:lvl1pPr>
-              <a:lvl2pPr marL="495325" indent="-190510" algn="l" defTabSz="609630" rtl="0" eaLnBrk="1" latinLnBrk="0" hangingPunct="1">
-                <a:spcBef>
-                  <a:spcPct val="20000"/>
-                </a:spcBef>
-                <a:buFont typeface="Arial" pitchFamily="34" charset="0"/>
-                <a:buChar char="–"/>
-                <a:defRPr kumimoji="1" sz="1867" kern="1200">
-                  <a:solidFill>
-                    <a:schemeClr val="tx1"/>
-                  </a:solidFill>
-                  <a:latin typeface="+mn-lt"/>
-                  <a:ea typeface="+mn-ea"/>
-                  <a:cs typeface="+mn-cs"/>
-                </a:defRPr>
-              </a:lvl2pPr>
-              <a:lvl3pPr marL="762038" indent="-152408" algn="l" defTabSz="609630" rtl="0" eaLnBrk="1" latinLnBrk="0" hangingPunct="1">
-                <a:spcBef>
-                  <a:spcPct val="20000"/>
-                </a:spcBef>
-                <a:buFont typeface="Arial" pitchFamily="34" charset="0"/>
-                <a:buChar char="•"/>
-                <a:defRPr kumimoji="1" sz="1600" kern="1200">
-                  <a:solidFill>
-                    <a:schemeClr val="tx1"/>
-                  </a:solidFill>
-                  <a:latin typeface="+mn-lt"/>
-                  <a:ea typeface="+mn-ea"/>
-                  <a:cs typeface="+mn-cs"/>
-                </a:defRPr>
-              </a:lvl3pPr>
-              <a:lvl4pPr marL="1066853" indent="-152408" algn="l" defTabSz="609630" rtl="0" eaLnBrk="1" latinLnBrk="0" hangingPunct="1">
-                <a:spcBef>
-                  <a:spcPct val="20000"/>
-                </a:spcBef>
-                <a:buFont typeface="Arial" pitchFamily="34" charset="0"/>
-                <a:buChar char="–"/>
-                <a:defRPr kumimoji="1" sz="1333" kern="1200">
-                  <a:solidFill>
-                    <a:schemeClr val="tx1"/>
-                  </a:solidFill>
-                  <a:latin typeface="+mn-lt"/>
-                  <a:ea typeface="+mn-ea"/>
-                  <a:cs typeface="+mn-cs"/>
-                </a:defRPr>
-              </a:lvl4pPr>
-              <a:lvl5pPr marL="1371669" indent="-152408" algn="l" defTabSz="609630" rtl="0" eaLnBrk="1" latinLnBrk="0" hangingPunct="1">
-                <a:spcBef>
-                  <a:spcPct val="20000"/>
-                </a:spcBef>
-                <a:buFont typeface="Arial" pitchFamily="34" charset="0"/>
-                <a:buChar char="»"/>
-                <a:defRPr kumimoji="1" sz="1333" kern="1200">
-                  <a:solidFill>
-                    <a:schemeClr val="tx1"/>
-                  </a:solidFill>
-                  <a:latin typeface="+mn-lt"/>
-                  <a:ea typeface="+mn-ea"/>
-                  <a:cs typeface="+mn-cs"/>
-                </a:defRPr>
-              </a:lvl5pPr>
-              <a:lvl6pPr marL="1676484" indent="-152408" algn="l" defTabSz="609630" rtl="0" eaLnBrk="1" latinLnBrk="0" hangingPunct="1">
-                <a:spcBef>
-                  <a:spcPct val="20000"/>
-                </a:spcBef>
-                <a:buFont typeface="Arial" pitchFamily="34" charset="0"/>
-                <a:buChar char="•"/>
-                <a:defRPr kumimoji="1" sz="1333" kern="1200">
-                  <a:solidFill>
-                    <a:schemeClr val="tx1"/>
-                  </a:solidFill>
-                  <a:latin typeface="+mn-lt"/>
-                  <a:ea typeface="+mn-ea"/>
-                  <a:cs typeface="+mn-cs"/>
-                </a:defRPr>
-              </a:lvl6pPr>
-              <a:lvl7pPr marL="1981299" indent="-152408" algn="l" defTabSz="609630" rtl="0" eaLnBrk="1" latinLnBrk="0" hangingPunct="1">
-                <a:spcBef>
-                  <a:spcPct val="20000"/>
-                </a:spcBef>
-                <a:buFont typeface="Arial" pitchFamily="34" charset="0"/>
-                <a:buChar char="•"/>
-                <a:defRPr kumimoji="1" sz="1333" kern="1200">
-                  <a:solidFill>
-                    <a:schemeClr val="tx1"/>
-                  </a:solidFill>
-                  <a:latin typeface="+mn-lt"/>
-                  <a:ea typeface="+mn-ea"/>
-                  <a:cs typeface="+mn-cs"/>
-                </a:defRPr>
-              </a:lvl7pPr>
-              <a:lvl8pPr marL="2286114" indent="-152408" algn="l" defTabSz="609630" rtl="0" eaLnBrk="1" latinLnBrk="0" hangingPunct="1">
-                <a:spcBef>
-                  <a:spcPct val="20000"/>
-                </a:spcBef>
-                <a:buFont typeface="Arial" pitchFamily="34" charset="0"/>
-                <a:buChar char="•"/>
-                <a:defRPr kumimoji="1" sz="1333" kern="1200">
-                  <a:solidFill>
-                    <a:schemeClr val="tx1"/>
-                  </a:solidFill>
-                  <a:latin typeface="+mn-lt"/>
-                  <a:ea typeface="+mn-ea"/>
-                  <a:cs typeface="+mn-cs"/>
-                </a:defRPr>
-              </a:lvl8pPr>
-              <a:lvl9pPr marL="2590930" indent="-152408" algn="l" defTabSz="609630" rtl="0" eaLnBrk="1" latinLnBrk="0" hangingPunct="1">
-                <a:spcBef>
-                  <a:spcPct val="20000"/>
-                </a:spcBef>
-                <a:buFont typeface="Arial" pitchFamily="34" charset="0"/>
-                <a:buChar char="•"/>
-                <a:defRPr kumimoji="1" sz="1333" kern="1200">
-                  <a:solidFill>
-                    <a:schemeClr val="tx1"/>
-                  </a:solidFill>
-                  <a:latin typeface="+mn-lt"/>
-                  <a:ea typeface="+mn-ea"/>
-                  <a:cs typeface="+mn-cs"/>
-                </a:defRPr>
-              </a:lvl9pPr>
-            </a:lstStyle>
-            <a:p>
-              <a:pPr algn="ctr"/>
-              <a:r>
-                <a:rPr lang="ja-JP" altLang="en-US" sz="3200" dirty="0">
-                  <a:latin typeface="+mn-lt"/>
-                </a:rPr>
-                <a:t>↓</a:t>
-              </a:r>
-              <a:endParaRPr lang="en-US" altLang="ja-JP" sz="3200" dirty="0">
-                <a:latin typeface="+mn-lt"/>
-              </a:endParaRPr>
-            </a:p>
-          </p:txBody>
-        </p:sp>
-      </p:grpSp>
-      <p:cxnSp>
-        <p:nvCxnSpPr>
-          <p:cNvPr id="11" name="直線コネクタ 10">
-            <a:extLst>
-              <a:ext uri="{FF2B5EF4-FFF2-40B4-BE49-F238E27FC236}">
-                <a16:creationId xmlns:a16="http://schemas.microsoft.com/office/drawing/2014/main" id="{23E5DD23-8A83-76DF-D9D4-7EB65EF7BB90}"/>
-              </a:ext>
-            </a:extLst>
-          </p:cNvPr>
-          <p:cNvCxnSpPr>
-            <a:cxnSpLocks/>
-          </p:cNvCxnSpPr>
-          <p:nvPr/>
-        </p:nvCxnSpPr>
-        <p:spPr>
-          <a:xfrm flipH="1">
-            <a:off x="402217" y="3152631"/>
-            <a:ext cx="2934709" cy="0"/>
-          </a:xfrm>
-          <a:prstGeom prst="line">
-            <a:avLst/>
-          </a:prstGeom>
-          <a:ln w="19050">
-            <a:solidFill>
-              <a:schemeClr val="tx1"/>
-            </a:solidFill>
-            <a:prstDash val="dash"/>
-          </a:ln>
-        </p:spPr>
-        <p:style>
-          <a:lnRef idx="1">
-            <a:schemeClr val="accent1"/>
-          </a:lnRef>
-          <a:fillRef idx="0">
-            <a:schemeClr val="accent1"/>
-          </a:fillRef>
-          <a:effectRef idx="0">
-            <a:schemeClr val="accent1"/>
-          </a:effectRef>
-          <a:fontRef idx="minor">
-            <a:schemeClr val="tx1"/>
-          </a:fontRef>
-        </p:style>
-      </p:cxnSp>
-      <p:sp>
-        <p:nvSpPr>
-          <p:cNvPr id="5" name="フリーフォーム: 図形 4">
-            <a:extLst>
-              <a:ext uri="{FF2B5EF4-FFF2-40B4-BE49-F238E27FC236}">
-                <a16:creationId xmlns:a16="http://schemas.microsoft.com/office/drawing/2014/main" id="{B252B7C1-6A65-3863-DADA-0F5669998AE9}"/>
-              </a:ext>
-            </a:extLst>
-          </p:cNvPr>
-          <p:cNvSpPr/>
-          <p:nvPr/>
-        </p:nvSpPr>
-        <p:spPr>
-          <a:xfrm>
-            <a:off x="1290093" y="2551766"/>
-            <a:ext cx="439713" cy="263167"/>
-          </a:xfrm>
-          <a:custGeom>
-            <a:avLst/>
-            <a:gdLst>
-              <a:gd name="connsiteX0" fmla="*/ 0 w 495300"/>
-              <a:gd name="connsiteY0" fmla="*/ 323898 h 323898"/>
-              <a:gd name="connsiteX1" fmla="*/ 298450 w 495300"/>
-              <a:gd name="connsiteY1" fmla="*/ 48 h 323898"/>
-              <a:gd name="connsiteX2" fmla="*/ 495300 w 495300"/>
-              <a:gd name="connsiteY2" fmla="*/ 304848 h 323898"/>
-            </a:gdLst>
-            <a:ahLst/>
-            <a:cxnLst>
-              <a:cxn ang="0">
-                <a:pos x="connsiteX0" y="connsiteY0"/>
-              </a:cxn>
-              <a:cxn ang="0">
-                <a:pos x="connsiteX1" y="connsiteY1"/>
-              </a:cxn>
-              <a:cxn ang="0">
-                <a:pos x="connsiteX2" y="connsiteY2"/>
-              </a:cxn>
-            </a:cxnLst>
-            <a:rect l="l" t="t" r="r" b="b"/>
-            <a:pathLst>
-              <a:path w="495300" h="323898">
-                <a:moveTo>
-                  <a:pt x="0" y="323898"/>
-                </a:moveTo>
-                <a:cubicBezTo>
-                  <a:pt x="107950" y="163560"/>
-                  <a:pt x="215900" y="3223"/>
-                  <a:pt x="298450" y="48"/>
-                </a:cubicBezTo>
-                <a:cubicBezTo>
-                  <a:pt x="381000" y="-3127"/>
-                  <a:pt x="438150" y="150860"/>
-                  <a:pt x="495300" y="304848"/>
-                </a:cubicBezTo>
-              </a:path>
-            </a:pathLst>
-          </a:custGeom>
-          <a:noFill/>
-          <a:ln>
-            <a:solidFill>
-              <a:srgbClr val="172C51"/>
-            </a:solidFill>
-            <a:prstDash val="dash"/>
-          </a:ln>
-        </p:spPr>
-        <p:style>
-          <a:lnRef idx="2">
-            <a:schemeClr val="accent1">
-              <a:shade val="15000"/>
-            </a:schemeClr>
-          </a:lnRef>
-          <a:fillRef idx="1">
-            <a:schemeClr val="accent1"/>
-          </a:fillRef>
-          <a:effectRef idx="0">
-            <a:schemeClr val="accent1"/>
-          </a:effectRef>
-          <a:fontRef idx="minor">
-            <a:schemeClr val="lt1"/>
-          </a:fontRef>
-        </p:style>
-        <p:txBody>
-          <a:bodyPr rtlCol="0" anchor="ctr"/>
-          <a:lstStyle/>
-          <a:p>
-            <a:pPr algn="ctr"/>
-            <a:endParaRPr kumimoji="1" lang="ja-JP" altLang="en-US" sz="975"/>
-          </a:p>
-        </p:txBody>
-      </p:sp>
-      <p:sp>
-        <p:nvSpPr>
-          <p:cNvPr id="6" name="フリーフォーム: 図形 5">
-            <a:extLst>
-              <a:ext uri="{FF2B5EF4-FFF2-40B4-BE49-F238E27FC236}">
-                <a16:creationId xmlns:a16="http://schemas.microsoft.com/office/drawing/2014/main" id="{63197FF1-FE4C-7738-D093-2416D1BFAC90}"/>
-              </a:ext>
-            </a:extLst>
-          </p:cNvPr>
-          <p:cNvSpPr/>
-          <p:nvPr/>
-        </p:nvSpPr>
-        <p:spPr>
-          <a:xfrm rot="10800000">
-            <a:off x="1701818" y="2716480"/>
-            <a:ext cx="439714" cy="263167"/>
-          </a:xfrm>
-          <a:custGeom>
-            <a:avLst/>
-            <a:gdLst>
-              <a:gd name="connsiteX0" fmla="*/ 0 w 495300"/>
-              <a:gd name="connsiteY0" fmla="*/ 323898 h 323898"/>
-              <a:gd name="connsiteX1" fmla="*/ 298450 w 495300"/>
-              <a:gd name="connsiteY1" fmla="*/ 48 h 323898"/>
-              <a:gd name="connsiteX2" fmla="*/ 495300 w 495300"/>
-              <a:gd name="connsiteY2" fmla="*/ 304848 h 323898"/>
-            </a:gdLst>
-            <a:ahLst/>
-            <a:cxnLst>
-              <a:cxn ang="0">
-                <a:pos x="connsiteX0" y="connsiteY0"/>
-              </a:cxn>
-              <a:cxn ang="0">
-                <a:pos x="connsiteX1" y="connsiteY1"/>
-              </a:cxn>
-              <a:cxn ang="0">
-                <a:pos x="connsiteX2" y="connsiteY2"/>
-              </a:cxn>
-            </a:cxnLst>
-            <a:rect l="l" t="t" r="r" b="b"/>
-            <a:pathLst>
-              <a:path w="495300" h="323898">
-                <a:moveTo>
-                  <a:pt x="0" y="323898"/>
-                </a:moveTo>
-                <a:cubicBezTo>
-                  <a:pt x="107950" y="163560"/>
-                  <a:pt x="215900" y="3223"/>
-                  <a:pt x="298450" y="48"/>
-                </a:cubicBezTo>
-                <a:cubicBezTo>
-                  <a:pt x="381000" y="-3127"/>
-                  <a:pt x="438150" y="150860"/>
-                  <a:pt x="495300" y="304848"/>
-                </a:cubicBezTo>
-              </a:path>
-            </a:pathLst>
-          </a:custGeom>
-          <a:noFill/>
-          <a:ln>
-            <a:prstDash val="dash"/>
-          </a:ln>
-        </p:spPr>
-        <p:style>
-          <a:lnRef idx="2">
-            <a:schemeClr val="accent1">
-              <a:shade val="15000"/>
-            </a:schemeClr>
-          </a:lnRef>
-          <a:fillRef idx="1">
-            <a:schemeClr val="accent1"/>
-          </a:fillRef>
-          <a:effectRef idx="0">
-            <a:schemeClr val="accent1"/>
-          </a:effectRef>
-          <a:fontRef idx="minor">
-            <a:schemeClr val="lt1"/>
-          </a:fontRef>
-        </p:style>
-        <p:txBody>
-          <a:bodyPr rtlCol="0" anchor="ctr"/>
-          <a:lstStyle/>
-          <a:p>
-            <a:pPr algn="ctr"/>
-            <a:endParaRPr kumimoji="1" lang="ja-JP" altLang="en-US" sz="975"/>
-          </a:p>
-        </p:txBody>
-      </p:sp>
-      <p:cxnSp>
-        <p:nvCxnSpPr>
-          <p:cNvPr id="19" name="直線矢印コネクタ 18">
-            <a:extLst>
-              <a:ext uri="{FF2B5EF4-FFF2-40B4-BE49-F238E27FC236}">
-                <a16:creationId xmlns:a16="http://schemas.microsoft.com/office/drawing/2014/main" id="{32637321-6008-9342-B1EA-CAD0BCA0F186}"/>
-              </a:ext>
-            </a:extLst>
-          </p:cNvPr>
-          <p:cNvCxnSpPr>
-            <a:cxnSpLocks/>
-            <a:stCxn id="17" idx="4"/>
-          </p:cNvCxnSpPr>
-          <p:nvPr/>
-        </p:nvCxnSpPr>
-        <p:spPr>
-          <a:xfrm>
-            <a:off x="979646" y="3151645"/>
-            <a:ext cx="0" cy="1115555"/>
-          </a:xfrm>
-          <a:prstGeom prst="straightConnector1">
-            <a:avLst/>
-          </a:prstGeom>
-          <a:ln w="38100">
-            <a:tailEnd type="triangle"/>
-          </a:ln>
-        </p:spPr>
-        <p:style>
-          <a:lnRef idx="1">
-            <a:schemeClr val="accent1"/>
-          </a:lnRef>
-          <a:fillRef idx="0">
-            <a:schemeClr val="accent1"/>
-          </a:fillRef>
-          <a:effectRef idx="0">
-            <a:schemeClr val="accent1"/>
-          </a:effectRef>
-          <a:fontRef idx="minor">
-            <a:schemeClr val="tx1"/>
-          </a:fontRef>
-        </p:style>
-      </p:cxnSp>
-      <p:cxnSp>
-        <p:nvCxnSpPr>
-          <p:cNvPr id="22" name="直線矢印コネクタ 21">
-            <a:extLst>
-              <a:ext uri="{FF2B5EF4-FFF2-40B4-BE49-F238E27FC236}">
-                <a16:creationId xmlns:a16="http://schemas.microsoft.com/office/drawing/2014/main" id="{EC98AC31-1552-043A-611A-2C43B3C9C69C}"/>
-              </a:ext>
-            </a:extLst>
-          </p:cNvPr>
-          <p:cNvCxnSpPr>
-            <a:cxnSpLocks/>
-            <a:stCxn id="18" idx="4"/>
-          </p:cNvCxnSpPr>
-          <p:nvPr/>
-        </p:nvCxnSpPr>
-        <p:spPr>
-          <a:xfrm>
-            <a:off x="2608373" y="3146065"/>
-            <a:ext cx="0" cy="2097448"/>
-          </a:xfrm>
-          <a:prstGeom prst="straightConnector1">
-            <a:avLst/>
-          </a:prstGeom>
-          <a:ln w="38100">
-            <a:solidFill>
-              <a:schemeClr val="accent6"/>
-            </a:solidFill>
-            <a:tailEnd type="triangle"/>
-          </a:ln>
-        </p:spPr>
-        <p:style>
-          <a:lnRef idx="1">
-            <a:schemeClr val="accent1"/>
-          </a:lnRef>
-          <a:fillRef idx="0">
-            <a:schemeClr val="accent1"/>
-          </a:fillRef>
-          <a:effectRef idx="0">
-            <a:schemeClr val="accent1"/>
-          </a:effectRef>
-          <a:fontRef idx="minor">
-            <a:schemeClr val="tx1"/>
-          </a:fontRef>
-        </p:style>
-      </p:cxnSp>
-      <p:sp>
-        <p:nvSpPr>
-          <p:cNvPr id="7" name="スライド番号プレースホルダー 7">
-            <a:extLst>
-              <a:ext uri="{FF2B5EF4-FFF2-40B4-BE49-F238E27FC236}">
-                <a16:creationId xmlns:a16="http://schemas.microsoft.com/office/drawing/2014/main" id="{CDE351B9-A6CA-985D-F009-8DF22B8401DC}"/>
+          <p:cNvPr id="4" name="スライド番号プレースホルダー 7">
+            <a:extLst>
+              <a:ext uri="{FF2B5EF4-FFF2-40B4-BE49-F238E27FC236}">
+                <a16:creationId xmlns:a16="http://schemas.microsoft.com/office/drawing/2014/main" id="{BA114DFE-0C1E-585D-2823-02AF9EF05008}"/>
               </a:ext>
             </a:extLst>
           </p:cNvPr>
@@ -5513,979 +4792,6 @@
               <a:rPr kumimoji="1" lang="ja-JP" altLang="en-US" smtClean="0"/>
               <a:pPr/>
               <a:t>10</a:t>
-            </a:fld>
-            <a:endParaRPr kumimoji="1" lang="ja-JP" altLang="en-US"/>
-          </a:p>
-        </p:txBody>
-      </p:sp>
-    </p:spTree>
-    <p:extLst>
-      <p:ext uri="{BB962C8B-B14F-4D97-AF65-F5344CB8AC3E}">
-        <p14:creationId xmlns:p14="http://schemas.microsoft.com/office/powerpoint/2010/main" val="737206658"/>
-      </p:ext>
-    </p:extLst>
-  </p:cSld>
-  <p:clrMapOvr>
-    <a:masterClrMapping/>
-  </p:clrMapOvr>
-  <mc:AlternateContent xmlns:mc="http://schemas.openxmlformats.org/markup-compatibility/2006" xmlns:p14="http://schemas.microsoft.com/office/powerpoint/2010/main">
-    <mc:Choice Requires="p14">
-      <p:transition spd="med" p14:dur="700">
-        <p:fade/>
-      </p:transition>
-    </mc:Choice>
-    <mc:Fallback xmlns="">
-      <p:transition spd="med">
-        <p:fade/>
-      </p:transition>
-    </mc:Fallback>
-  </mc:AlternateContent>
-  <p:timing>
-    <p:tnLst>
-      <p:par>
-        <p:cTn id="1" dur="indefinite" restart="never" nodeType="tmRoot">
-          <p:childTnLst>
-            <p:seq concurrent="1" nextAc="seek">
-              <p:cTn id="2" dur="indefinite" nodeType="mainSeq">
-                <p:childTnLst>
-                  <p:par>
-                    <p:cTn id="3" fill="hold">
-                      <p:stCondLst>
-                        <p:cond delay="indefinite"/>
-                        <p:cond evt="onBegin" delay="0">
-                          <p:tn val="2"/>
-                        </p:cond>
-                      </p:stCondLst>
-                      <p:childTnLst>
-                        <p:par>
-                          <p:cTn id="4" fill="hold">
-                            <p:stCondLst>
-                              <p:cond delay="0"/>
-                            </p:stCondLst>
-                            <p:childTnLst>
-                              <p:par>
-                                <p:cTn id="5" presetID="47" presetClass="entr" presetSubtype="0" fill="hold" nodeType="withEffect">
-                                  <p:stCondLst>
-                                    <p:cond delay="0"/>
-                                  </p:stCondLst>
-                                  <p:childTnLst>
-                                    <p:set>
-                                      <p:cBhvr>
-                                        <p:cTn id="6" dur="1" fill="hold">
-                                          <p:stCondLst>
-                                            <p:cond delay="0"/>
-                                          </p:stCondLst>
-                                        </p:cTn>
-                                        <p:tgtEl>
-                                          <p:spTgt spid="37"/>
-                                        </p:tgtEl>
-                                        <p:attrNameLst>
-                                          <p:attrName>style.visibility</p:attrName>
-                                        </p:attrNameLst>
-                                      </p:cBhvr>
-                                      <p:to>
-                                        <p:strVal val="visible"/>
-                                      </p:to>
-                                    </p:set>
-                                    <p:animEffect transition="in" filter="fade">
-                                      <p:cBhvr>
-                                        <p:cTn id="7" dur="1000"/>
-                                        <p:tgtEl>
-                                          <p:spTgt spid="37"/>
-                                        </p:tgtEl>
-                                      </p:cBhvr>
-                                    </p:animEffect>
-                                    <p:anim calcmode="lin" valueType="num">
-                                      <p:cBhvr>
-                                        <p:cTn id="8" dur="1000" fill="hold"/>
-                                        <p:tgtEl>
-                                          <p:spTgt spid="37"/>
-                                        </p:tgtEl>
-                                        <p:attrNameLst>
-                                          <p:attrName>ppt_x</p:attrName>
-                                        </p:attrNameLst>
-                                      </p:cBhvr>
-                                      <p:tavLst>
-                                        <p:tav tm="0">
-                                          <p:val>
-                                            <p:strVal val="#ppt_x"/>
-                                          </p:val>
-                                        </p:tav>
-                                        <p:tav tm="100000">
-                                          <p:val>
-                                            <p:strVal val="#ppt_x"/>
-                                          </p:val>
-                                        </p:tav>
-                                      </p:tavLst>
-                                    </p:anim>
-                                    <p:anim calcmode="lin" valueType="num">
-                                      <p:cBhvr>
-                                        <p:cTn id="9" dur="1000" fill="hold"/>
-                                        <p:tgtEl>
-                                          <p:spTgt spid="37"/>
-                                        </p:tgtEl>
-                                        <p:attrNameLst>
-                                          <p:attrName>ppt_y</p:attrName>
-                                        </p:attrNameLst>
-                                      </p:cBhvr>
-                                      <p:tavLst>
-                                        <p:tav tm="0">
-                                          <p:val>
-                                            <p:strVal val="#ppt_y-.1"/>
-                                          </p:val>
-                                        </p:tav>
-                                        <p:tav tm="100000">
-                                          <p:val>
-                                            <p:strVal val="#ppt_y"/>
-                                          </p:val>
-                                        </p:tav>
-                                      </p:tavLst>
-                                    </p:anim>
-                                  </p:childTnLst>
-                                </p:cTn>
-                              </p:par>
-                            </p:childTnLst>
-                          </p:cTn>
-                        </p:par>
-                      </p:childTnLst>
-                    </p:cTn>
-                  </p:par>
-                  <p:par>
-                    <p:cTn id="10" fill="hold">
-                      <p:stCondLst>
-                        <p:cond delay="indefinite"/>
-                      </p:stCondLst>
-                      <p:childTnLst>
-                        <p:par>
-                          <p:cTn id="11" fill="hold">
-                            <p:stCondLst>
-                              <p:cond delay="0"/>
-                            </p:stCondLst>
-                            <p:childTnLst>
-                              <p:par>
-                                <p:cTn id="12" presetID="22" presetClass="entr" presetSubtype="8" fill="hold" grpId="0" nodeType="clickEffect">
-                                  <p:stCondLst>
-                                    <p:cond delay="0"/>
-                                  </p:stCondLst>
-                                  <p:childTnLst>
-                                    <p:set>
-                                      <p:cBhvr>
-                                        <p:cTn id="13" dur="1" fill="hold">
-                                          <p:stCondLst>
-                                            <p:cond delay="0"/>
-                                          </p:stCondLst>
-                                        </p:cTn>
-                                        <p:tgtEl>
-                                          <p:spTgt spid="2"/>
-                                        </p:tgtEl>
-                                        <p:attrNameLst>
-                                          <p:attrName>style.visibility</p:attrName>
-                                        </p:attrNameLst>
-                                      </p:cBhvr>
-                                      <p:to>
-                                        <p:strVal val="visible"/>
-                                      </p:to>
-                                    </p:set>
-                                    <p:animEffect transition="in" filter="wipe(left)">
-                                      <p:cBhvr>
-                                        <p:cTn id="14" dur="500"/>
-                                        <p:tgtEl>
-                                          <p:spTgt spid="2"/>
-                                        </p:tgtEl>
-                                      </p:cBhvr>
-                                    </p:animEffect>
-                                  </p:childTnLst>
-                                </p:cTn>
-                              </p:par>
-                            </p:childTnLst>
-                          </p:cTn>
-                        </p:par>
-                        <p:par>
-                          <p:cTn id="15" fill="hold">
-                            <p:stCondLst>
-                              <p:cond delay="500"/>
-                            </p:stCondLst>
-                            <p:childTnLst>
-                              <p:par>
-                                <p:cTn id="16" presetID="22" presetClass="entr" presetSubtype="8" fill="hold" grpId="0" nodeType="afterEffect">
-                                  <p:stCondLst>
-                                    <p:cond delay="0"/>
-                                  </p:stCondLst>
-                                  <p:childTnLst>
-                                    <p:set>
-                                      <p:cBhvr>
-                                        <p:cTn id="17" dur="1" fill="hold">
-                                          <p:stCondLst>
-                                            <p:cond delay="0"/>
-                                          </p:stCondLst>
-                                        </p:cTn>
-                                        <p:tgtEl>
-                                          <p:spTgt spid="9"/>
-                                        </p:tgtEl>
-                                        <p:attrNameLst>
-                                          <p:attrName>style.visibility</p:attrName>
-                                        </p:attrNameLst>
-                                      </p:cBhvr>
-                                      <p:to>
-                                        <p:strVal val="visible"/>
-                                      </p:to>
-                                    </p:set>
-                                    <p:animEffect transition="in" filter="wipe(left)">
-                                      <p:cBhvr>
-                                        <p:cTn id="18" dur="500"/>
-                                        <p:tgtEl>
-                                          <p:spTgt spid="9"/>
-                                        </p:tgtEl>
-                                      </p:cBhvr>
-                                    </p:animEffect>
-                                  </p:childTnLst>
-                                </p:cTn>
-                              </p:par>
-                            </p:childTnLst>
-                          </p:cTn>
-                        </p:par>
-                      </p:childTnLst>
-                    </p:cTn>
-                  </p:par>
-                  <p:par>
-                    <p:cTn id="19" fill="hold">
-                      <p:stCondLst>
-                        <p:cond delay="indefinite"/>
-                      </p:stCondLst>
-                      <p:childTnLst>
-                        <p:par>
-                          <p:cTn id="20" fill="hold">
-                            <p:stCondLst>
-                              <p:cond delay="0"/>
-                            </p:stCondLst>
-                            <p:childTnLst>
-                              <p:par>
-                                <p:cTn id="21" presetID="10" presetClass="entr" presetSubtype="0" fill="hold" grpId="0" nodeType="clickEffect">
-                                  <p:stCondLst>
-                                    <p:cond delay="0"/>
-                                  </p:stCondLst>
-                                  <p:childTnLst>
-                                    <p:set>
-                                      <p:cBhvr>
-                                        <p:cTn id="22" dur="1" fill="hold">
-                                          <p:stCondLst>
-                                            <p:cond delay="0"/>
-                                          </p:stCondLst>
-                                        </p:cTn>
-                                        <p:tgtEl>
-                                          <p:spTgt spid="16"/>
-                                        </p:tgtEl>
-                                        <p:attrNameLst>
-                                          <p:attrName>style.visibility</p:attrName>
-                                        </p:attrNameLst>
-                                      </p:cBhvr>
-                                      <p:to>
-                                        <p:strVal val="visible"/>
-                                      </p:to>
-                                    </p:set>
-                                    <p:animEffect transition="in" filter="fade">
-                                      <p:cBhvr>
-                                        <p:cTn id="23" dur="500"/>
-                                        <p:tgtEl>
-                                          <p:spTgt spid="16"/>
-                                        </p:tgtEl>
-                                      </p:cBhvr>
-                                    </p:animEffect>
-                                  </p:childTnLst>
-                                </p:cTn>
-                              </p:par>
-                            </p:childTnLst>
-                          </p:cTn>
-                        </p:par>
-                        <p:par>
-                          <p:cTn id="24" fill="hold">
-                            <p:stCondLst>
-                              <p:cond delay="500"/>
-                            </p:stCondLst>
-                            <p:childTnLst>
-                              <p:par>
-                                <p:cTn id="25" presetID="42" presetClass="path" presetSubtype="0" accel="50000" decel="50000" fill="hold" grpId="0" nodeType="afterEffect">
-                                  <p:stCondLst>
-                                    <p:cond delay="0"/>
-                                  </p:stCondLst>
-                                  <p:childTnLst>
-                                    <p:animMotion origin="layout" path="M -1.28205E-6 -2.22222E-6 L -1.28205E-6 0.44236 " pathEditMode="relative" rAng="0" ptsTypes="AA">
-                                      <p:cBhvr>
-                                        <p:cTn id="26" dur="2000" fill="hold"/>
-                                        <p:tgtEl>
-                                          <p:spTgt spid="18"/>
-                                        </p:tgtEl>
-                                        <p:attrNameLst>
-                                          <p:attrName>ppt_x</p:attrName>
-                                          <p:attrName>ppt_y</p:attrName>
-                                        </p:attrNameLst>
-                                      </p:cBhvr>
-                                      <p:rCtr x="0" y="22106"/>
-                                    </p:animMotion>
-                                  </p:childTnLst>
-                                </p:cTn>
-                              </p:par>
-                              <p:par>
-                                <p:cTn id="27" presetID="42" presetClass="path" presetSubtype="0" accel="50000" decel="50000" fill="hold" grpId="1" nodeType="withEffect">
-                                  <p:stCondLst>
-                                    <p:cond delay="0"/>
-                                  </p:stCondLst>
-                                  <p:childTnLst>
-                                    <p:animMotion origin="layout" path="M -2.5641E-7 3.7037E-6 L -2.5641E-7 0.43726 " pathEditMode="relative" rAng="0" ptsTypes="AA">
-                                      <p:cBhvr>
-                                        <p:cTn id="28" dur="2000" fill="hold"/>
-                                        <p:tgtEl>
-                                          <p:spTgt spid="9"/>
-                                        </p:tgtEl>
-                                        <p:attrNameLst>
-                                          <p:attrName>ppt_x</p:attrName>
-                                          <p:attrName>ppt_y</p:attrName>
-                                        </p:attrNameLst>
-                                      </p:cBhvr>
-                                      <p:rCtr x="0" y="21852"/>
-                                    </p:animMotion>
-                                  </p:childTnLst>
-                                </p:cTn>
-                              </p:par>
-                              <p:par>
-                                <p:cTn id="29" presetID="22" presetClass="entr" presetSubtype="1" fill="hold" nodeType="withEffect">
-                                  <p:stCondLst>
-                                    <p:cond delay="0"/>
-                                  </p:stCondLst>
-                                  <p:childTnLst>
-                                    <p:set>
-                                      <p:cBhvr>
-                                        <p:cTn id="30" dur="1" fill="hold">
-                                          <p:stCondLst>
-                                            <p:cond delay="0"/>
-                                          </p:stCondLst>
-                                        </p:cTn>
-                                        <p:tgtEl>
-                                          <p:spTgt spid="19"/>
-                                        </p:tgtEl>
-                                        <p:attrNameLst>
-                                          <p:attrName>style.visibility</p:attrName>
-                                        </p:attrNameLst>
-                                      </p:cBhvr>
-                                      <p:to>
-                                        <p:strVal val="visible"/>
-                                      </p:to>
-                                    </p:set>
-                                    <p:animEffect transition="in" filter="wipe(up)">
-                                      <p:cBhvr>
-                                        <p:cTn id="31" dur="2000"/>
-                                        <p:tgtEl>
-                                          <p:spTgt spid="19"/>
-                                        </p:tgtEl>
-                                      </p:cBhvr>
-                                    </p:animEffect>
-                                  </p:childTnLst>
-                                </p:cTn>
-                              </p:par>
-                              <p:par>
-                                <p:cTn id="32" presetID="42" presetClass="path" presetSubtype="0" accel="50000" decel="50000" fill="hold" grpId="0" nodeType="withEffect">
-                                  <p:stCondLst>
-                                    <p:cond delay="0"/>
-                                  </p:stCondLst>
-                                  <p:childTnLst>
-                                    <p:animMotion origin="layout" path="M 1.79487E-6 -4.81481E-6 L 1.79487E-6 0.25232 " pathEditMode="relative" rAng="0" ptsTypes="AA">
-                                      <p:cBhvr>
-                                        <p:cTn id="33" dur="2000" fill="hold"/>
-                                        <p:tgtEl>
-                                          <p:spTgt spid="17"/>
-                                        </p:tgtEl>
-                                        <p:attrNameLst>
-                                          <p:attrName>ppt_x</p:attrName>
-                                          <p:attrName>ppt_y</p:attrName>
-                                        </p:attrNameLst>
-                                      </p:cBhvr>
-                                      <p:rCtr x="0" y="12616"/>
-                                    </p:animMotion>
-                                  </p:childTnLst>
-                                </p:cTn>
-                              </p:par>
-                              <p:par>
-                                <p:cTn id="34" presetID="42" presetClass="path" presetSubtype="0" accel="50000" decel="50000" fill="hold" grpId="1" nodeType="withEffect">
-                                  <p:stCondLst>
-                                    <p:cond delay="0"/>
-                                  </p:stCondLst>
-                                  <p:childTnLst>
-                                    <p:animMotion origin="layout" path="M 0.00016 0.00209 L -0.00016 0.25834 " pathEditMode="relative" rAng="0" ptsTypes="AA">
-                                      <p:cBhvr>
-                                        <p:cTn id="35" dur="2000" fill="hold"/>
-                                        <p:tgtEl>
-                                          <p:spTgt spid="2"/>
-                                        </p:tgtEl>
-                                        <p:attrNameLst>
-                                          <p:attrName>ppt_x</p:attrName>
-                                          <p:attrName>ppt_y</p:attrName>
-                                        </p:attrNameLst>
-                                      </p:cBhvr>
-                                      <p:rCtr x="-16" y="12801"/>
-                                    </p:animMotion>
-                                  </p:childTnLst>
-                                </p:cTn>
-                              </p:par>
-                              <p:par>
-                                <p:cTn id="36" presetID="22" presetClass="entr" presetSubtype="1" fill="hold" nodeType="withEffect">
-                                  <p:stCondLst>
-                                    <p:cond delay="0"/>
-                                  </p:stCondLst>
-                                  <p:childTnLst>
-                                    <p:set>
-                                      <p:cBhvr>
-                                        <p:cTn id="37" dur="1" fill="hold">
-                                          <p:stCondLst>
-                                            <p:cond delay="0"/>
-                                          </p:stCondLst>
-                                        </p:cTn>
-                                        <p:tgtEl>
-                                          <p:spTgt spid="22"/>
-                                        </p:tgtEl>
-                                        <p:attrNameLst>
-                                          <p:attrName>style.visibility</p:attrName>
-                                        </p:attrNameLst>
-                                      </p:cBhvr>
-                                      <p:to>
-                                        <p:strVal val="visible"/>
-                                      </p:to>
-                                    </p:set>
-                                    <p:animEffect transition="in" filter="wipe(up)">
-                                      <p:cBhvr>
-                                        <p:cTn id="38" dur="2000"/>
-                                        <p:tgtEl>
-                                          <p:spTgt spid="22"/>
-                                        </p:tgtEl>
-                                      </p:cBhvr>
-                                    </p:animEffect>
-                                  </p:childTnLst>
-                                </p:cTn>
-                              </p:par>
-                            </p:childTnLst>
-                          </p:cTn>
-                        </p:par>
-                        <p:par>
-                          <p:cTn id="39" fill="hold">
-                            <p:stCondLst>
-                              <p:cond delay="2500"/>
-                            </p:stCondLst>
-                            <p:childTnLst>
-                              <p:par>
-                                <p:cTn id="40" presetID="53" presetClass="entr" presetSubtype="16" fill="hold" grpId="0" nodeType="afterEffect">
-                                  <p:stCondLst>
-                                    <p:cond delay="0"/>
-                                  </p:stCondLst>
-                                  <p:childTnLst>
-                                    <p:set>
-                                      <p:cBhvr>
-                                        <p:cTn id="41" dur="1" fill="hold">
-                                          <p:stCondLst>
-                                            <p:cond delay="0"/>
-                                          </p:stCondLst>
-                                        </p:cTn>
-                                        <p:tgtEl>
-                                          <p:spTgt spid="3"/>
-                                        </p:tgtEl>
-                                        <p:attrNameLst>
-                                          <p:attrName>style.visibility</p:attrName>
-                                        </p:attrNameLst>
-                                      </p:cBhvr>
-                                      <p:to>
-                                        <p:strVal val="visible"/>
-                                      </p:to>
-                                    </p:set>
-                                    <p:anim calcmode="lin" valueType="num">
-                                      <p:cBhvr>
-                                        <p:cTn id="42" dur="500" fill="hold"/>
-                                        <p:tgtEl>
-                                          <p:spTgt spid="3"/>
-                                        </p:tgtEl>
-                                        <p:attrNameLst>
-                                          <p:attrName>ppt_w</p:attrName>
-                                        </p:attrNameLst>
-                                      </p:cBhvr>
-                                      <p:tavLst>
-                                        <p:tav tm="0">
-                                          <p:val>
-                                            <p:fltVal val="0"/>
-                                          </p:val>
-                                        </p:tav>
-                                        <p:tav tm="100000">
-                                          <p:val>
-                                            <p:strVal val="#ppt_w"/>
-                                          </p:val>
-                                        </p:tav>
-                                      </p:tavLst>
-                                    </p:anim>
-                                    <p:anim calcmode="lin" valueType="num">
-                                      <p:cBhvr>
-                                        <p:cTn id="43" dur="500" fill="hold"/>
-                                        <p:tgtEl>
-                                          <p:spTgt spid="3"/>
-                                        </p:tgtEl>
-                                        <p:attrNameLst>
-                                          <p:attrName>ppt_h</p:attrName>
-                                        </p:attrNameLst>
-                                      </p:cBhvr>
-                                      <p:tavLst>
-                                        <p:tav tm="0">
-                                          <p:val>
-                                            <p:fltVal val="0"/>
-                                          </p:val>
-                                        </p:tav>
-                                        <p:tav tm="100000">
-                                          <p:val>
-                                            <p:strVal val="#ppt_h"/>
-                                          </p:val>
-                                        </p:tav>
-                                      </p:tavLst>
-                                    </p:anim>
-                                    <p:animEffect transition="in" filter="fade">
-                                      <p:cBhvr>
-                                        <p:cTn id="44" dur="500"/>
-                                        <p:tgtEl>
-                                          <p:spTgt spid="3"/>
-                                        </p:tgtEl>
-                                      </p:cBhvr>
-                                    </p:animEffect>
-                                  </p:childTnLst>
-                                </p:cTn>
-                              </p:par>
-                              <p:par>
-                                <p:cTn id="45" presetID="10" presetClass="entr" presetSubtype="0" fill="hold" grpId="0" nodeType="withEffect">
-                                  <p:stCondLst>
-                                    <p:cond delay="0"/>
-                                  </p:stCondLst>
-                                  <p:childTnLst>
-                                    <p:set>
-                                      <p:cBhvr>
-                                        <p:cTn id="46" dur="1" fill="hold">
-                                          <p:stCondLst>
-                                            <p:cond delay="0"/>
-                                          </p:stCondLst>
-                                        </p:cTn>
-                                        <p:tgtEl>
-                                          <p:spTgt spid="14"/>
-                                        </p:tgtEl>
-                                        <p:attrNameLst>
-                                          <p:attrName>style.visibility</p:attrName>
-                                        </p:attrNameLst>
-                                      </p:cBhvr>
-                                      <p:to>
-                                        <p:strVal val="visible"/>
-                                      </p:to>
-                                    </p:set>
-                                    <p:animEffect transition="in" filter="fade">
-                                      <p:cBhvr>
-                                        <p:cTn id="47" dur="500"/>
-                                        <p:tgtEl>
-                                          <p:spTgt spid="14"/>
-                                        </p:tgtEl>
-                                      </p:cBhvr>
-                                    </p:animEffect>
-                                  </p:childTnLst>
-                                </p:cTn>
-                              </p:par>
-                              <p:par>
-                                <p:cTn id="48" presetID="10" presetClass="entr" presetSubtype="0" fill="hold" grpId="0" nodeType="withEffect">
-                                  <p:stCondLst>
-                                    <p:cond delay="0"/>
-                                  </p:stCondLst>
-                                  <p:childTnLst>
-                                    <p:set>
-                                      <p:cBhvr>
-                                        <p:cTn id="49" dur="1" fill="hold">
-                                          <p:stCondLst>
-                                            <p:cond delay="0"/>
-                                          </p:stCondLst>
-                                        </p:cTn>
-                                        <p:tgtEl>
-                                          <p:spTgt spid="15"/>
-                                        </p:tgtEl>
-                                        <p:attrNameLst>
-                                          <p:attrName>style.visibility</p:attrName>
-                                        </p:attrNameLst>
-                                      </p:cBhvr>
-                                      <p:to>
-                                        <p:strVal val="visible"/>
-                                      </p:to>
-                                    </p:set>
-                                    <p:animEffect transition="in" filter="fade">
-                                      <p:cBhvr>
-                                        <p:cTn id="50" dur="500"/>
-                                        <p:tgtEl>
-                                          <p:spTgt spid="15"/>
-                                        </p:tgtEl>
-                                      </p:cBhvr>
-                                    </p:animEffect>
-                                  </p:childTnLst>
-                                </p:cTn>
-                              </p:par>
-                              <p:par>
-                                <p:cTn id="51" presetID="10" presetClass="entr" presetSubtype="0" fill="hold" grpId="0" nodeType="withEffect">
-                                  <p:stCondLst>
-                                    <p:cond delay="0"/>
-                                  </p:stCondLst>
-                                  <p:childTnLst>
-                                    <p:set>
-                                      <p:cBhvr>
-                                        <p:cTn id="52" dur="1" fill="hold">
-                                          <p:stCondLst>
-                                            <p:cond delay="0"/>
-                                          </p:stCondLst>
-                                        </p:cTn>
-                                        <p:tgtEl>
-                                          <p:spTgt spid="35"/>
-                                        </p:tgtEl>
-                                        <p:attrNameLst>
-                                          <p:attrName>style.visibility</p:attrName>
-                                        </p:attrNameLst>
-                                      </p:cBhvr>
-                                      <p:to>
-                                        <p:strVal val="visible"/>
-                                      </p:to>
-                                    </p:set>
-                                    <p:animEffect transition="in" filter="fade">
-                                      <p:cBhvr>
-                                        <p:cTn id="53" dur="500"/>
-                                        <p:tgtEl>
-                                          <p:spTgt spid="35"/>
-                                        </p:tgtEl>
-                                      </p:cBhvr>
-                                    </p:animEffect>
-                                  </p:childTnLst>
-                                </p:cTn>
-                              </p:par>
-                              <p:par>
-                                <p:cTn id="54" presetID="10" presetClass="entr" presetSubtype="0" fill="hold" grpId="0" nodeType="withEffect">
-                                  <p:stCondLst>
-                                    <p:cond delay="0"/>
-                                  </p:stCondLst>
-                                  <p:childTnLst>
-                                    <p:set>
-                                      <p:cBhvr>
-                                        <p:cTn id="55" dur="1" fill="hold">
-                                          <p:stCondLst>
-                                            <p:cond delay="0"/>
-                                          </p:stCondLst>
-                                        </p:cTn>
-                                        <p:tgtEl>
-                                          <p:spTgt spid="5"/>
-                                        </p:tgtEl>
-                                        <p:attrNameLst>
-                                          <p:attrName>style.visibility</p:attrName>
-                                        </p:attrNameLst>
-                                      </p:cBhvr>
-                                      <p:to>
-                                        <p:strVal val="visible"/>
-                                      </p:to>
-                                    </p:set>
-                                    <p:animEffect transition="in" filter="fade">
-                                      <p:cBhvr>
-                                        <p:cTn id="56" dur="500"/>
-                                        <p:tgtEl>
-                                          <p:spTgt spid="5"/>
-                                        </p:tgtEl>
-                                      </p:cBhvr>
-                                    </p:animEffect>
-                                  </p:childTnLst>
-                                </p:cTn>
-                              </p:par>
-                              <p:par>
-                                <p:cTn id="57" presetID="10" presetClass="entr" presetSubtype="0" fill="hold" grpId="0" nodeType="withEffect">
-                                  <p:stCondLst>
-                                    <p:cond delay="0"/>
-                                  </p:stCondLst>
-                                  <p:childTnLst>
-                                    <p:set>
-                                      <p:cBhvr>
-                                        <p:cTn id="58" dur="1" fill="hold">
-                                          <p:stCondLst>
-                                            <p:cond delay="0"/>
-                                          </p:stCondLst>
-                                        </p:cTn>
-                                        <p:tgtEl>
-                                          <p:spTgt spid="6"/>
-                                        </p:tgtEl>
-                                        <p:attrNameLst>
-                                          <p:attrName>style.visibility</p:attrName>
-                                        </p:attrNameLst>
-                                      </p:cBhvr>
-                                      <p:to>
-                                        <p:strVal val="visible"/>
-                                      </p:to>
-                                    </p:set>
-                                    <p:animEffect transition="in" filter="fade">
-                                      <p:cBhvr>
-                                        <p:cTn id="59" dur="500"/>
-                                        <p:tgtEl>
-                                          <p:spTgt spid="6"/>
-                                        </p:tgtEl>
-                                      </p:cBhvr>
-                                    </p:animEffect>
-                                  </p:childTnLst>
-                                </p:cTn>
-                              </p:par>
-                            </p:childTnLst>
-                          </p:cTn>
-                        </p:par>
-                      </p:childTnLst>
-                    </p:cTn>
-                  </p:par>
-                </p:childTnLst>
-              </p:cTn>
-              <p:prevCondLst>
-                <p:cond evt="onPrev" delay="0">
-                  <p:tgtEl>
-                    <p:sldTgt/>
-                  </p:tgtEl>
-                </p:cond>
-              </p:prevCondLst>
-              <p:nextCondLst>
-                <p:cond evt="onNext" delay="0">
-                  <p:tgtEl>
-                    <p:sldTgt/>
-                  </p:tgtEl>
-                </p:cond>
-              </p:nextCondLst>
-            </p:seq>
-          </p:childTnLst>
-        </p:cTn>
-      </p:par>
-    </p:tnLst>
-    <p:bldLst>
-      <p:bldP spid="15" grpId="0" animBg="1"/>
-      <p:bldP spid="18" grpId="0" animBg="1"/>
-      <p:bldP spid="14" grpId="0" animBg="1"/>
-      <p:bldP spid="17" grpId="0" animBg="1"/>
-      <p:bldP spid="16" grpId="0"/>
-      <p:bldP spid="35" grpId="0"/>
-      <p:bldP spid="2" grpId="0" animBg="1"/>
-      <p:bldP spid="2" grpId="1" animBg="1"/>
-      <p:bldP spid="9" grpId="0" animBg="1"/>
-      <p:bldP spid="9" grpId="1" animBg="1"/>
-      <p:bldP spid="3" grpId="0" animBg="1"/>
-      <p:bldP spid="5" grpId="0" animBg="1"/>
-      <p:bldP spid="6" grpId="0" animBg="1"/>
-    </p:bldLst>
-  </p:timing>
-</p:sld>
-</file>
-
-<file path=ppt/slides/slide11.xml><?xml version="1.0" encoding="utf-8"?>
-<p:sld xmlns:a="http://schemas.openxmlformats.org/drawingml/2006/main" xmlns:r="http://schemas.openxmlformats.org/officeDocument/2006/relationships" xmlns:p="http://schemas.openxmlformats.org/presentationml/2006/main">
-  <p:cSld>
-    <p:spTree>
-      <p:nvGrpSpPr>
-        <p:cNvPr id="1" name=""/>
-        <p:cNvGrpSpPr/>
-        <p:nvPr/>
-      </p:nvGrpSpPr>
-      <p:grpSpPr>
-        <a:xfrm>
-          <a:off x="0" y="0"/>
-          <a:ext cx="0" cy="0"/>
-          <a:chOff x="0" y="0"/>
-          <a:chExt cx="0" cy="0"/>
-        </a:xfrm>
-      </p:grpSpPr>
-      <p:sp>
-        <p:nvSpPr>
-          <p:cNvPr id="2" name="テキスト プレースホルダー 1">
-            <a:extLst>
-              <a:ext uri="{FF2B5EF4-FFF2-40B4-BE49-F238E27FC236}">
-                <a16:creationId xmlns:a16="http://schemas.microsoft.com/office/drawing/2014/main" id="{CE29F6E3-FD4E-66A4-460C-40301D481F52}"/>
-              </a:ext>
-            </a:extLst>
-          </p:cNvPr>
-          <p:cNvSpPr>
-            <a:spLocks noGrp="1"/>
-          </p:cNvSpPr>
-          <p:nvPr>
-            <p:ph type="body" sz="quarter" idx="24"/>
-          </p:nvPr>
-        </p:nvSpPr>
-        <p:spPr/>
-        <p:txBody>
-          <a:bodyPr/>
-          <a:lstStyle/>
-          <a:p>
-            <a:pPr marL="685800" indent="-685800">
-              <a:buFont typeface="Arial" panose="020B0604020202020204" pitchFamily="34" charset="0"/>
-              <a:buChar char="•"/>
-            </a:pPr>
-            <a:r>
-              <a:rPr kumimoji="1" lang="ja-JP" altLang="en-US" sz="4400" dirty="0"/>
-              <a:t>知りたいのは，</a:t>
-            </a:r>
-            <a:r>
-              <a:rPr lang="ja-JP" altLang="en-US" sz="4400" dirty="0">
-                <a:solidFill>
-                  <a:schemeClr val="accent6"/>
-                </a:solidFill>
-              </a:rPr>
-              <a:t>質量</a:t>
-            </a:r>
-            <a:r>
-              <a:rPr kumimoji="1" lang="ja-JP" altLang="en-US" sz="4400" dirty="0">
-                <a:solidFill>
-                  <a:schemeClr val="accent6"/>
-                </a:solidFill>
-              </a:rPr>
-              <a:t>によって落ちる時間が変わるの</a:t>
-            </a:r>
-            <a:r>
-              <a:rPr lang="ja-JP" altLang="en-US" sz="4400" dirty="0">
-                <a:solidFill>
-                  <a:schemeClr val="accent6"/>
-                </a:solidFill>
-              </a:rPr>
-              <a:t>か</a:t>
-            </a:r>
-            <a:r>
-              <a:rPr lang="ja-JP" altLang="en-US" sz="4400" dirty="0"/>
-              <a:t>．</a:t>
-            </a:r>
-            <a:endParaRPr lang="en-US" altLang="ja-JP" sz="4400" dirty="0"/>
-          </a:p>
-          <a:p>
-            <a:pPr marL="685800" indent="-685800">
-              <a:buFont typeface="Arial" panose="020B0604020202020204" pitchFamily="34" charset="0"/>
-              <a:buChar char="•"/>
-            </a:pPr>
-            <a:r>
-              <a:rPr lang="ja-JP" altLang="en-US" sz="4400" dirty="0"/>
-              <a:t>質量以外の条件を合わせることで，</a:t>
-            </a:r>
-            <a:r>
-              <a:rPr lang="ja-JP" altLang="en-US" sz="4400" dirty="0">
-                <a:solidFill>
-                  <a:schemeClr val="accent6"/>
-                </a:solidFill>
-              </a:rPr>
-              <a:t>原因と結果の関係が明らか</a:t>
-            </a:r>
-            <a:r>
-              <a:rPr lang="ja-JP" altLang="en-US" sz="4400" dirty="0"/>
-              <a:t>になる．</a:t>
-            </a:r>
-            <a:endParaRPr lang="en-US" altLang="ja-JP" sz="4400" dirty="0"/>
-          </a:p>
-          <a:p>
-            <a:pPr marL="685800" indent="-685800">
-              <a:buFont typeface="Arial" panose="020B0604020202020204" pitchFamily="34" charset="0"/>
-              <a:buChar char="•"/>
-            </a:pPr>
-            <a:r>
-              <a:rPr kumimoji="1" lang="ja-JP" altLang="en-US" sz="4400" dirty="0"/>
-              <a:t>この実験方法を</a:t>
-            </a:r>
-            <a:r>
-              <a:rPr kumimoji="1" lang="ja-JP" altLang="en-US" sz="4400" dirty="0">
-                <a:solidFill>
-                  <a:schemeClr val="accent6"/>
-                </a:solidFill>
-              </a:rPr>
-              <a:t>対照実験</a:t>
-            </a:r>
-            <a:r>
-              <a:rPr kumimoji="1" lang="ja-JP" altLang="en-US" sz="4400" dirty="0"/>
-              <a:t>という．</a:t>
-            </a:r>
-            <a:endParaRPr kumimoji="1" lang="en-US" altLang="ja-JP" sz="4400" dirty="0"/>
-          </a:p>
-          <a:p>
-            <a:pPr marL="685800" indent="-685800">
-              <a:buFont typeface="Arial" panose="020B0604020202020204" pitchFamily="34" charset="0"/>
-              <a:buChar char="•"/>
-            </a:pPr>
-            <a:r>
-              <a:rPr kumimoji="1" lang="ja-JP" altLang="en-US" sz="4400" dirty="0"/>
-              <a:t>白い羽の方が，</a:t>
-            </a:r>
-            <a:r>
-              <a:rPr kumimoji="1" lang="ja-JP" altLang="en-US" sz="4400" dirty="0">
-                <a:solidFill>
-                  <a:schemeClr val="accent6"/>
-                </a:solidFill>
-              </a:rPr>
-              <a:t>空気抵抗があった</a:t>
-            </a:r>
-            <a:r>
-              <a:rPr kumimoji="1" lang="ja-JP" altLang="en-US" sz="4400" dirty="0"/>
-              <a:t>と考えられる．</a:t>
-            </a:r>
-            <a:endParaRPr kumimoji="1" lang="en-US" altLang="ja-JP" sz="4400" dirty="0"/>
-          </a:p>
-        </p:txBody>
-      </p:sp>
-      <p:sp>
-        <p:nvSpPr>
-          <p:cNvPr id="3" name="タイトル 2">
-            <a:extLst>
-              <a:ext uri="{FF2B5EF4-FFF2-40B4-BE49-F238E27FC236}">
-                <a16:creationId xmlns:a16="http://schemas.microsoft.com/office/drawing/2014/main" id="{94637F52-6122-FF78-9134-530A4812121A}"/>
-              </a:ext>
-            </a:extLst>
-          </p:cNvPr>
-          <p:cNvSpPr>
-            <a:spLocks noGrp="1"/>
-          </p:cNvSpPr>
-          <p:nvPr>
-            <p:ph type="title"/>
-          </p:nvPr>
-        </p:nvSpPr>
-        <p:spPr/>
-        <p:txBody>
-          <a:bodyPr/>
-          <a:lstStyle/>
-          <a:p>
-            <a:r>
-              <a:rPr kumimoji="1" lang="ja-JP" altLang="en-US" dirty="0"/>
-              <a:t>実験は条件を合わせる必要がある</a:t>
-            </a:r>
-          </a:p>
-        </p:txBody>
-      </p:sp>
-      <p:sp>
-        <p:nvSpPr>
-          <p:cNvPr id="4" name="スライド番号プレースホルダー 7">
-            <a:extLst>
-              <a:ext uri="{FF2B5EF4-FFF2-40B4-BE49-F238E27FC236}">
-                <a16:creationId xmlns:a16="http://schemas.microsoft.com/office/drawing/2014/main" id="{BA114DFE-0C1E-585D-2823-02AF9EF05008}"/>
-              </a:ext>
-            </a:extLst>
-          </p:cNvPr>
-          <p:cNvSpPr>
-            <a:spLocks noGrp="1"/>
-          </p:cNvSpPr>
-          <p:nvPr>
-            <p:ph type="sldNum" sz="quarter" idx="26"/>
-          </p:nvPr>
-        </p:nvSpPr>
-        <p:spPr>
-          <a:xfrm>
-            <a:off x="8843505" y="7"/>
-            <a:ext cx="1038529" cy="604565"/>
-          </a:xfrm>
-          <a:prstGeom prst="rect">
-            <a:avLst/>
-          </a:prstGeom>
-        </p:spPr>
-        <p:txBody>
-          <a:bodyPr/>
-          <a:lstStyle>
-            <a:lvl1pPr algn="r">
-              <a:defRPr sz="2800">
-                <a:latin typeface="+mn-lt"/>
-              </a:defRPr>
-            </a:lvl1pPr>
-          </a:lstStyle>
-          <a:p>
-            <a:fld id="{6408349E-6932-463E-ABE1-6FC2A2453113}" type="slidenum">
-              <a:rPr kumimoji="1" lang="ja-JP" altLang="en-US" smtClean="0"/>
-              <a:pPr/>
-              <a:t>11</a:t>
             </a:fld>
             <a:endParaRPr kumimoji="1" lang="ja-JP" altLang="en-US"/>
           </a:p>
@@ -6793,7 +5099,7 @@
 </p:sld>
 </file>
 
-<file path=ppt/slides/slide12.xml><?xml version="1.0" encoding="utf-8"?>
+<file path=ppt/slides/slide11.xml><?xml version="1.0" encoding="utf-8"?>
 <p:sld xmlns:a="http://schemas.openxmlformats.org/drawingml/2006/main" xmlns:r="http://schemas.openxmlformats.org/officeDocument/2006/relationships" xmlns:p="http://schemas.openxmlformats.org/presentationml/2006/main">
   <p:cSld>
     <p:spTree>
@@ -6882,7 +5188,7 @@
           <a:p>
             <a:r>
               <a:rPr lang="en-US" altLang="ja-JP" baseline="30000" dirty="0"/>
-              <a:t>[5] </a:t>
+              <a:t>[2] </a:t>
             </a:r>
             <a:r>
               <a:rPr lang="en-US" altLang="ja-JP" dirty="0">
@@ -6932,7 +5238,7 @@
             <a:fld id="{6408349E-6932-463E-ABE1-6FC2A2453113}" type="slidenum">
               <a:rPr kumimoji="1" lang="ja-JP" altLang="en-US" smtClean="0"/>
               <a:pPr/>
-              <a:t>12</a:t>
+              <a:t>11</a:t>
             </a:fld>
             <a:endParaRPr kumimoji="1" lang="ja-JP" altLang="en-US"/>
           </a:p>
@@ -6963,7 +5269,7 @@
         </p:blipFill>
         <p:spPr>
           <a:xfrm>
-            <a:off x="0" y="630238"/>
+            <a:off x="0" y="778122"/>
             <a:ext cx="9906000" cy="5597525"/>
           </a:xfrm>
           <a:prstGeom prst="rect">
@@ -7134,7 +5440,7 @@
 </p:sld>
 </file>
 
-<file path=ppt/slides/slide13.xml><?xml version="1.0" encoding="utf-8"?>
+<file path=ppt/slides/slide12.xml><?xml version="1.0" encoding="utf-8"?>
 <p:sld xmlns:a="http://schemas.openxmlformats.org/drawingml/2006/main" xmlns:r="http://schemas.openxmlformats.org/officeDocument/2006/relationships" xmlns:p="http://schemas.openxmlformats.org/presentationml/2006/main">
   <p:cSld>
     <p:spTree>
@@ -7230,37 +5536,6 @@
               <a:rPr kumimoji="1" lang="ja-JP" altLang="en-US" dirty="0"/>
               <a:t>質問</a:t>
             </a:r>
-          </a:p>
-        </p:txBody>
-      </p:sp>
-      <p:sp>
-        <p:nvSpPr>
-          <p:cNvPr id="8" name="テキスト プレースホルダー 7">
-            <a:extLst>
-              <a:ext uri="{FF2B5EF4-FFF2-40B4-BE49-F238E27FC236}">
-                <a16:creationId xmlns:a16="http://schemas.microsoft.com/office/drawing/2014/main" id="{C1BEC08B-92A3-BDB4-1D0E-DBE4DBD16E0E}"/>
-              </a:ext>
-            </a:extLst>
-          </p:cNvPr>
-          <p:cNvSpPr>
-            <a:spLocks noGrp="1"/>
-          </p:cNvSpPr>
-          <p:nvPr>
-            <p:ph type="body" sz="quarter" idx="22"/>
-          </p:nvPr>
-        </p:nvSpPr>
-        <p:spPr/>
-        <p:txBody>
-          <a:bodyPr/>
-          <a:lstStyle/>
-          <a:p>
-            <a:r>
-              <a:rPr lang="en-US" altLang="ja-JP" dirty="0">
-                <a:hlinkClick r:id="rId2"/>
-              </a:rPr>
-              <a:t>https://forms.office.com/r/tUeTUf8WuQ</a:t>
-            </a:r>
-            <a:endParaRPr lang="ja-JP" altLang="en-US" dirty="0"/>
           </a:p>
         </p:txBody>
       </p:sp>
@@ -7368,7 +5643,7 @@
             <a:fld id="{6408349E-6932-463E-ABE1-6FC2A2453113}" type="slidenum">
               <a:rPr kumimoji="1" lang="ja-JP" altLang="en-US" smtClean="0"/>
               <a:pPr/>
-              <a:t>13</a:t>
+              <a:t>12</a:t>
             </a:fld>
             <a:endParaRPr kumimoji="1" lang="ja-JP" altLang="en-US"/>
           </a:p>
@@ -7536,13 +5811,7 @@
   <p:cSld>
     <p:spTree>
       <p:nvGrpSpPr>
-        <p:cNvPr id="1" name="">
-          <a:extLst>
-            <a:ext uri="{FF2B5EF4-FFF2-40B4-BE49-F238E27FC236}">
-              <a16:creationId xmlns:a16="http://schemas.microsoft.com/office/drawing/2014/main" id="{ADD66628-4644-940B-E54B-7040D972DBFB}"/>
-            </a:ext>
-          </a:extLst>
-        </p:cNvPr>
+        <p:cNvPr id="1" name=""/>
         <p:cNvGrpSpPr/>
         <p:nvPr/>
       </p:nvGrpSpPr>
@@ -7556,10 +5825,10 @@
       </p:grpSpPr>
       <p:sp>
         <p:nvSpPr>
-          <p:cNvPr id="3" name="テキスト プレースホルダー 2">
-            <a:extLst>
-              <a:ext uri="{FF2B5EF4-FFF2-40B4-BE49-F238E27FC236}">
-                <a16:creationId xmlns:a16="http://schemas.microsoft.com/office/drawing/2014/main" id="{E6DEB0E2-5C08-2018-2480-1BA1F6C16D11}"/>
+          <p:cNvPr id="10" name="テキスト プレースホルダー 9">
+            <a:extLst>
+              <a:ext uri="{FF2B5EF4-FFF2-40B4-BE49-F238E27FC236}">
+                <a16:creationId xmlns:a16="http://schemas.microsoft.com/office/drawing/2014/main" id="{498E2ED4-4722-1777-7559-9D703D838D6A}"/>
               </a:ext>
             </a:extLst>
           </p:cNvPr>
@@ -7575,39 +5844,44 @@
           <a:bodyPr anchor="ctr"/>
           <a:lstStyle/>
           <a:p>
-            <a:pPr marL="0" indent="0">
-              <a:buNone/>
+            <a:pPr marL="696551" indent="-696551">
+              <a:lnSpc>
+                <a:spcPct val="150000"/>
+              </a:lnSpc>
+              <a:buFont typeface="Arial" panose="020B0604020202020204" pitchFamily="34" charset="0"/>
+              <a:buChar char="•"/>
             </a:pPr>
             <a:r>
-              <a:rPr lang="ja-JP" altLang="en-US" sz="8800" dirty="0">
+              <a:rPr lang="ja-JP" altLang="en-US" dirty="0"/>
+              <a:t>実際に実験をせず</a:t>
+            </a:r>
+            <a:r>
+              <a:rPr lang="ja-JP" altLang="en-US" dirty="0">
                 <a:solidFill>
                   <a:schemeClr val="accent6"/>
                 </a:solidFill>
               </a:rPr>
-              <a:t>身近な現象を論理</a:t>
-            </a:r>
-            <a:endParaRPr lang="en-US" altLang="ja-JP" sz="8800" dirty="0">
-              <a:solidFill>
-                <a:schemeClr val="accent6"/>
-              </a:solidFill>
-            </a:endParaRPr>
-          </a:p>
-          <a:p>
-            <a:pPr marL="0" indent="0">
-              <a:buNone/>
+              <a:t>頭の中でシミュレーション</a:t>
+            </a:r>
+            <a:r>
+              <a:rPr lang="ja-JP" altLang="en-US" dirty="0"/>
+              <a:t>し，</a:t>
+            </a:r>
+            <a:endParaRPr lang="en-US" altLang="ja-JP" dirty="0"/>
+          </a:p>
+          <a:p>
+            <a:pPr marL="696551" indent="-696551">
+              <a:lnSpc>
+                <a:spcPct val="150000"/>
+              </a:lnSpc>
+              <a:buFont typeface="Arial" panose="020B0604020202020204" pitchFamily="34" charset="0"/>
+              <a:buChar char="•"/>
             </a:pPr>
             <a:r>
-              <a:rPr lang="ja-JP" altLang="en-US" sz="8800" dirty="0">
-                <a:solidFill>
-                  <a:schemeClr val="accent6"/>
-                </a:solidFill>
-              </a:rPr>
-              <a:t>的に</a:t>
-            </a:r>
-            <a:r>
-              <a:rPr lang="ja-JP" altLang="en-US" sz="8800" dirty="0"/>
-              <a:t>理解する！</a:t>
-            </a:r>
+              <a:rPr lang="ja-JP" altLang="en-US" dirty="0"/>
+              <a:t>論理的に起こり得ることを考察する方法．</a:t>
+            </a:r>
+            <a:endParaRPr lang="en-US" altLang="ja-JP" dirty="0"/>
           </a:p>
         </p:txBody>
       </p:sp>
@@ -7616,7 +5890,7 @@
           <p:cNvPr id="4" name="タイトル 3">
             <a:extLst>
               <a:ext uri="{FF2B5EF4-FFF2-40B4-BE49-F238E27FC236}">
-                <a16:creationId xmlns:a16="http://schemas.microsoft.com/office/drawing/2014/main" id="{91728109-04C1-40D7-36C5-E5CAAB51F469}"/>
+                <a16:creationId xmlns:a16="http://schemas.microsoft.com/office/drawing/2014/main" id="{48A6664C-8E3A-EA51-6360-7E57CB646DB7}"/>
               </a:ext>
             </a:extLst>
           </p:cNvPr>
@@ -7633,14 +5907,9 @@
           <a:lstStyle/>
           <a:p>
             <a:r>
-              <a:rPr lang="ja-JP" altLang="en-US" dirty="0"/>
-              <a:t>本日の目的</a:t>
-            </a:r>
-            <a:r>
-              <a:rPr lang="en-US" altLang="ja-JP" dirty="0"/>
-              <a:t> No. 1</a:t>
-            </a:r>
-            <a:endParaRPr kumimoji="1" lang="ja-JP" altLang="en-US" dirty="0"/>
+              <a:rPr kumimoji="1" lang="ja-JP" altLang="en-US" dirty="0"/>
+              <a:t>思考実験とは</a:t>
+            </a:r>
           </a:p>
         </p:txBody>
       </p:sp>
@@ -7649,7 +5918,7 @@
           <p:cNvPr id="2" name="スライド番号プレースホルダー 7">
             <a:extLst>
               <a:ext uri="{FF2B5EF4-FFF2-40B4-BE49-F238E27FC236}">
-                <a16:creationId xmlns:a16="http://schemas.microsoft.com/office/drawing/2014/main" id="{3B3E3738-7CC5-DB2D-B04E-024FAF9C04EB}"/>
+                <a16:creationId xmlns:a16="http://schemas.microsoft.com/office/drawing/2014/main" id="{67AEAAB3-B701-6421-B4D4-93C85E1D1A6C}"/>
               </a:ext>
             </a:extLst>
           </p:cNvPr>
@@ -7683,632 +5952,6 @@
               <a:rPr kumimoji="1" lang="ja-JP" altLang="en-US" smtClean="0"/>
               <a:pPr/>
               <a:t>2</a:t>
-            </a:fld>
-            <a:endParaRPr kumimoji="1" lang="ja-JP" altLang="en-US"/>
-          </a:p>
-        </p:txBody>
-      </p:sp>
-    </p:spTree>
-    <p:extLst>
-      <p:ext uri="{BB962C8B-B14F-4D97-AF65-F5344CB8AC3E}">
-        <p14:creationId xmlns:p14="http://schemas.microsoft.com/office/powerpoint/2010/main" val="3965007319"/>
-      </p:ext>
-    </p:extLst>
-  </p:cSld>
-  <p:clrMapOvr>
-    <a:masterClrMapping/>
-  </p:clrMapOvr>
-  <mc:AlternateContent xmlns:mc="http://schemas.openxmlformats.org/markup-compatibility/2006" xmlns:p14="http://schemas.microsoft.com/office/powerpoint/2010/main">
-    <mc:Choice Requires="p14">
-      <p:transition spd="med" p14:dur="700">
-        <p:fade/>
-      </p:transition>
-    </mc:Choice>
-    <mc:Fallback xmlns="">
-      <p:transition spd="med">
-        <p:fade/>
-      </p:transition>
-    </mc:Fallback>
-  </mc:AlternateContent>
-  <p:timing>
-    <p:tnLst>
-      <p:par>
-        <p:cTn id="1" dur="indefinite" restart="never" nodeType="tmRoot">
-          <p:childTnLst>
-            <p:seq concurrent="1" nextAc="seek">
-              <p:cTn id="2" dur="indefinite" nodeType="mainSeq">
-                <p:childTnLst>
-                  <p:par>
-                    <p:cTn id="3" fill="hold">
-                      <p:stCondLst>
-                        <p:cond delay="indefinite"/>
-                      </p:stCondLst>
-                      <p:childTnLst>
-                        <p:par>
-                          <p:cTn id="4" fill="hold">
-                            <p:stCondLst>
-                              <p:cond delay="0"/>
-                            </p:stCondLst>
-                            <p:childTnLst>
-                              <p:par>
-                                <p:cTn id="5" presetID="10" presetClass="entr" presetSubtype="0" fill="hold" grpId="0" nodeType="clickEffect">
-                                  <p:stCondLst>
-                                    <p:cond delay="0"/>
-                                  </p:stCondLst>
-                                  <p:childTnLst>
-                                    <p:set>
-                                      <p:cBhvr>
-                                        <p:cTn id="6" dur="1" fill="hold">
-                                          <p:stCondLst>
-                                            <p:cond delay="0"/>
-                                          </p:stCondLst>
-                                        </p:cTn>
-                                        <p:tgtEl>
-                                          <p:spTgt spid="3">
-                                            <p:txEl>
-                                              <p:pRg st="0" end="0"/>
-                                            </p:txEl>
-                                          </p:spTgt>
-                                        </p:tgtEl>
-                                        <p:attrNameLst>
-                                          <p:attrName>style.visibility</p:attrName>
-                                        </p:attrNameLst>
-                                      </p:cBhvr>
-                                      <p:to>
-                                        <p:strVal val="visible"/>
-                                      </p:to>
-                                    </p:set>
-                                    <p:animEffect transition="in" filter="fade">
-                                      <p:cBhvr>
-                                        <p:cTn id="7" dur="500"/>
-                                        <p:tgtEl>
-                                          <p:spTgt spid="3">
-                                            <p:txEl>
-                                              <p:pRg st="0" end="0"/>
-                                            </p:txEl>
-                                          </p:spTgt>
-                                        </p:tgtEl>
-                                      </p:cBhvr>
-                                    </p:animEffect>
-                                  </p:childTnLst>
-                                </p:cTn>
-                              </p:par>
-                              <p:par>
-                                <p:cTn id="8" presetID="10" presetClass="entr" presetSubtype="0" fill="hold" grpId="0" nodeType="withEffect">
-                                  <p:stCondLst>
-                                    <p:cond delay="0"/>
-                                  </p:stCondLst>
-                                  <p:childTnLst>
-                                    <p:set>
-                                      <p:cBhvr>
-                                        <p:cTn id="9" dur="1" fill="hold">
-                                          <p:stCondLst>
-                                            <p:cond delay="0"/>
-                                          </p:stCondLst>
-                                        </p:cTn>
-                                        <p:tgtEl>
-                                          <p:spTgt spid="3">
-                                            <p:txEl>
-                                              <p:pRg st="1" end="1"/>
-                                            </p:txEl>
-                                          </p:spTgt>
-                                        </p:tgtEl>
-                                        <p:attrNameLst>
-                                          <p:attrName>style.visibility</p:attrName>
-                                        </p:attrNameLst>
-                                      </p:cBhvr>
-                                      <p:to>
-                                        <p:strVal val="visible"/>
-                                      </p:to>
-                                    </p:set>
-                                    <p:animEffect transition="in" filter="fade">
-                                      <p:cBhvr>
-                                        <p:cTn id="10" dur="500"/>
-                                        <p:tgtEl>
-                                          <p:spTgt spid="3">
-                                            <p:txEl>
-                                              <p:pRg st="1" end="1"/>
-                                            </p:txEl>
-                                          </p:spTgt>
-                                        </p:tgtEl>
-                                      </p:cBhvr>
-                                    </p:animEffect>
-                                  </p:childTnLst>
-                                </p:cTn>
-                              </p:par>
-                            </p:childTnLst>
-                          </p:cTn>
-                        </p:par>
-                      </p:childTnLst>
-                    </p:cTn>
-                  </p:par>
-                </p:childTnLst>
-              </p:cTn>
-              <p:prevCondLst>
-                <p:cond evt="onPrev" delay="0">
-                  <p:tgtEl>
-                    <p:sldTgt/>
-                  </p:tgtEl>
-                </p:cond>
-              </p:prevCondLst>
-              <p:nextCondLst>
-                <p:cond evt="onNext" delay="0">
-                  <p:tgtEl>
-                    <p:sldTgt/>
-                  </p:tgtEl>
-                </p:cond>
-              </p:nextCondLst>
-            </p:seq>
-          </p:childTnLst>
-        </p:cTn>
-      </p:par>
-    </p:tnLst>
-    <p:bldLst>
-      <p:bldP spid="3" grpId="0" build="allAtOnce"/>
-    </p:bldLst>
-  </p:timing>
-</p:sld>
-</file>
-
-<file path=ppt/slides/slide3.xml><?xml version="1.0" encoding="utf-8"?>
-<p:sld xmlns:a="http://schemas.openxmlformats.org/drawingml/2006/main" xmlns:r="http://schemas.openxmlformats.org/officeDocument/2006/relationships" xmlns:p="http://schemas.openxmlformats.org/presentationml/2006/main">
-  <p:cSld>
-    <p:spTree>
-      <p:nvGrpSpPr>
-        <p:cNvPr id="1" name=""/>
-        <p:cNvGrpSpPr/>
-        <p:nvPr/>
-      </p:nvGrpSpPr>
-      <p:grpSpPr>
-        <a:xfrm>
-          <a:off x="0" y="0"/>
-          <a:ext cx="0" cy="0"/>
-          <a:chOff x="0" y="0"/>
-          <a:chExt cx="0" cy="0"/>
-        </a:xfrm>
-      </p:grpSpPr>
-      <p:sp>
-        <p:nvSpPr>
-          <p:cNvPr id="3" name="テキスト プレースホルダー 2">
-            <a:extLst>
-              <a:ext uri="{FF2B5EF4-FFF2-40B4-BE49-F238E27FC236}">
-                <a16:creationId xmlns:a16="http://schemas.microsoft.com/office/drawing/2014/main" id="{0C5639CA-C49F-F94F-663F-DC3C68B63F1D}"/>
-              </a:ext>
-            </a:extLst>
-          </p:cNvPr>
-          <p:cNvSpPr>
-            <a:spLocks noGrp="1"/>
-          </p:cNvSpPr>
-          <p:nvPr>
-            <p:ph type="body" sz="quarter" idx="24"/>
-          </p:nvPr>
-        </p:nvSpPr>
-        <p:spPr/>
-        <p:txBody>
-          <a:bodyPr anchor="ctr"/>
-          <a:lstStyle/>
-          <a:p>
-            <a:pPr marL="0" indent="0">
-              <a:buNone/>
-            </a:pPr>
-            <a:r>
-              <a:rPr lang="ja-JP" altLang="en-US" sz="8800" dirty="0">
-                <a:solidFill>
-                  <a:schemeClr val="accent6"/>
-                </a:solidFill>
-              </a:rPr>
-              <a:t>直感と反する</a:t>
-            </a:r>
-            <a:endParaRPr lang="en-US" altLang="ja-JP" sz="8800" dirty="0">
-              <a:solidFill>
-                <a:schemeClr val="accent6"/>
-              </a:solidFill>
-            </a:endParaRPr>
-          </a:p>
-          <a:p>
-            <a:pPr marL="0" indent="0">
-              <a:buNone/>
-            </a:pPr>
-            <a:r>
-              <a:rPr lang="ja-JP" altLang="en-US" sz="8800" dirty="0">
-                <a:solidFill>
-                  <a:schemeClr val="accent6"/>
-                </a:solidFill>
-              </a:rPr>
-              <a:t>現象</a:t>
-            </a:r>
-            <a:r>
-              <a:rPr lang="ja-JP" altLang="en-US" sz="8800" dirty="0"/>
-              <a:t>を理解する！</a:t>
-            </a:r>
-          </a:p>
-        </p:txBody>
-      </p:sp>
-      <p:sp>
-        <p:nvSpPr>
-          <p:cNvPr id="4" name="タイトル 3">
-            <a:extLst>
-              <a:ext uri="{FF2B5EF4-FFF2-40B4-BE49-F238E27FC236}">
-                <a16:creationId xmlns:a16="http://schemas.microsoft.com/office/drawing/2014/main" id="{950B3873-D6F6-902A-DAF1-2A6A4B25C334}"/>
-              </a:ext>
-            </a:extLst>
-          </p:cNvPr>
-          <p:cNvSpPr>
-            <a:spLocks noGrp="1"/>
-          </p:cNvSpPr>
-          <p:nvPr>
-            <p:ph type="title"/>
-          </p:nvPr>
-        </p:nvSpPr>
-        <p:spPr/>
-        <p:txBody>
-          <a:bodyPr/>
-          <a:lstStyle/>
-          <a:p>
-            <a:r>
-              <a:rPr lang="ja-JP" altLang="en-US" dirty="0"/>
-              <a:t>本日の目的 </a:t>
-            </a:r>
-            <a:r>
-              <a:rPr lang="en-US" altLang="ja-JP" dirty="0"/>
-              <a:t>No. 2</a:t>
-            </a:r>
-            <a:endParaRPr kumimoji="1" lang="ja-JP" altLang="en-US" dirty="0"/>
-          </a:p>
-        </p:txBody>
-      </p:sp>
-      <p:sp>
-        <p:nvSpPr>
-          <p:cNvPr id="2" name="スライド番号プレースホルダー 7">
-            <a:extLst>
-              <a:ext uri="{FF2B5EF4-FFF2-40B4-BE49-F238E27FC236}">
-                <a16:creationId xmlns:a16="http://schemas.microsoft.com/office/drawing/2014/main" id="{E7853B45-BB00-65DA-6AD7-5F3EE610AD01}"/>
-              </a:ext>
-            </a:extLst>
-          </p:cNvPr>
-          <p:cNvSpPr>
-            <a:spLocks noGrp="1"/>
-          </p:cNvSpPr>
-          <p:nvPr>
-            <p:ph type="sldNum" sz="quarter" idx="26"/>
-          </p:nvPr>
-        </p:nvSpPr>
-        <p:spPr>
-          <a:xfrm>
-            <a:off x="8843505" y="7"/>
-            <a:ext cx="1038529" cy="604565"/>
-          </a:xfrm>
-          <a:prstGeom prst="rect">
-            <a:avLst/>
-          </a:prstGeom>
-        </p:spPr>
-        <p:txBody>
-          <a:bodyPr/>
-          <a:lstStyle>
-            <a:lvl1pPr algn="r">
-              <a:defRPr sz="2800">
-                <a:latin typeface="+mn-lt"/>
-              </a:defRPr>
-            </a:lvl1pPr>
-          </a:lstStyle>
-          <a:p>
-            <a:fld id="{6408349E-6932-463E-ABE1-6FC2A2453113}" type="slidenum">
-              <a:rPr kumimoji="1" lang="ja-JP" altLang="en-US" smtClean="0"/>
-              <a:pPr/>
-              <a:t>3</a:t>
-            </a:fld>
-            <a:endParaRPr kumimoji="1" lang="ja-JP" altLang="en-US"/>
-          </a:p>
-        </p:txBody>
-      </p:sp>
-    </p:spTree>
-    <p:extLst>
-      <p:ext uri="{BB962C8B-B14F-4D97-AF65-F5344CB8AC3E}">
-        <p14:creationId xmlns:p14="http://schemas.microsoft.com/office/powerpoint/2010/main" val="4065757968"/>
-      </p:ext>
-    </p:extLst>
-  </p:cSld>
-  <p:clrMapOvr>
-    <a:masterClrMapping/>
-  </p:clrMapOvr>
-  <mc:AlternateContent xmlns:mc="http://schemas.openxmlformats.org/markup-compatibility/2006" xmlns:p14="http://schemas.microsoft.com/office/powerpoint/2010/main">
-    <mc:Choice Requires="p14">
-      <p:transition spd="med" p14:dur="700">
-        <p:fade/>
-      </p:transition>
-    </mc:Choice>
-    <mc:Fallback xmlns="">
-      <p:transition spd="med">
-        <p:fade/>
-      </p:transition>
-    </mc:Fallback>
-  </mc:AlternateContent>
-  <p:timing>
-    <p:tnLst>
-      <p:par>
-        <p:cTn id="1" dur="indefinite" restart="never" nodeType="tmRoot">
-          <p:childTnLst>
-            <p:seq concurrent="1" nextAc="seek">
-              <p:cTn id="2" dur="indefinite" nodeType="mainSeq">
-                <p:childTnLst>
-                  <p:par>
-                    <p:cTn id="3" fill="hold">
-                      <p:stCondLst>
-                        <p:cond delay="indefinite"/>
-                      </p:stCondLst>
-                      <p:childTnLst>
-                        <p:par>
-                          <p:cTn id="4" fill="hold">
-                            <p:stCondLst>
-                              <p:cond delay="0"/>
-                            </p:stCondLst>
-                            <p:childTnLst>
-                              <p:par>
-                                <p:cTn id="5" presetID="10" presetClass="entr" presetSubtype="0" fill="hold" grpId="0" nodeType="clickEffect">
-                                  <p:stCondLst>
-                                    <p:cond delay="0"/>
-                                  </p:stCondLst>
-                                  <p:childTnLst>
-                                    <p:set>
-                                      <p:cBhvr>
-                                        <p:cTn id="6" dur="1" fill="hold">
-                                          <p:stCondLst>
-                                            <p:cond delay="0"/>
-                                          </p:stCondLst>
-                                        </p:cTn>
-                                        <p:tgtEl>
-                                          <p:spTgt spid="3">
-                                            <p:txEl>
-                                              <p:pRg st="0" end="0"/>
-                                            </p:txEl>
-                                          </p:spTgt>
-                                        </p:tgtEl>
-                                        <p:attrNameLst>
-                                          <p:attrName>style.visibility</p:attrName>
-                                        </p:attrNameLst>
-                                      </p:cBhvr>
-                                      <p:to>
-                                        <p:strVal val="visible"/>
-                                      </p:to>
-                                    </p:set>
-                                    <p:animEffect transition="in" filter="fade">
-                                      <p:cBhvr>
-                                        <p:cTn id="7" dur="500"/>
-                                        <p:tgtEl>
-                                          <p:spTgt spid="3">
-                                            <p:txEl>
-                                              <p:pRg st="0" end="0"/>
-                                            </p:txEl>
-                                          </p:spTgt>
-                                        </p:tgtEl>
-                                      </p:cBhvr>
-                                    </p:animEffect>
-                                  </p:childTnLst>
-                                </p:cTn>
-                              </p:par>
-                              <p:par>
-                                <p:cTn id="8" presetID="10" presetClass="entr" presetSubtype="0" fill="hold" grpId="0" nodeType="withEffect">
-                                  <p:stCondLst>
-                                    <p:cond delay="0"/>
-                                  </p:stCondLst>
-                                  <p:childTnLst>
-                                    <p:set>
-                                      <p:cBhvr>
-                                        <p:cTn id="9" dur="1" fill="hold">
-                                          <p:stCondLst>
-                                            <p:cond delay="0"/>
-                                          </p:stCondLst>
-                                        </p:cTn>
-                                        <p:tgtEl>
-                                          <p:spTgt spid="3">
-                                            <p:txEl>
-                                              <p:pRg st="1" end="1"/>
-                                            </p:txEl>
-                                          </p:spTgt>
-                                        </p:tgtEl>
-                                        <p:attrNameLst>
-                                          <p:attrName>style.visibility</p:attrName>
-                                        </p:attrNameLst>
-                                      </p:cBhvr>
-                                      <p:to>
-                                        <p:strVal val="visible"/>
-                                      </p:to>
-                                    </p:set>
-                                    <p:animEffect transition="in" filter="fade">
-                                      <p:cBhvr>
-                                        <p:cTn id="10" dur="500"/>
-                                        <p:tgtEl>
-                                          <p:spTgt spid="3">
-                                            <p:txEl>
-                                              <p:pRg st="1" end="1"/>
-                                            </p:txEl>
-                                          </p:spTgt>
-                                        </p:tgtEl>
-                                      </p:cBhvr>
-                                    </p:animEffect>
-                                  </p:childTnLst>
-                                </p:cTn>
-                              </p:par>
-                            </p:childTnLst>
-                          </p:cTn>
-                        </p:par>
-                      </p:childTnLst>
-                    </p:cTn>
-                  </p:par>
-                </p:childTnLst>
-              </p:cTn>
-              <p:prevCondLst>
-                <p:cond evt="onPrev" delay="0">
-                  <p:tgtEl>
-                    <p:sldTgt/>
-                  </p:tgtEl>
-                </p:cond>
-              </p:prevCondLst>
-              <p:nextCondLst>
-                <p:cond evt="onNext" delay="0">
-                  <p:tgtEl>
-                    <p:sldTgt/>
-                  </p:tgtEl>
-                </p:cond>
-              </p:nextCondLst>
-            </p:seq>
-          </p:childTnLst>
-        </p:cTn>
-      </p:par>
-    </p:tnLst>
-    <p:bldLst>
-      <p:bldP spid="3" grpId="0" build="allAtOnce"/>
-    </p:bldLst>
-  </p:timing>
-</p:sld>
-</file>
-
-<file path=ppt/slides/slide4.xml><?xml version="1.0" encoding="utf-8"?>
-<p:sld xmlns:a="http://schemas.openxmlformats.org/drawingml/2006/main" xmlns:r="http://schemas.openxmlformats.org/officeDocument/2006/relationships" xmlns:p="http://schemas.openxmlformats.org/presentationml/2006/main">
-  <p:cSld>
-    <p:spTree>
-      <p:nvGrpSpPr>
-        <p:cNvPr id="1" name=""/>
-        <p:cNvGrpSpPr/>
-        <p:nvPr/>
-      </p:nvGrpSpPr>
-      <p:grpSpPr>
-        <a:xfrm>
-          <a:off x="0" y="0"/>
-          <a:ext cx="0" cy="0"/>
-          <a:chOff x="0" y="0"/>
-          <a:chExt cx="0" cy="0"/>
-        </a:xfrm>
-      </p:grpSpPr>
-      <p:sp>
-        <p:nvSpPr>
-          <p:cNvPr id="10" name="テキスト プレースホルダー 9">
-            <a:extLst>
-              <a:ext uri="{FF2B5EF4-FFF2-40B4-BE49-F238E27FC236}">
-                <a16:creationId xmlns:a16="http://schemas.microsoft.com/office/drawing/2014/main" id="{498E2ED4-4722-1777-7559-9D703D838D6A}"/>
-              </a:ext>
-            </a:extLst>
-          </p:cNvPr>
-          <p:cNvSpPr>
-            <a:spLocks noGrp="1"/>
-          </p:cNvSpPr>
-          <p:nvPr>
-            <p:ph type="body" sz="quarter" idx="24"/>
-          </p:nvPr>
-        </p:nvSpPr>
-        <p:spPr/>
-        <p:txBody>
-          <a:bodyPr anchor="ctr"/>
-          <a:lstStyle/>
-          <a:p>
-            <a:pPr marL="696551" indent="-696551">
-              <a:lnSpc>
-                <a:spcPct val="150000"/>
-              </a:lnSpc>
-              <a:buFont typeface="Arial" panose="020B0604020202020204" pitchFamily="34" charset="0"/>
-              <a:buChar char="•"/>
-            </a:pPr>
-            <a:r>
-              <a:rPr lang="ja-JP" altLang="en-US" dirty="0"/>
-              <a:t>実際に実験をせず</a:t>
-            </a:r>
-            <a:r>
-              <a:rPr lang="ja-JP" altLang="en-US" dirty="0">
-                <a:solidFill>
-                  <a:schemeClr val="accent6"/>
-                </a:solidFill>
-              </a:rPr>
-              <a:t>頭の中でシミュレーション</a:t>
-            </a:r>
-            <a:r>
-              <a:rPr lang="ja-JP" altLang="en-US" dirty="0"/>
-              <a:t>し，</a:t>
-            </a:r>
-            <a:endParaRPr lang="en-US" altLang="ja-JP" dirty="0"/>
-          </a:p>
-          <a:p>
-            <a:pPr marL="696551" indent="-696551">
-              <a:lnSpc>
-                <a:spcPct val="150000"/>
-              </a:lnSpc>
-              <a:buFont typeface="Arial" panose="020B0604020202020204" pitchFamily="34" charset="0"/>
-              <a:buChar char="•"/>
-            </a:pPr>
-            <a:r>
-              <a:rPr lang="ja-JP" altLang="en-US" dirty="0"/>
-              <a:t>論理的に起こり得ることを考察する方法．</a:t>
-            </a:r>
-            <a:endParaRPr lang="en-US" altLang="ja-JP" dirty="0"/>
-          </a:p>
-        </p:txBody>
-      </p:sp>
-      <p:sp>
-        <p:nvSpPr>
-          <p:cNvPr id="4" name="タイトル 3">
-            <a:extLst>
-              <a:ext uri="{FF2B5EF4-FFF2-40B4-BE49-F238E27FC236}">
-                <a16:creationId xmlns:a16="http://schemas.microsoft.com/office/drawing/2014/main" id="{48A6664C-8E3A-EA51-6360-7E57CB646DB7}"/>
-              </a:ext>
-            </a:extLst>
-          </p:cNvPr>
-          <p:cNvSpPr>
-            <a:spLocks noGrp="1"/>
-          </p:cNvSpPr>
-          <p:nvPr>
-            <p:ph type="title"/>
-          </p:nvPr>
-        </p:nvSpPr>
-        <p:spPr/>
-        <p:txBody>
-          <a:bodyPr/>
-          <a:lstStyle/>
-          <a:p>
-            <a:r>
-              <a:rPr kumimoji="1" lang="ja-JP" altLang="en-US" dirty="0"/>
-              <a:t>思考実験とは</a:t>
-            </a:r>
-          </a:p>
-        </p:txBody>
-      </p:sp>
-      <p:sp>
-        <p:nvSpPr>
-          <p:cNvPr id="2" name="スライド番号プレースホルダー 7">
-            <a:extLst>
-              <a:ext uri="{FF2B5EF4-FFF2-40B4-BE49-F238E27FC236}">
-                <a16:creationId xmlns:a16="http://schemas.microsoft.com/office/drawing/2014/main" id="{67AEAAB3-B701-6421-B4D4-93C85E1D1A6C}"/>
-              </a:ext>
-            </a:extLst>
-          </p:cNvPr>
-          <p:cNvSpPr>
-            <a:spLocks noGrp="1"/>
-          </p:cNvSpPr>
-          <p:nvPr>
-            <p:ph type="sldNum" sz="quarter" idx="26"/>
-          </p:nvPr>
-        </p:nvSpPr>
-        <p:spPr>
-          <a:xfrm>
-            <a:off x="8843505" y="7"/>
-            <a:ext cx="1038529" cy="604565"/>
-          </a:xfrm>
-          <a:prstGeom prst="rect">
-            <a:avLst/>
-          </a:prstGeom>
-        </p:spPr>
-        <p:txBody>
-          <a:bodyPr/>
-          <a:lstStyle>
-            <a:lvl1pPr algn="r">
-              <a:defRPr sz="2800">
-                <a:latin typeface="+mn-lt"/>
-              </a:defRPr>
-            </a:lvl1pPr>
-          </a:lstStyle>
-          <a:p>
-            <a:fld id="{6408349E-6932-463E-ABE1-6FC2A2453113}" type="slidenum">
-              <a:rPr kumimoji="1" lang="ja-JP" altLang="en-US" smtClean="0"/>
-              <a:pPr/>
-              <a:t>4</a:t>
             </a:fld>
             <a:endParaRPr kumimoji="1" lang="ja-JP" altLang="en-US"/>
           </a:p>
@@ -8494,7 +6137,7 @@
 </p:sld>
 </file>
 
-<file path=ppt/slides/slide5.xml><?xml version="1.0" encoding="utf-8"?>
+<file path=ppt/slides/slide3.xml><?xml version="1.0" encoding="utf-8"?>
 <p:sld xmlns:a="http://schemas.openxmlformats.org/drawingml/2006/main" xmlns:r="http://schemas.openxmlformats.org/officeDocument/2006/relationships" xmlns:p="http://schemas.openxmlformats.org/presentationml/2006/main">
   <p:cSld>
     <p:spTree>
@@ -8513,10 +6156,10 @@
       </p:grpSpPr>
       <p:pic>
         <p:nvPicPr>
-          <p:cNvPr id="8" name="Picture 2" descr="アリストテレス">
-            <a:extLst>
-              <a:ext uri="{FF2B5EF4-FFF2-40B4-BE49-F238E27FC236}">
-                <a16:creationId xmlns:a16="http://schemas.microsoft.com/office/drawing/2014/main" id="{720A4EF3-8C53-3221-7E97-339171CCDF53}"/>
+          <p:cNvPr id="2050" name="Picture 2">
+            <a:extLst>
+              <a:ext uri="{FF2B5EF4-FFF2-40B4-BE49-F238E27FC236}">
+                <a16:creationId xmlns:a16="http://schemas.microsoft.com/office/drawing/2014/main" id="{E7B7746C-EF0C-4AED-736C-49DDA31DBCF0}"/>
               </a:ext>
             </a:extLst>
           </p:cNvPr>
@@ -8540,8 +6183,8 @@
         </p:blipFill>
         <p:spPr bwMode="auto">
           <a:xfrm>
-            <a:off x="350386" y="567960"/>
-            <a:ext cx="4197596" cy="5624778"/>
+            <a:off x="348148" y="567960"/>
+            <a:ext cx="4199834" cy="5624778"/>
           </a:xfrm>
           <a:prstGeom prst="rect">
             <a:avLst/>
@@ -8667,22 +6310,12 @@
           <a:lstStyle/>
           <a:p>
             <a:r>
-              <a:rPr lang="en-US" altLang="ja-JP" baseline="30000" dirty="0"/>
-              <a:t>[1] </a:t>
-            </a:r>
-            <a:r>
-              <a:rPr kumimoji="1" lang="en-US" altLang="ja-JP" dirty="0">
+              <a:rPr lang="en-US" altLang="ja-JP" dirty="0">
                 <a:hlinkClick r:id="rId3"/>
               </a:rPr>
-              <a:t>https://ja.wikipedia.org/wiki/</a:t>
-            </a:r>
-            <a:r>
-              <a:rPr kumimoji="1" lang="ja-JP" altLang="en-US" dirty="0">
-                <a:hlinkClick r:id="rId3"/>
-              </a:rPr>
-              <a:t>アリストテレス</a:t>
-            </a:r>
-            <a:endParaRPr kumimoji="1" lang="en-US" altLang="ja-JP" dirty="0"/>
+              <a:t>commons.wikimedia.org/wiki/File:Aristotle_Altemps_Inv8575.jpg</a:t>
+            </a:r>
+            <a:endParaRPr lang="en-US" altLang="ja-JP" dirty="0"/>
           </a:p>
         </p:txBody>
       </p:sp>
@@ -8774,7 +6407,7 @@
             <a:fld id="{6408349E-6932-463E-ABE1-6FC2A2453113}" type="slidenum">
               <a:rPr kumimoji="1" lang="ja-JP" altLang="en-US" smtClean="0"/>
               <a:pPr/>
-              <a:t>5</a:t>
+              <a:t>3</a:t>
             </a:fld>
             <a:endParaRPr kumimoji="1" lang="ja-JP" altLang="en-US"/>
           </a:p>
@@ -8891,7 +6524,7 @@
 </p:sld>
 </file>
 
-<file path=ppt/slides/slide6.xml><?xml version="1.0" encoding="utf-8"?>
+<file path=ppt/slides/slide4.xml><?xml version="1.0" encoding="utf-8"?>
 <p:sld xmlns:a="http://schemas.openxmlformats.org/drawingml/2006/main" xmlns:r="http://schemas.openxmlformats.org/officeDocument/2006/relationships" xmlns:p="http://schemas.openxmlformats.org/presentationml/2006/main">
   <p:cSld>
     <p:spTree>
@@ -9028,7 +6661,7 @@
             <a:fld id="{6408349E-6932-463E-ABE1-6FC2A2453113}" type="slidenum">
               <a:rPr kumimoji="1" lang="ja-JP" altLang="en-US" smtClean="0"/>
               <a:pPr/>
-              <a:t>6</a:t>
+              <a:t>4</a:t>
             </a:fld>
             <a:endParaRPr kumimoji="1" lang="ja-JP" altLang="en-US"/>
           </a:p>
@@ -9059,7 +6692,7 @@
 </p:sld>
 </file>
 
-<file path=ppt/slides/slide7.xml><?xml version="1.0" encoding="utf-8"?>
+<file path=ppt/slides/slide5.xml><?xml version="1.0" encoding="utf-8"?>
 <p:sld xmlns:a="http://schemas.openxmlformats.org/drawingml/2006/main" xmlns:r="http://schemas.openxmlformats.org/officeDocument/2006/relationships" xmlns:p="http://schemas.openxmlformats.org/presentationml/2006/main">
   <p:cSld>
     <p:spTree>
@@ -9078,10 +6711,10 @@
       </p:grpSpPr>
       <p:pic>
         <p:nvPicPr>
-          <p:cNvPr id="13" name="Picture 2" descr="ガリレオ・ガリレイ">
-            <a:extLst>
-              <a:ext uri="{FF2B5EF4-FFF2-40B4-BE49-F238E27FC236}">
-                <a16:creationId xmlns:a16="http://schemas.microsoft.com/office/drawing/2014/main" id="{4CCBF118-CDED-8CE9-44AD-FA86754769FB}"/>
+          <p:cNvPr id="1028" name="Picture 4">
+            <a:extLst>
+              <a:ext uri="{FF2B5EF4-FFF2-40B4-BE49-F238E27FC236}">
+                <a16:creationId xmlns:a16="http://schemas.microsoft.com/office/drawing/2014/main" id="{6B9A86DF-FE50-FEF1-6B35-8AFCB81F5B6B}"/>
               </a:ext>
             </a:extLst>
           </p:cNvPr>
@@ -9098,13 +6731,15 @@
               </a:ext>
             </a:extLst>
           </a:blip>
-          <a:srcRect l="4892" r="4892"/>
-          <a:stretch/>
+          <a:srcRect l="4954" r="4954"/>
+          <a:stretch>
+            <a:fillRect/>
+          </a:stretch>
         </p:blipFill>
         <p:spPr bwMode="auto">
           <a:xfrm>
-            <a:off x="5128230" y="616611"/>
-            <a:ext cx="4197596" cy="5624778"/>
+            <a:off x="5128229" y="616610"/>
+            <a:ext cx="4197597" cy="5624779"/>
           </a:xfrm>
           <a:prstGeom prst="rect">
             <a:avLst/>
@@ -9147,22 +6782,12 @@
           <a:lstStyle/>
           <a:p>
             <a:r>
-              <a:rPr lang="en-US" altLang="ja-JP" baseline="30000" dirty="0"/>
-              <a:t>[2] </a:t>
-            </a:r>
-            <a:r>
-              <a:rPr kumimoji="1" lang="en-US" altLang="ja-JP" dirty="0">
+              <a:rPr lang="en-US" altLang="ja-JP" dirty="0">
                 <a:hlinkClick r:id="rId3"/>
               </a:rPr>
-              <a:t>https://ja.wikipedia.org/wiki/</a:t>
-            </a:r>
-            <a:r>
-              <a:rPr kumimoji="1" lang="ja-JP" altLang="en-US" dirty="0">
-                <a:hlinkClick r:id="rId3"/>
-              </a:rPr>
-              <a:t>ガリレオ・ガリレイ</a:t>
-            </a:r>
-            <a:endParaRPr kumimoji="1" lang="ja-JP" altLang="en-US" dirty="0"/>
+              <a:t>commons.wikimedia.org/wiki/File:Galileo-sustermans2.jpg</a:t>
+            </a:r>
+            <a:endParaRPr lang="ja-JP" altLang="en-US" dirty="0"/>
           </a:p>
         </p:txBody>
       </p:sp>
@@ -9328,7 +6953,7 @@
             <a:fld id="{6408349E-6932-463E-ABE1-6FC2A2453113}" type="slidenum">
               <a:rPr kumimoji="1" lang="ja-JP" altLang="en-US" smtClean="0"/>
               <a:pPr/>
-              <a:t>7</a:t>
+              <a:t>5</a:t>
             </a:fld>
             <a:endParaRPr kumimoji="1" lang="ja-JP" altLang="en-US"/>
           </a:p>
@@ -9445,7 +7070,7 @@
 </p:sld>
 </file>
 
-<file path=ppt/slides/slide8.xml><?xml version="1.0" encoding="utf-8"?>
+<file path=ppt/slides/slide6.xml><?xml version="1.0" encoding="utf-8"?>
 <p:sld xmlns:a="http://schemas.openxmlformats.org/drawingml/2006/main" xmlns:r="http://schemas.openxmlformats.org/officeDocument/2006/relationships" xmlns:p="http://schemas.openxmlformats.org/presentationml/2006/main">
   <p:cSld>
     <p:spTree>
@@ -9682,7 +7307,7 @@
           <a:p>
             <a:r>
               <a:rPr lang="en-US" altLang="ja-JP" baseline="30000" dirty="0"/>
-              <a:t>[3] </a:t>
+              <a:t>[1] </a:t>
             </a:r>
             <a:r>
               <a:rPr lang="en-US" altLang="ja-JP" dirty="0">
@@ -10048,7 +7673,7 @@
             <a:fld id="{6408349E-6932-463E-ABE1-6FC2A2453113}" type="slidenum">
               <a:rPr kumimoji="1" lang="ja-JP" altLang="en-US" smtClean="0"/>
               <a:pPr/>
-              <a:t>8</a:t>
+              <a:t>6</a:t>
             </a:fld>
             <a:endParaRPr kumimoji="1" lang="ja-JP" altLang="en-US"/>
           </a:p>
@@ -10646,7 +8271,7 @@
 </p:sld>
 </file>
 
-<file path=ppt/slides/slide9.xml><?xml version="1.0" encoding="utf-8"?>
+<file path=ppt/slides/slide7.xml><?xml version="1.0" encoding="utf-8"?>
 <p:sld xmlns:a="http://schemas.openxmlformats.org/drawingml/2006/main" xmlns:r="http://schemas.openxmlformats.org/officeDocument/2006/relationships" xmlns:p="http://schemas.openxmlformats.org/presentationml/2006/main">
   <p:cSld>
     <p:spTree>
@@ -10727,7 +8352,7 @@
           <a:p>
             <a:r>
               <a:rPr lang="en-US" altLang="ja-JP" baseline="30000" dirty="0"/>
-              <a:t>[4] </a:t>
+              <a:t>[2] </a:t>
             </a:r>
             <a:r>
               <a:rPr lang="en-US" altLang="ja-JP" dirty="0">
@@ -10777,7 +8402,7 @@
             <a:fld id="{6408349E-6932-463E-ABE1-6FC2A2453113}" type="slidenum">
               <a:rPr kumimoji="1" lang="ja-JP" altLang="en-US" smtClean="0"/>
               <a:pPr/>
-              <a:t>9</a:t>
+              <a:t>7</a:t>
             </a:fld>
             <a:endParaRPr kumimoji="1" lang="ja-JP" altLang="en-US"/>
           </a:p>
@@ -10808,7 +8433,7 @@
         </p:blipFill>
         <p:spPr>
           <a:xfrm>
-            <a:off x="0" y="630238"/>
+            <a:off x="0" y="778122"/>
             <a:ext cx="9906000" cy="5597525"/>
           </a:xfrm>
           <a:prstGeom prst="rect">
@@ -10826,13 +8451,13 @@
   <p:clrMapOvr>
     <a:masterClrMapping/>
   </p:clrMapOvr>
-  <mc:AlternateContent xmlns:mc="http://schemas.openxmlformats.org/markup-compatibility/2006">
-    <mc:Choice xmlns:p14="http://schemas.microsoft.com/office/powerpoint/2010/main" Requires="p14">
+  <mc:AlternateContent xmlns:mc="http://schemas.openxmlformats.org/markup-compatibility/2006" xmlns:p14="http://schemas.microsoft.com/office/powerpoint/2010/main">
+    <mc:Choice Requires="p14">
       <p:transition spd="med" p14:dur="700">
         <p:fade/>
       </p:transition>
     </mc:Choice>
-    <mc:Fallback>
+    <mc:Fallback xmlns="">
       <p:transition spd="med">
         <p:fade/>
       </p:transition>
@@ -10975,6 +8600,2805 @@
         </p:cTn>
       </p:par>
     </p:tnLst>
+  </p:timing>
+</p:sld>
+</file>
+
+<file path=ppt/slides/slide8.xml><?xml version="1.0" encoding="utf-8"?>
+<p:sld xmlns:a="http://schemas.openxmlformats.org/drawingml/2006/main" xmlns:r="http://schemas.openxmlformats.org/officeDocument/2006/relationships" xmlns:p="http://schemas.openxmlformats.org/presentationml/2006/main">
+  <p:cSld>
+    <p:spTree>
+      <p:nvGrpSpPr>
+        <p:cNvPr id="1" name="">
+          <a:extLst>
+            <a:ext uri="{FF2B5EF4-FFF2-40B4-BE49-F238E27FC236}">
+              <a16:creationId xmlns:a16="http://schemas.microsoft.com/office/drawing/2014/main" id="{7644DCC6-2CA8-B9B8-C7F4-A14040509BE1}"/>
+            </a:ext>
+          </a:extLst>
+        </p:cNvPr>
+        <p:cNvGrpSpPr/>
+        <p:nvPr/>
+      </p:nvGrpSpPr>
+      <p:grpSpPr>
+        <a:xfrm>
+          <a:off x="0" y="0"/>
+          <a:ext cx="0" cy="0"/>
+          <a:chOff x="0" y="0"/>
+          <a:chExt cx="0" cy="0"/>
+        </a:xfrm>
+      </p:grpSpPr>
+      <p:sp>
+        <p:nvSpPr>
+          <p:cNvPr id="39" name="テキスト ボックス 38">
+            <a:extLst>
+              <a:ext uri="{FF2B5EF4-FFF2-40B4-BE49-F238E27FC236}">
+                <a16:creationId xmlns:a16="http://schemas.microsoft.com/office/drawing/2014/main" id="{46936F72-166C-4474-82CF-E32F3B97CD78}"/>
+              </a:ext>
+            </a:extLst>
+          </p:cNvPr>
+          <p:cNvSpPr txBox="1"/>
+          <p:nvPr/>
+        </p:nvSpPr>
+        <p:spPr>
+          <a:xfrm>
+            <a:off x="3336926" y="5932038"/>
+            <a:ext cx="5506580" cy="400110"/>
+          </a:xfrm>
+          <a:prstGeom prst="rect">
+            <a:avLst/>
+          </a:prstGeom>
+          <a:noFill/>
+        </p:spPr>
+        <p:txBody>
+          <a:bodyPr wrap="square" rtlCol="0">
+            <a:spAutoFit/>
+          </a:bodyPr>
+          <a:lstStyle/>
+          <a:p>
+            <a:r>
+              <a:rPr kumimoji="1" lang="en-US" altLang="ja-JP" sz="2000" dirty="0"/>
+              <a:t>1 kg</a:t>
+            </a:r>
+            <a:r>
+              <a:rPr kumimoji="1" lang="ja-JP" altLang="en-US" sz="2000" dirty="0"/>
+              <a:t>の鉄球に引っ張られて</a:t>
+            </a:r>
+            <a:r>
+              <a:rPr kumimoji="1" lang="ja-JP" altLang="en-US" sz="2000" dirty="0">
+                <a:solidFill>
+                  <a:schemeClr val="accent6"/>
+                </a:solidFill>
+              </a:rPr>
+              <a:t>より遅く</a:t>
+            </a:r>
+            <a:r>
+              <a:rPr kumimoji="1" lang="ja-JP" altLang="en-US" sz="2000" dirty="0"/>
+              <a:t>落ちる．</a:t>
+            </a:r>
+          </a:p>
+        </p:txBody>
+      </p:sp>
+      <p:sp>
+        <p:nvSpPr>
+          <p:cNvPr id="27" name="楕円 26">
+            <a:extLst>
+              <a:ext uri="{FF2B5EF4-FFF2-40B4-BE49-F238E27FC236}">
+                <a16:creationId xmlns:a16="http://schemas.microsoft.com/office/drawing/2014/main" id="{6BA733D7-0CC2-7062-381D-98DAB0A3058F}"/>
+              </a:ext>
+            </a:extLst>
+          </p:cNvPr>
+          <p:cNvSpPr/>
+          <p:nvPr/>
+        </p:nvSpPr>
+        <p:spPr>
+          <a:xfrm>
+            <a:off x="2151561" y="2219436"/>
+            <a:ext cx="913624" cy="929912"/>
+          </a:xfrm>
+          <a:prstGeom prst="ellipse">
+            <a:avLst/>
+          </a:prstGeom>
+          <a:ln>
+            <a:prstDash val="dash"/>
+          </a:ln>
+        </p:spPr>
+        <p:style>
+          <a:lnRef idx="1">
+            <a:schemeClr val="accent6"/>
+          </a:lnRef>
+          <a:fillRef idx="2">
+            <a:schemeClr val="accent6"/>
+          </a:fillRef>
+          <a:effectRef idx="1">
+            <a:schemeClr val="accent6"/>
+          </a:effectRef>
+          <a:fontRef idx="minor">
+            <a:schemeClr val="dk1"/>
+          </a:fontRef>
+        </p:style>
+        <p:txBody>
+          <a:bodyPr rtlCol="0" anchor="ctr"/>
+          <a:lstStyle/>
+          <a:p>
+            <a:pPr algn="ctr"/>
+            <a:r>
+              <a:rPr kumimoji="1" lang="en-US" altLang="ja-JP" sz="1800" dirty="0"/>
+              <a:t>100</a:t>
+            </a:r>
+          </a:p>
+          <a:p>
+            <a:pPr algn="ctr"/>
+            <a:r>
+              <a:rPr kumimoji="1" lang="en-US" altLang="ja-JP" sz="1800" dirty="0"/>
+              <a:t>kg</a:t>
+            </a:r>
+            <a:endParaRPr kumimoji="1" lang="ja-JP" altLang="en-US" sz="1800" dirty="0"/>
+          </a:p>
+        </p:txBody>
+      </p:sp>
+      <p:sp>
+        <p:nvSpPr>
+          <p:cNvPr id="38" name="テキスト プレースホルダー 37">
+            <a:extLst>
+              <a:ext uri="{FF2B5EF4-FFF2-40B4-BE49-F238E27FC236}">
+                <a16:creationId xmlns:a16="http://schemas.microsoft.com/office/drawing/2014/main" id="{AD66A11A-6391-160B-5AC3-C5378D6D1CE0}"/>
+              </a:ext>
+            </a:extLst>
+          </p:cNvPr>
+          <p:cNvSpPr>
+            <a:spLocks noGrp="1"/>
+          </p:cNvSpPr>
+          <p:nvPr>
+            <p:ph type="body" sz="quarter" idx="24"/>
+          </p:nvPr>
+        </p:nvSpPr>
+        <p:spPr>
+          <a:xfrm>
+            <a:off x="3612104" y="2344166"/>
+            <a:ext cx="6293896" cy="1084806"/>
+          </a:xfrm>
+        </p:spPr>
+        <p:txBody>
+          <a:bodyPr/>
+          <a:lstStyle/>
+          <a:p>
+            <a:pPr marL="0" indent="0">
+              <a:buNone/>
+            </a:pPr>
+            <a:r>
+              <a:rPr lang="ja-JP" altLang="en-US" sz="3200" dirty="0"/>
+              <a:t>アリストテレスの価値観：</a:t>
+            </a:r>
+            <a:endParaRPr lang="en-US" altLang="ja-JP" sz="3200" dirty="0"/>
+          </a:p>
+          <a:p>
+            <a:pPr marL="0" indent="0">
+              <a:buNone/>
+            </a:pPr>
+            <a:r>
+              <a:rPr lang="ja-JP" altLang="en-US" sz="3200" dirty="0"/>
+              <a:t>「重い物体ほど速く落下する！」</a:t>
+            </a:r>
+            <a:endParaRPr lang="en-US" altLang="ja-JP" sz="3200" dirty="0"/>
+          </a:p>
+        </p:txBody>
+      </p:sp>
+      <p:sp>
+        <p:nvSpPr>
+          <p:cNvPr id="4" name="タイトル 3">
+            <a:extLst>
+              <a:ext uri="{FF2B5EF4-FFF2-40B4-BE49-F238E27FC236}">
+                <a16:creationId xmlns:a16="http://schemas.microsoft.com/office/drawing/2014/main" id="{46840A90-75C4-40A2-75BD-FC68144B7B1D}"/>
+              </a:ext>
+            </a:extLst>
+          </p:cNvPr>
+          <p:cNvSpPr>
+            <a:spLocks noGrp="1"/>
+          </p:cNvSpPr>
+          <p:nvPr>
+            <p:ph type="title"/>
+          </p:nvPr>
+        </p:nvSpPr>
+        <p:spPr/>
+        <p:txBody>
+          <a:bodyPr/>
+          <a:lstStyle/>
+          <a:p>
+            <a:r>
+              <a:rPr kumimoji="1" lang="ja-JP" altLang="en-US" dirty="0"/>
+              <a:t>ガリレオが行った思考実験</a:t>
+            </a:r>
+          </a:p>
+        </p:txBody>
+      </p:sp>
+      <p:sp>
+        <p:nvSpPr>
+          <p:cNvPr id="34" name="テキスト プレースホルダー 33">
+            <a:extLst>
+              <a:ext uri="{FF2B5EF4-FFF2-40B4-BE49-F238E27FC236}">
+                <a16:creationId xmlns:a16="http://schemas.microsoft.com/office/drawing/2014/main" id="{E825B643-4DB6-0721-72AD-56927F63C1C7}"/>
+              </a:ext>
+            </a:extLst>
+          </p:cNvPr>
+          <p:cNvSpPr>
+            <a:spLocks noGrp="1"/>
+          </p:cNvSpPr>
+          <p:nvPr>
+            <p:ph type="body" sz="quarter" idx="22"/>
+          </p:nvPr>
+        </p:nvSpPr>
+        <p:spPr/>
+        <p:txBody>
+          <a:bodyPr/>
+          <a:lstStyle/>
+          <a:p>
+            <a:r>
+              <a:rPr lang="en-US" altLang="ja-JP" baseline="30000" dirty="0"/>
+              <a:t>[1] </a:t>
+            </a:r>
+            <a:r>
+              <a:rPr lang="en-US" altLang="ja-JP" dirty="0">
+                <a:hlinkClick r:id="rId2"/>
+              </a:rPr>
+              <a:t>https://www.manabinoba.com/science/9720.html</a:t>
+            </a:r>
+            <a:endParaRPr lang="ja-JP" altLang="en-US" dirty="0"/>
+          </a:p>
+        </p:txBody>
+      </p:sp>
+      <p:sp>
+        <p:nvSpPr>
+          <p:cNvPr id="16" name="テキスト ボックス 15">
+            <a:extLst>
+              <a:ext uri="{FF2B5EF4-FFF2-40B4-BE49-F238E27FC236}">
+                <a16:creationId xmlns:a16="http://schemas.microsoft.com/office/drawing/2014/main" id="{57C122D8-9687-1570-BE6E-31CD78FB01F9}"/>
+              </a:ext>
+            </a:extLst>
+          </p:cNvPr>
+          <p:cNvSpPr txBox="1"/>
+          <p:nvPr/>
+        </p:nvSpPr>
+        <p:spPr>
+          <a:xfrm>
+            <a:off x="1063639" y="1704443"/>
+            <a:ext cx="1464049" cy="400110"/>
+          </a:xfrm>
+          <a:prstGeom prst="rect">
+            <a:avLst/>
+          </a:prstGeom>
+          <a:noFill/>
+        </p:spPr>
+        <p:txBody>
+          <a:bodyPr wrap="square" rtlCol="0">
+            <a:spAutoFit/>
+          </a:bodyPr>
+          <a:lstStyle/>
+          <a:p>
+            <a:pPr algn="ctr"/>
+            <a:r>
+              <a:rPr kumimoji="1" lang="ja-JP" altLang="en-US" sz="2000" dirty="0"/>
+              <a:t>同時に落下</a:t>
+            </a:r>
+          </a:p>
+        </p:txBody>
+      </p:sp>
+      <p:sp>
+        <p:nvSpPr>
+          <p:cNvPr id="35" name="テキスト ボックス 34">
+            <a:extLst>
+              <a:ext uri="{FF2B5EF4-FFF2-40B4-BE49-F238E27FC236}">
+                <a16:creationId xmlns:a16="http://schemas.microsoft.com/office/drawing/2014/main" id="{B8E75D50-B3C5-A0E9-E6D7-513BBAF24FC6}"/>
+              </a:ext>
+            </a:extLst>
+          </p:cNvPr>
+          <p:cNvSpPr txBox="1"/>
+          <p:nvPr/>
+        </p:nvSpPr>
+        <p:spPr>
+          <a:xfrm>
+            <a:off x="3336926" y="5932038"/>
+            <a:ext cx="5506580" cy="400110"/>
+          </a:xfrm>
+          <a:prstGeom prst="rect">
+            <a:avLst/>
+          </a:prstGeom>
+          <a:noFill/>
+        </p:spPr>
+        <p:txBody>
+          <a:bodyPr wrap="square" rtlCol="0">
+            <a:spAutoFit/>
+          </a:bodyPr>
+          <a:lstStyle/>
+          <a:p>
+            <a:r>
+              <a:rPr kumimoji="1" lang="en-US" altLang="ja-JP" sz="2000" dirty="0"/>
+              <a:t>100 kg</a:t>
+            </a:r>
+            <a:r>
+              <a:rPr kumimoji="1" lang="ja-JP" altLang="en-US" sz="2000" dirty="0"/>
+              <a:t>の鉄球に引っ張られて</a:t>
+            </a:r>
+            <a:r>
+              <a:rPr kumimoji="1" lang="ja-JP" altLang="en-US" sz="2000" dirty="0">
+                <a:solidFill>
+                  <a:schemeClr val="accent6"/>
+                </a:solidFill>
+              </a:rPr>
+              <a:t>より速く</a:t>
+            </a:r>
+            <a:r>
+              <a:rPr kumimoji="1" lang="ja-JP" altLang="en-US" sz="2000" dirty="0"/>
+              <a:t>落ちる．</a:t>
+            </a:r>
+          </a:p>
+        </p:txBody>
+      </p:sp>
+      <p:grpSp>
+        <p:nvGrpSpPr>
+          <p:cNvPr id="37" name="グループ化 36">
+            <a:extLst>
+              <a:ext uri="{FF2B5EF4-FFF2-40B4-BE49-F238E27FC236}">
+                <a16:creationId xmlns:a16="http://schemas.microsoft.com/office/drawing/2014/main" id="{2F74C5C6-D7A2-0D61-3CF4-8FE05E5200D8}"/>
+              </a:ext>
+            </a:extLst>
+          </p:cNvPr>
+          <p:cNvGrpSpPr/>
+          <p:nvPr/>
+        </p:nvGrpSpPr>
+        <p:grpSpPr>
+          <a:xfrm>
+            <a:off x="3612104" y="3651324"/>
+            <a:ext cx="6269930" cy="1884440"/>
+            <a:chOff x="3612103" y="3651323"/>
+            <a:chExt cx="6293897" cy="1597264"/>
+          </a:xfrm>
+        </p:grpSpPr>
+        <p:sp>
+          <p:nvSpPr>
+            <p:cNvPr id="24" name="テキスト プレースホルダー 1">
+              <a:extLst>
+                <a:ext uri="{FF2B5EF4-FFF2-40B4-BE49-F238E27FC236}">
+                  <a16:creationId xmlns:a16="http://schemas.microsoft.com/office/drawing/2014/main" id="{2B660E09-61F5-3A51-5DA2-0E6B0FA739FF}"/>
+                </a:ext>
+              </a:extLst>
+            </p:cNvPr>
+            <p:cNvSpPr txBox="1">
+              <a:spLocks/>
+            </p:cNvSpPr>
+            <p:nvPr/>
+          </p:nvSpPr>
+          <p:spPr>
+            <a:xfrm>
+              <a:off x="3612103" y="4111968"/>
+              <a:ext cx="6293897" cy="1136619"/>
+            </a:xfrm>
+            <a:prstGeom prst="rect">
+              <a:avLst/>
+            </a:prstGeom>
+          </p:spPr>
+          <p:txBody>
+            <a:bodyPr anchor="ctr"/>
+            <a:lstStyle>
+              <a:lvl1pPr marL="0" indent="0" algn="l" defTabSz="609630" rtl="0" eaLnBrk="1" latinLnBrk="0" hangingPunct="1">
+                <a:spcBef>
+                  <a:spcPct val="20000"/>
+                </a:spcBef>
+                <a:buFont typeface="Arial" pitchFamily="34" charset="0"/>
+                <a:buNone/>
+                <a:defRPr kumimoji="1" sz="3600" kern="1200">
+                  <a:solidFill>
+                    <a:schemeClr val="tx1"/>
+                  </a:solidFill>
+                  <a:latin typeface="+mj-lt"/>
+                  <a:ea typeface="+mn-ea"/>
+                  <a:cs typeface="+mn-cs"/>
+                </a:defRPr>
+              </a:lvl1pPr>
+              <a:lvl2pPr marL="495325" indent="-190510" algn="l" defTabSz="609630" rtl="0" eaLnBrk="1" latinLnBrk="0" hangingPunct="1">
+                <a:spcBef>
+                  <a:spcPct val="20000"/>
+                </a:spcBef>
+                <a:buFont typeface="Arial" pitchFamily="34" charset="0"/>
+                <a:buChar char="–"/>
+                <a:defRPr kumimoji="1" sz="1867" kern="1200">
+                  <a:solidFill>
+                    <a:schemeClr val="tx1"/>
+                  </a:solidFill>
+                  <a:latin typeface="+mn-lt"/>
+                  <a:ea typeface="+mn-ea"/>
+                  <a:cs typeface="+mn-cs"/>
+                </a:defRPr>
+              </a:lvl2pPr>
+              <a:lvl3pPr marL="762038" indent="-152408" algn="l" defTabSz="609630" rtl="0" eaLnBrk="1" latinLnBrk="0" hangingPunct="1">
+                <a:spcBef>
+                  <a:spcPct val="20000"/>
+                </a:spcBef>
+                <a:buFont typeface="Arial" pitchFamily="34" charset="0"/>
+                <a:buChar char="•"/>
+                <a:defRPr kumimoji="1" sz="1600" kern="1200">
+                  <a:solidFill>
+                    <a:schemeClr val="tx1"/>
+                  </a:solidFill>
+                  <a:latin typeface="+mn-lt"/>
+                  <a:ea typeface="+mn-ea"/>
+                  <a:cs typeface="+mn-cs"/>
+                </a:defRPr>
+              </a:lvl3pPr>
+              <a:lvl4pPr marL="1066853" indent="-152408" algn="l" defTabSz="609630" rtl="0" eaLnBrk="1" latinLnBrk="0" hangingPunct="1">
+                <a:spcBef>
+                  <a:spcPct val="20000"/>
+                </a:spcBef>
+                <a:buFont typeface="Arial" pitchFamily="34" charset="0"/>
+                <a:buChar char="–"/>
+                <a:defRPr kumimoji="1" sz="1333" kern="1200">
+                  <a:solidFill>
+                    <a:schemeClr val="tx1"/>
+                  </a:solidFill>
+                  <a:latin typeface="+mn-lt"/>
+                  <a:ea typeface="+mn-ea"/>
+                  <a:cs typeface="+mn-cs"/>
+                </a:defRPr>
+              </a:lvl4pPr>
+              <a:lvl5pPr marL="1371669" indent="-152408" algn="l" defTabSz="609630" rtl="0" eaLnBrk="1" latinLnBrk="0" hangingPunct="1">
+                <a:spcBef>
+                  <a:spcPct val="20000"/>
+                </a:spcBef>
+                <a:buFont typeface="Arial" pitchFamily="34" charset="0"/>
+                <a:buChar char="»"/>
+                <a:defRPr kumimoji="1" sz="1333" kern="1200">
+                  <a:solidFill>
+                    <a:schemeClr val="tx1"/>
+                  </a:solidFill>
+                  <a:latin typeface="+mn-lt"/>
+                  <a:ea typeface="+mn-ea"/>
+                  <a:cs typeface="+mn-cs"/>
+                </a:defRPr>
+              </a:lvl5pPr>
+              <a:lvl6pPr marL="1676484" indent="-152408" algn="l" defTabSz="609630" rtl="0" eaLnBrk="1" latinLnBrk="0" hangingPunct="1">
+                <a:spcBef>
+                  <a:spcPct val="20000"/>
+                </a:spcBef>
+                <a:buFont typeface="Arial" pitchFamily="34" charset="0"/>
+                <a:buChar char="•"/>
+                <a:defRPr kumimoji="1" sz="1333" kern="1200">
+                  <a:solidFill>
+                    <a:schemeClr val="tx1"/>
+                  </a:solidFill>
+                  <a:latin typeface="+mn-lt"/>
+                  <a:ea typeface="+mn-ea"/>
+                  <a:cs typeface="+mn-cs"/>
+                </a:defRPr>
+              </a:lvl6pPr>
+              <a:lvl7pPr marL="1981299" indent="-152408" algn="l" defTabSz="609630" rtl="0" eaLnBrk="1" latinLnBrk="0" hangingPunct="1">
+                <a:spcBef>
+                  <a:spcPct val="20000"/>
+                </a:spcBef>
+                <a:buFont typeface="Arial" pitchFamily="34" charset="0"/>
+                <a:buChar char="•"/>
+                <a:defRPr kumimoji="1" sz="1333" kern="1200">
+                  <a:solidFill>
+                    <a:schemeClr val="tx1"/>
+                  </a:solidFill>
+                  <a:latin typeface="+mn-lt"/>
+                  <a:ea typeface="+mn-ea"/>
+                  <a:cs typeface="+mn-cs"/>
+                </a:defRPr>
+              </a:lvl7pPr>
+              <a:lvl8pPr marL="2286114" indent="-152408" algn="l" defTabSz="609630" rtl="0" eaLnBrk="1" latinLnBrk="0" hangingPunct="1">
+                <a:spcBef>
+                  <a:spcPct val="20000"/>
+                </a:spcBef>
+                <a:buFont typeface="Arial" pitchFamily="34" charset="0"/>
+                <a:buChar char="•"/>
+                <a:defRPr kumimoji="1" sz="1333" kern="1200">
+                  <a:solidFill>
+                    <a:schemeClr val="tx1"/>
+                  </a:solidFill>
+                  <a:latin typeface="+mn-lt"/>
+                  <a:ea typeface="+mn-ea"/>
+                  <a:cs typeface="+mn-cs"/>
+                </a:defRPr>
+              </a:lvl8pPr>
+              <a:lvl9pPr marL="2590930" indent="-152408" algn="l" defTabSz="609630" rtl="0" eaLnBrk="1" latinLnBrk="0" hangingPunct="1">
+                <a:spcBef>
+                  <a:spcPct val="20000"/>
+                </a:spcBef>
+                <a:buFont typeface="Arial" pitchFamily="34" charset="0"/>
+                <a:buChar char="•"/>
+                <a:defRPr kumimoji="1" sz="1333" kern="1200">
+                  <a:solidFill>
+                    <a:schemeClr val="tx1"/>
+                  </a:solidFill>
+                  <a:latin typeface="+mn-lt"/>
+                  <a:ea typeface="+mn-ea"/>
+                  <a:cs typeface="+mn-cs"/>
+                </a:defRPr>
+              </a:lvl9pPr>
+            </a:lstStyle>
+            <a:p>
+              <a:r>
+                <a:rPr lang="en-US" altLang="ja-JP" sz="3200" dirty="0">
+                  <a:latin typeface="+mn-lt"/>
+                </a:rPr>
+                <a:t>2</a:t>
+              </a:r>
+              <a:r>
+                <a:rPr lang="ja-JP" altLang="en-US" sz="3200" dirty="0">
+                  <a:latin typeface="+mn-lt"/>
+                </a:rPr>
+                <a:t>つの物体を</a:t>
+              </a:r>
+              <a:r>
+                <a:rPr lang="ja-JP" altLang="en-US" sz="3200" dirty="0">
+                  <a:solidFill>
+                    <a:schemeClr val="accent6"/>
+                  </a:solidFill>
+                  <a:latin typeface="+mn-lt"/>
+                </a:rPr>
+                <a:t>切れない糸</a:t>
+              </a:r>
+              <a:r>
+                <a:rPr lang="ja-JP" altLang="en-US" sz="3200" dirty="0">
+                  <a:latin typeface="+mn-lt"/>
+                </a:rPr>
+                <a:t>で繋いで落とすと？</a:t>
+              </a:r>
+            </a:p>
+          </p:txBody>
+        </p:sp>
+        <p:sp>
+          <p:nvSpPr>
+            <p:cNvPr id="25" name="テキスト プレースホルダー 1">
+              <a:extLst>
+                <a:ext uri="{FF2B5EF4-FFF2-40B4-BE49-F238E27FC236}">
+                  <a16:creationId xmlns:a16="http://schemas.microsoft.com/office/drawing/2014/main" id="{8E3E04FB-04FD-41A9-90FC-B7DDB10C10B7}"/>
+                </a:ext>
+              </a:extLst>
+            </p:cNvPr>
+            <p:cNvSpPr txBox="1">
+              <a:spLocks/>
+            </p:cNvSpPr>
+            <p:nvPr/>
+          </p:nvSpPr>
+          <p:spPr>
+            <a:xfrm>
+              <a:off x="3612529" y="3651323"/>
+              <a:ext cx="6293468" cy="441001"/>
+            </a:xfrm>
+            <a:prstGeom prst="rect">
+              <a:avLst/>
+            </a:prstGeom>
+          </p:spPr>
+          <p:txBody>
+            <a:bodyPr anchor="ctr"/>
+            <a:lstStyle>
+              <a:lvl1pPr marL="0" indent="0" algn="l" defTabSz="609630" rtl="0" eaLnBrk="1" latinLnBrk="0" hangingPunct="1">
+                <a:spcBef>
+                  <a:spcPct val="20000"/>
+                </a:spcBef>
+                <a:buFont typeface="Arial" pitchFamily="34" charset="0"/>
+                <a:buNone/>
+                <a:defRPr kumimoji="1" sz="3600" kern="1200">
+                  <a:solidFill>
+                    <a:schemeClr val="tx1"/>
+                  </a:solidFill>
+                  <a:latin typeface="+mj-lt"/>
+                  <a:ea typeface="+mn-ea"/>
+                  <a:cs typeface="+mn-cs"/>
+                </a:defRPr>
+              </a:lvl1pPr>
+              <a:lvl2pPr marL="495325" indent="-190510" algn="l" defTabSz="609630" rtl="0" eaLnBrk="1" latinLnBrk="0" hangingPunct="1">
+                <a:spcBef>
+                  <a:spcPct val="20000"/>
+                </a:spcBef>
+                <a:buFont typeface="Arial" pitchFamily="34" charset="0"/>
+                <a:buChar char="–"/>
+                <a:defRPr kumimoji="1" sz="1867" kern="1200">
+                  <a:solidFill>
+                    <a:schemeClr val="tx1"/>
+                  </a:solidFill>
+                  <a:latin typeface="+mn-lt"/>
+                  <a:ea typeface="+mn-ea"/>
+                  <a:cs typeface="+mn-cs"/>
+                </a:defRPr>
+              </a:lvl2pPr>
+              <a:lvl3pPr marL="762038" indent="-152408" algn="l" defTabSz="609630" rtl="0" eaLnBrk="1" latinLnBrk="0" hangingPunct="1">
+                <a:spcBef>
+                  <a:spcPct val="20000"/>
+                </a:spcBef>
+                <a:buFont typeface="Arial" pitchFamily="34" charset="0"/>
+                <a:buChar char="•"/>
+                <a:defRPr kumimoji="1" sz="1600" kern="1200">
+                  <a:solidFill>
+                    <a:schemeClr val="tx1"/>
+                  </a:solidFill>
+                  <a:latin typeface="+mn-lt"/>
+                  <a:ea typeface="+mn-ea"/>
+                  <a:cs typeface="+mn-cs"/>
+                </a:defRPr>
+              </a:lvl3pPr>
+              <a:lvl4pPr marL="1066853" indent="-152408" algn="l" defTabSz="609630" rtl="0" eaLnBrk="1" latinLnBrk="0" hangingPunct="1">
+                <a:spcBef>
+                  <a:spcPct val="20000"/>
+                </a:spcBef>
+                <a:buFont typeface="Arial" pitchFamily="34" charset="0"/>
+                <a:buChar char="–"/>
+                <a:defRPr kumimoji="1" sz="1333" kern="1200">
+                  <a:solidFill>
+                    <a:schemeClr val="tx1"/>
+                  </a:solidFill>
+                  <a:latin typeface="+mn-lt"/>
+                  <a:ea typeface="+mn-ea"/>
+                  <a:cs typeface="+mn-cs"/>
+                </a:defRPr>
+              </a:lvl4pPr>
+              <a:lvl5pPr marL="1371669" indent="-152408" algn="l" defTabSz="609630" rtl="0" eaLnBrk="1" latinLnBrk="0" hangingPunct="1">
+                <a:spcBef>
+                  <a:spcPct val="20000"/>
+                </a:spcBef>
+                <a:buFont typeface="Arial" pitchFamily="34" charset="0"/>
+                <a:buChar char="»"/>
+                <a:defRPr kumimoji="1" sz="1333" kern="1200">
+                  <a:solidFill>
+                    <a:schemeClr val="tx1"/>
+                  </a:solidFill>
+                  <a:latin typeface="+mn-lt"/>
+                  <a:ea typeface="+mn-ea"/>
+                  <a:cs typeface="+mn-cs"/>
+                </a:defRPr>
+              </a:lvl5pPr>
+              <a:lvl6pPr marL="1676484" indent="-152408" algn="l" defTabSz="609630" rtl="0" eaLnBrk="1" latinLnBrk="0" hangingPunct="1">
+                <a:spcBef>
+                  <a:spcPct val="20000"/>
+                </a:spcBef>
+                <a:buFont typeface="Arial" pitchFamily="34" charset="0"/>
+                <a:buChar char="•"/>
+                <a:defRPr kumimoji="1" sz="1333" kern="1200">
+                  <a:solidFill>
+                    <a:schemeClr val="tx1"/>
+                  </a:solidFill>
+                  <a:latin typeface="+mn-lt"/>
+                  <a:ea typeface="+mn-ea"/>
+                  <a:cs typeface="+mn-cs"/>
+                </a:defRPr>
+              </a:lvl6pPr>
+              <a:lvl7pPr marL="1981299" indent="-152408" algn="l" defTabSz="609630" rtl="0" eaLnBrk="1" latinLnBrk="0" hangingPunct="1">
+                <a:spcBef>
+                  <a:spcPct val="20000"/>
+                </a:spcBef>
+                <a:buFont typeface="Arial" pitchFamily="34" charset="0"/>
+                <a:buChar char="•"/>
+                <a:defRPr kumimoji="1" sz="1333" kern="1200">
+                  <a:solidFill>
+                    <a:schemeClr val="tx1"/>
+                  </a:solidFill>
+                  <a:latin typeface="+mn-lt"/>
+                  <a:ea typeface="+mn-ea"/>
+                  <a:cs typeface="+mn-cs"/>
+                </a:defRPr>
+              </a:lvl7pPr>
+              <a:lvl8pPr marL="2286114" indent="-152408" algn="l" defTabSz="609630" rtl="0" eaLnBrk="1" latinLnBrk="0" hangingPunct="1">
+                <a:spcBef>
+                  <a:spcPct val="20000"/>
+                </a:spcBef>
+                <a:buFont typeface="Arial" pitchFamily="34" charset="0"/>
+                <a:buChar char="•"/>
+                <a:defRPr kumimoji="1" sz="1333" kern="1200">
+                  <a:solidFill>
+                    <a:schemeClr val="tx1"/>
+                  </a:solidFill>
+                  <a:latin typeface="+mn-lt"/>
+                  <a:ea typeface="+mn-ea"/>
+                  <a:cs typeface="+mn-cs"/>
+                </a:defRPr>
+              </a:lvl8pPr>
+              <a:lvl9pPr marL="2590930" indent="-152408" algn="l" defTabSz="609630" rtl="0" eaLnBrk="1" latinLnBrk="0" hangingPunct="1">
+                <a:spcBef>
+                  <a:spcPct val="20000"/>
+                </a:spcBef>
+                <a:buFont typeface="Arial" pitchFamily="34" charset="0"/>
+                <a:buChar char="•"/>
+                <a:defRPr kumimoji="1" sz="1333" kern="1200">
+                  <a:solidFill>
+                    <a:schemeClr val="tx1"/>
+                  </a:solidFill>
+                  <a:latin typeface="+mn-lt"/>
+                  <a:ea typeface="+mn-ea"/>
+                  <a:cs typeface="+mn-cs"/>
+                </a:defRPr>
+              </a:lvl9pPr>
+            </a:lstStyle>
+            <a:p>
+              <a:pPr algn="ctr"/>
+              <a:r>
+                <a:rPr lang="ja-JP" altLang="en-US" sz="3200" dirty="0">
+                  <a:latin typeface="+mn-lt"/>
+                </a:rPr>
+                <a:t>↓</a:t>
+              </a:r>
+              <a:endParaRPr lang="en-US" altLang="ja-JP" sz="3200" dirty="0">
+                <a:latin typeface="+mn-lt"/>
+              </a:endParaRPr>
+            </a:p>
+          </p:txBody>
+        </p:sp>
+      </p:grpSp>
+      <p:cxnSp>
+        <p:nvCxnSpPr>
+          <p:cNvPr id="11" name="直線コネクタ 10">
+            <a:extLst>
+              <a:ext uri="{FF2B5EF4-FFF2-40B4-BE49-F238E27FC236}">
+                <a16:creationId xmlns:a16="http://schemas.microsoft.com/office/drawing/2014/main" id="{23E5DD23-8A83-76DF-D9D4-7EB65EF7BB90}"/>
+              </a:ext>
+            </a:extLst>
+          </p:cNvPr>
+          <p:cNvCxnSpPr>
+            <a:cxnSpLocks/>
+          </p:cNvCxnSpPr>
+          <p:nvPr/>
+        </p:nvCxnSpPr>
+        <p:spPr>
+          <a:xfrm flipH="1">
+            <a:off x="402217" y="3152631"/>
+            <a:ext cx="2934709" cy="0"/>
+          </a:xfrm>
+          <a:prstGeom prst="line">
+            <a:avLst/>
+          </a:prstGeom>
+          <a:ln w="19050">
+            <a:solidFill>
+              <a:schemeClr val="tx1"/>
+            </a:solidFill>
+            <a:prstDash val="dash"/>
+          </a:ln>
+        </p:spPr>
+        <p:style>
+          <a:lnRef idx="1">
+            <a:schemeClr val="accent1"/>
+          </a:lnRef>
+          <a:fillRef idx="0">
+            <a:schemeClr val="accent1"/>
+          </a:fillRef>
+          <a:effectRef idx="0">
+            <a:schemeClr val="accent1"/>
+          </a:effectRef>
+          <a:fontRef idx="minor">
+            <a:schemeClr val="tx1"/>
+          </a:fontRef>
+        </p:style>
+      </p:cxnSp>
+      <p:cxnSp>
+        <p:nvCxnSpPr>
+          <p:cNvPr id="22" name="直線矢印コネクタ 21">
+            <a:extLst>
+              <a:ext uri="{FF2B5EF4-FFF2-40B4-BE49-F238E27FC236}">
+                <a16:creationId xmlns:a16="http://schemas.microsoft.com/office/drawing/2014/main" id="{EC98AC31-1552-043A-611A-2C43B3C9C69C}"/>
+              </a:ext>
+            </a:extLst>
+          </p:cNvPr>
+          <p:cNvCxnSpPr>
+            <a:cxnSpLocks/>
+            <a:stCxn id="18" idx="4"/>
+          </p:cNvCxnSpPr>
+          <p:nvPr/>
+        </p:nvCxnSpPr>
+        <p:spPr>
+          <a:xfrm>
+            <a:off x="2608373" y="3146065"/>
+            <a:ext cx="0" cy="1321160"/>
+          </a:xfrm>
+          <a:prstGeom prst="straightConnector1">
+            <a:avLst/>
+          </a:prstGeom>
+          <a:ln w="38100">
+            <a:solidFill>
+              <a:schemeClr val="accent6"/>
+            </a:solidFill>
+            <a:tailEnd type="triangle"/>
+          </a:ln>
+        </p:spPr>
+        <p:style>
+          <a:lnRef idx="1">
+            <a:schemeClr val="accent1"/>
+          </a:lnRef>
+          <a:fillRef idx="0">
+            <a:schemeClr val="accent1"/>
+          </a:fillRef>
+          <a:effectRef idx="0">
+            <a:schemeClr val="accent1"/>
+          </a:effectRef>
+          <a:fontRef idx="minor">
+            <a:schemeClr val="tx1"/>
+          </a:fontRef>
+        </p:style>
+      </p:cxnSp>
+      <p:sp>
+        <p:nvSpPr>
+          <p:cNvPr id="7" name="スライド番号プレースホルダー 7">
+            <a:extLst>
+              <a:ext uri="{FF2B5EF4-FFF2-40B4-BE49-F238E27FC236}">
+                <a16:creationId xmlns:a16="http://schemas.microsoft.com/office/drawing/2014/main" id="{CDE351B9-A6CA-985D-F009-8DF22B8401DC}"/>
+              </a:ext>
+            </a:extLst>
+          </p:cNvPr>
+          <p:cNvSpPr>
+            <a:spLocks noGrp="1"/>
+          </p:cNvSpPr>
+          <p:nvPr>
+            <p:ph type="sldNum" sz="quarter" idx="26"/>
+          </p:nvPr>
+        </p:nvSpPr>
+        <p:spPr>
+          <a:xfrm>
+            <a:off x="8843505" y="7"/>
+            <a:ext cx="1038529" cy="604565"/>
+          </a:xfrm>
+          <a:prstGeom prst="rect">
+            <a:avLst/>
+          </a:prstGeom>
+        </p:spPr>
+        <p:txBody>
+          <a:bodyPr/>
+          <a:lstStyle>
+            <a:lvl1pPr algn="r">
+              <a:defRPr sz="2800">
+                <a:latin typeface="+mn-lt"/>
+              </a:defRPr>
+            </a:lvl1pPr>
+          </a:lstStyle>
+          <a:p>
+            <a:fld id="{6408349E-6932-463E-ABE1-6FC2A2453113}" type="slidenum">
+              <a:rPr kumimoji="1" lang="ja-JP" altLang="en-US" smtClean="0"/>
+              <a:pPr/>
+              <a:t>8</a:t>
+            </a:fld>
+            <a:endParaRPr kumimoji="1" lang="ja-JP" altLang="en-US"/>
+          </a:p>
+        </p:txBody>
+      </p:sp>
+      <p:grpSp>
+        <p:nvGrpSpPr>
+          <p:cNvPr id="21" name="グループ化 20">
+            <a:extLst>
+              <a:ext uri="{FF2B5EF4-FFF2-40B4-BE49-F238E27FC236}">
+                <a16:creationId xmlns:a16="http://schemas.microsoft.com/office/drawing/2014/main" id="{CC9E3396-FCD9-1AB3-D053-DB4AB3DB3E92}"/>
+              </a:ext>
+            </a:extLst>
+          </p:cNvPr>
+          <p:cNvGrpSpPr/>
+          <p:nvPr/>
+        </p:nvGrpSpPr>
+        <p:grpSpPr>
+          <a:xfrm>
+            <a:off x="669199" y="2216153"/>
+            <a:ext cx="2395986" cy="935492"/>
+            <a:chOff x="669199" y="2216153"/>
+            <a:chExt cx="2395986" cy="935492"/>
+          </a:xfrm>
+        </p:grpSpPr>
+        <p:sp>
+          <p:nvSpPr>
+            <p:cNvPr id="18" name="楕円 17">
+              <a:extLst>
+                <a:ext uri="{FF2B5EF4-FFF2-40B4-BE49-F238E27FC236}">
+                  <a16:creationId xmlns:a16="http://schemas.microsoft.com/office/drawing/2014/main" id="{EA0B03C0-FBB3-0006-D0C8-37428654D35F}"/>
+                </a:ext>
+              </a:extLst>
+            </p:cNvPr>
+            <p:cNvSpPr/>
+            <p:nvPr/>
+          </p:nvSpPr>
+          <p:spPr>
+            <a:xfrm>
+              <a:off x="2151561" y="2216153"/>
+              <a:ext cx="913624" cy="929912"/>
+            </a:xfrm>
+            <a:prstGeom prst="ellipse">
+              <a:avLst/>
+            </a:prstGeom>
+          </p:spPr>
+          <p:style>
+            <a:lnRef idx="1">
+              <a:schemeClr val="accent6"/>
+            </a:lnRef>
+            <a:fillRef idx="2">
+              <a:schemeClr val="accent6"/>
+            </a:fillRef>
+            <a:effectRef idx="1">
+              <a:schemeClr val="accent6"/>
+            </a:effectRef>
+            <a:fontRef idx="minor">
+              <a:schemeClr val="dk1"/>
+            </a:fontRef>
+          </p:style>
+          <p:txBody>
+            <a:bodyPr rtlCol="0" anchor="ctr"/>
+            <a:lstStyle/>
+            <a:p>
+              <a:pPr algn="ctr"/>
+              <a:r>
+                <a:rPr kumimoji="1" lang="en-US" altLang="ja-JP" sz="1800" dirty="0"/>
+                <a:t>100</a:t>
+              </a:r>
+            </a:p>
+            <a:p>
+              <a:pPr algn="ctr"/>
+              <a:r>
+                <a:rPr kumimoji="1" lang="en-US" altLang="ja-JP" sz="1800" dirty="0"/>
+                <a:t>kg</a:t>
+              </a:r>
+              <a:endParaRPr kumimoji="1" lang="ja-JP" altLang="en-US" sz="1800" dirty="0"/>
+            </a:p>
+          </p:txBody>
+        </p:sp>
+        <p:sp>
+          <p:nvSpPr>
+            <p:cNvPr id="17" name="楕円 16">
+              <a:extLst>
+                <a:ext uri="{FF2B5EF4-FFF2-40B4-BE49-F238E27FC236}">
+                  <a16:creationId xmlns:a16="http://schemas.microsoft.com/office/drawing/2014/main" id="{E13DED65-234C-07EB-E485-53D0FA858688}"/>
+                </a:ext>
+              </a:extLst>
+            </p:cNvPr>
+            <p:cNvSpPr/>
+            <p:nvPr/>
+          </p:nvSpPr>
+          <p:spPr>
+            <a:xfrm>
+              <a:off x="669199" y="2540001"/>
+              <a:ext cx="620894" cy="611644"/>
+            </a:xfrm>
+            <a:prstGeom prst="ellipse">
+              <a:avLst/>
+            </a:prstGeom>
+          </p:spPr>
+          <p:style>
+            <a:lnRef idx="1">
+              <a:schemeClr val="accent1"/>
+            </a:lnRef>
+            <a:fillRef idx="2">
+              <a:schemeClr val="accent1"/>
+            </a:fillRef>
+            <a:effectRef idx="1">
+              <a:schemeClr val="accent1"/>
+            </a:effectRef>
+            <a:fontRef idx="minor">
+              <a:schemeClr val="dk1"/>
+            </a:fontRef>
+          </p:style>
+          <p:txBody>
+            <a:bodyPr rtlCol="0" anchor="ctr"/>
+            <a:lstStyle/>
+            <a:p>
+              <a:pPr algn="ctr"/>
+              <a:r>
+                <a:rPr kumimoji="1" lang="en-US" altLang="ja-JP" sz="1400" dirty="0"/>
+                <a:t>1 </a:t>
+              </a:r>
+            </a:p>
+            <a:p>
+              <a:pPr algn="ctr"/>
+              <a:r>
+                <a:rPr kumimoji="1" lang="en-US" altLang="ja-JP" sz="1400" dirty="0"/>
+                <a:t>kg</a:t>
+              </a:r>
+              <a:endParaRPr kumimoji="1" lang="ja-JP" altLang="en-US" sz="1400" dirty="0"/>
+            </a:p>
+          </p:txBody>
+        </p:sp>
+        <p:sp>
+          <p:nvSpPr>
+            <p:cNvPr id="20" name="フリーフォーム: 図形 19">
+              <a:extLst>
+                <a:ext uri="{FF2B5EF4-FFF2-40B4-BE49-F238E27FC236}">
+                  <a16:creationId xmlns:a16="http://schemas.microsoft.com/office/drawing/2014/main" id="{837ADA31-1490-5A6A-8B42-20DE04F67CC9}"/>
+                </a:ext>
+              </a:extLst>
+            </p:cNvPr>
+            <p:cNvSpPr/>
+            <p:nvPr/>
+          </p:nvSpPr>
+          <p:spPr>
+            <a:xfrm>
+              <a:off x="1290093" y="2584790"/>
+              <a:ext cx="861468" cy="439275"/>
+            </a:xfrm>
+            <a:custGeom>
+              <a:avLst/>
+              <a:gdLst>
+                <a:gd name="connsiteX0" fmla="*/ 0 w 854869"/>
+                <a:gd name="connsiteY0" fmla="*/ 263299 h 439275"/>
+                <a:gd name="connsiteX1" fmla="*/ 261937 w 854869"/>
+                <a:gd name="connsiteY1" fmla="*/ 3742 h 439275"/>
+                <a:gd name="connsiteX2" fmla="*/ 583406 w 854869"/>
+                <a:gd name="connsiteY2" fmla="*/ 437130 h 439275"/>
+                <a:gd name="connsiteX3" fmla="*/ 854869 w 854869"/>
+                <a:gd name="connsiteY3" fmla="*/ 139474 h 439275"/>
+              </a:gdLst>
+              <a:ahLst/>
+              <a:cxnLst>
+                <a:cxn ang="0">
+                  <a:pos x="connsiteX0" y="connsiteY0"/>
+                </a:cxn>
+                <a:cxn ang="0">
+                  <a:pos x="connsiteX1" y="connsiteY1"/>
+                </a:cxn>
+                <a:cxn ang="0">
+                  <a:pos x="connsiteX2" y="connsiteY2"/>
+                </a:cxn>
+                <a:cxn ang="0">
+                  <a:pos x="connsiteX3" y="connsiteY3"/>
+                </a:cxn>
+              </a:cxnLst>
+              <a:rect l="l" t="t" r="r" b="b"/>
+              <a:pathLst>
+                <a:path w="854869" h="439275">
+                  <a:moveTo>
+                    <a:pt x="0" y="263299"/>
+                  </a:moveTo>
+                  <a:cubicBezTo>
+                    <a:pt x="82351" y="119034"/>
+                    <a:pt x="164703" y="-25230"/>
+                    <a:pt x="261937" y="3742"/>
+                  </a:cubicBezTo>
+                  <a:cubicBezTo>
+                    <a:pt x="359171" y="32714"/>
+                    <a:pt x="484584" y="414508"/>
+                    <a:pt x="583406" y="437130"/>
+                  </a:cubicBezTo>
+                  <a:cubicBezTo>
+                    <a:pt x="682228" y="459752"/>
+                    <a:pt x="768548" y="299613"/>
+                    <a:pt x="854869" y="139474"/>
+                  </a:cubicBezTo>
+                </a:path>
+              </a:pathLst>
+            </a:custGeom>
+            <a:noFill/>
+          </p:spPr>
+          <p:style>
+            <a:lnRef idx="2">
+              <a:schemeClr val="accent1">
+                <a:shade val="15000"/>
+              </a:schemeClr>
+            </a:lnRef>
+            <a:fillRef idx="1">
+              <a:schemeClr val="accent1"/>
+            </a:fillRef>
+            <a:effectRef idx="0">
+              <a:schemeClr val="accent1"/>
+            </a:effectRef>
+            <a:fontRef idx="minor">
+              <a:schemeClr val="lt1"/>
+            </a:fontRef>
+          </p:style>
+          <p:txBody>
+            <a:bodyPr rtlCol="0" anchor="ctr"/>
+            <a:lstStyle/>
+            <a:p>
+              <a:pPr algn="ctr"/>
+              <a:endParaRPr kumimoji="1" lang="ja-JP" altLang="en-US"/>
+            </a:p>
+          </p:txBody>
+        </p:sp>
+      </p:grpSp>
+      <p:cxnSp>
+        <p:nvCxnSpPr>
+          <p:cNvPr id="46" name="直線矢印コネクタ 45">
+            <a:extLst>
+              <a:ext uri="{FF2B5EF4-FFF2-40B4-BE49-F238E27FC236}">
+                <a16:creationId xmlns:a16="http://schemas.microsoft.com/office/drawing/2014/main" id="{FED91C37-0654-265A-090B-6A1D4582FB63}"/>
+              </a:ext>
+            </a:extLst>
+          </p:cNvPr>
+          <p:cNvCxnSpPr>
+            <a:cxnSpLocks/>
+          </p:cNvCxnSpPr>
+          <p:nvPr/>
+        </p:nvCxnSpPr>
+        <p:spPr>
+          <a:xfrm>
+            <a:off x="1720827" y="2985965"/>
+            <a:ext cx="0" cy="3085624"/>
+          </a:xfrm>
+          <a:prstGeom prst="straightConnector1">
+            <a:avLst/>
+          </a:prstGeom>
+          <a:ln w="38100">
+            <a:solidFill>
+              <a:srgbClr val="172C51"/>
+            </a:solidFill>
+            <a:tailEnd type="triangle"/>
+          </a:ln>
+        </p:spPr>
+        <p:style>
+          <a:lnRef idx="1">
+            <a:schemeClr val="accent1"/>
+          </a:lnRef>
+          <a:fillRef idx="0">
+            <a:schemeClr val="accent1"/>
+          </a:fillRef>
+          <a:effectRef idx="0">
+            <a:schemeClr val="accent1"/>
+          </a:effectRef>
+          <a:fontRef idx="minor">
+            <a:schemeClr val="tx1"/>
+          </a:fontRef>
+        </p:style>
+      </p:cxnSp>
+      <p:cxnSp>
+        <p:nvCxnSpPr>
+          <p:cNvPr id="47" name="直線矢印コネクタ 46">
+            <a:extLst>
+              <a:ext uri="{FF2B5EF4-FFF2-40B4-BE49-F238E27FC236}">
+                <a16:creationId xmlns:a16="http://schemas.microsoft.com/office/drawing/2014/main" id="{6E6D7A64-064D-2C85-7D57-4094BBB9A7F4}"/>
+              </a:ext>
+            </a:extLst>
+          </p:cNvPr>
+          <p:cNvCxnSpPr>
+            <a:cxnSpLocks/>
+          </p:cNvCxnSpPr>
+          <p:nvPr/>
+        </p:nvCxnSpPr>
+        <p:spPr>
+          <a:xfrm>
+            <a:off x="1720827" y="2985965"/>
+            <a:ext cx="0" cy="816415"/>
+          </a:xfrm>
+          <a:prstGeom prst="straightConnector1">
+            <a:avLst/>
+          </a:prstGeom>
+          <a:ln w="38100">
+            <a:solidFill>
+              <a:srgbClr val="172C51"/>
+            </a:solidFill>
+            <a:tailEnd type="triangle"/>
+          </a:ln>
+        </p:spPr>
+        <p:style>
+          <a:lnRef idx="1">
+            <a:schemeClr val="accent1"/>
+          </a:lnRef>
+          <a:fillRef idx="0">
+            <a:schemeClr val="accent1"/>
+          </a:fillRef>
+          <a:effectRef idx="0">
+            <a:schemeClr val="accent1"/>
+          </a:effectRef>
+          <a:fontRef idx="minor">
+            <a:schemeClr val="tx1"/>
+          </a:fontRef>
+        </p:style>
+      </p:cxnSp>
+    </p:spTree>
+    <p:extLst>
+      <p:ext uri="{BB962C8B-B14F-4D97-AF65-F5344CB8AC3E}">
+        <p14:creationId xmlns:p14="http://schemas.microsoft.com/office/powerpoint/2010/main" val="2385661586"/>
+      </p:ext>
+    </p:extLst>
+  </p:cSld>
+  <p:clrMapOvr>
+    <a:masterClrMapping/>
+  </p:clrMapOvr>
+  <mc:AlternateContent xmlns:mc="http://schemas.openxmlformats.org/markup-compatibility/2006" xmlns:p14="http://schemas.microsoft.com/office/powerpoint/2010/main">
+    <mc:Choice Requires="p14">
+      <p:transition spd="med" p14:dur="700">
+        <p:fade/>
+      </p:transition>
+    </mc:Choice>
+    <mc:Fallback xmlns="">
+      <p:transition spd="med">
+        <p:fade/>
+      </p:transition>
+    </mc:Fallback>
+  </mc:AlternateContent>
+  <p:timing>
+    <p:tnLst>
+      <p:par>
+        <p:cTn id="1" dur="indefinite" restart="never" nodeType="tmRoot">
+          <p:childTnLst>
+            <p:seq concurrent="1" nextAc="seek">
+              <p:cTn id="2" dur="indefinite" nodeType="mainSeq">
+                <p:childTnLst>
+                  <p:par>
+                    <p:cTn id="3" fill="hold">
+                      <p:stCondLst>
+                        <p:cond delay="indefinite"/>
+                        <p:cond evt="onBegin" delay="0">
+                          <p:tn val="2"/>
+                        </p:cond>
+                      </p:stCondLst>
+                      <p:childTnLst>
+                        <p:par>
+                          <p:cTn id="4" fill="hold">
+                            <p:stCondLst>
+                              <p:cond delay="0"/>
+                            </p:stCondLst>
+                            <p:childTnLst>
+                              <p:par>
+                                <p:cTn id="5" presetID="47" presetClass="entr" presetSubtype="0" fill="hold" nodeType="withEffect">
+                                  <p:stCondLst>
+                                    <p:cond delay="0"/>
+                                  </p:stCondLst>
+                                  <p:childTnLst>
+                                    <p:set>
+                                      <p:cBhvr>
+                                        <p:cTn id="6" dur="1" fill="hold">
+                                          <p:stCondLst>
+                                            <p:cond delay="0"/>
+                                          </p:stCondLst>
+                                        </p:cTn>
+                                        <p:tgtEl>
+                                          <p:spTgt spid="37"/>
+                                        </p:tgtEl>
+                                        <p:attrNameLst>
+                                          <p:attrName>style.visibility</p:attrName>
+                                        </p:attrNameLst>
+                                      </p:cBhvr>
+                                      <p:to>
+                                        <p:strVal val="visible"/>
+                                      </p:to>
+                                    </p:set>
+                                    <p:animEffect transition="in" filter="fade">
+                                      <p:cBhvr>
+                                        <p:cTn id="7" dur="1000"/>
+                                        <p:tgtEl>
+                                          <p:spTgt spid="37"/>
+                                        </p:tgtEl>
+                                      </p:cBhvr>
+                                    </p:animEffect>
+                                    <p:anim calcmode="lin" valueType="num">
+                                      <p:cBhvr>
+                                        <p:cTn id="8" dur="1000" fill="hold"/>
+                                        <p:tgtEl>
+                                          <p:spTgt spid="37"/>
+                                        </p:tgtEl>
+                                        <p:attrNameLst>
+                                          <p:attrName>ppt_x</p:attrName>
+                                        </p:attrNameLst>
+                                      </p:cBhvr>
+                                      <p:tavLst>
+                                        <p:tav tm="0">
+                                          <p:val>
+                                            <p:strVal val="#ppt_x"/>
+                                          </p:val>
+                                        </p:tav>
+                                        <p:tav tm="100000">
+                                          <p:val>
+                                            <p:strVal val="#ppt_x"/>
+                                          </p:val>
+                                        </p:tav>
+                                      </p:tavLst>
+                                    </p:anim>
+                                    <p:anim calcmode="lin" valueType="num">
+                                      <p:cBhvr>
+                                        <p:cTn id="9" dur="1000" fill="hold"/>
+                                        <p:tgtEl>
+                                          <p:spTgt spid="37"/>
+                                        </p:tgtEl>
+                                        <p:attrNameLst>
+                                          <p:attrName>ppt_y</p:attrName>
+                                        </p:attrNameLst>
+                                      </p:cBhvr>
+                                      <p:tavLst>
+                                        <p:tav tm="0">
+                                          <p:val>
+                                            <p:strVal val="#ppt_y-.1"/>
+                                          </p:val>
+                                        </p:tav>
+                                        <p:tav tm="100000">
+                                          <p:val>
+                                            <p:strVal val="#ppt_y"/>
+                                          </p:val>
+                                        </p:tav>
+                                      </p:tavLst>
+                                    </p:anim>
+                                  </p:childTnLst>
+                                </p:cTn>
+                              </p:par>
+                            </p:childTnLst>
+                          </p:cTn>
+                        </p:par>
+                      </p:childTnLst>
+                    </p:cTn>
+                  </p:par>
+                  <p:par>
+                    <p:cTn id="10" fill="hold">
+                      <p:stCondLst>
+                        <p:cond delay="indefinite"/>
+                      </p:stCondLst>
+                      <p:childTnLst>
+                        <p:par>
+                          <p:cTn id="11" fill="hold">
+                            <p:stCondLst>
+                              <p:cond delay="0"/>
+                            </p:stCondLst>
+                            <p:childTnLst>
+                              <p:par>
+                                <p:cTn id="12" presetID="10" presetClass="entr" presetSubtype="0" fill="hold" grpId="0" nodeType="clickEffect">
+                                  <p:stCondLst>
+                                    <p:cond delay="0"/>
+                                  </p:stCondLst>
+                                  <p:childTnLst>
+                                    <p:set>
+                                      <p:cBhvr>
+                                        <p:cTn id="13" dur="1" fill="hold">
+                                          <p:stCondLst>
+                                            <p:cond delay="0"/>
+                                          </p:stCondLst>
+                                        </p:cTn>
+                                        <p:tgtEl>
+                                          <p:spTgt spid="16"/>
+                                        </p:tgtEl>
+                                        <p:attrNameLst>
+                                          <p:attrName>style.visibility</p:attrName>
+                                        </p:attrNameLst>
+                                      </p:cBhvr>
+                                      <p:to>
+                                        <p:strVal val="visible"/>
+                                      </p:to>
+                                    </p:set>
+                                    <p:animEffect transition="in" filter="fade">
+                                      <p:cBhvr>
+                                        <p:cTn id="14" dur="500"/>
+                                        <p:tgtEl>
+                                          <p:spTgt spid="16"/>
+                                        </p:tgtEl>
+                                      </p:cBhvr>
+                                    </p:animEffect>
+                                  </p:childTnLst>
+                                </p:cTn>
+                              </p:par>
+                              <p:par>
+                                <p:cTn id="15" presetID="42" presetClass="path" presetSubtype="0" accel="50000" decel="50000" fill="hold" nodeType="withEffect">
+                                  <p:stCondLst>
+                                    <p:cond delay="0"/>
+                                  </p:stCondLst>
+                                  <p:childTnLst>
+                                    <p:animMotion origin="layout" path="M -1.53846E-6 -3.7037E-6 L -1.53846E-6 0.49213 " pathEditMode="relative" rAng="0" ptsTypes="AA">
+                                      <p:cBhvr>
+                                        <p:cTn id="16" dur="2000" fill="hold"/>
+                                        <p:tgtEl>
+                                          <p:spTgt spid="21"/>
+                                        </p:tgtEl>
+                                        <p:attrNameLst>
+                                          <p:attrName>ppt_x</p:attrName>
+                                          <p:attrName>ppt_y</p:attrName>
+                                        </p:attrNameLst>
+                                      </p:cBhvr>
+                                      <p:rCtr x="0" y="24606"/>
+                                    </p:animMotion>
+                                  </p:childTnLst>
+                                </p:cTn>
+                              </p:par>
+                              <p:par>
+                                <p:cTn id="17" presetID="22" presetClass="entr" presetSubtype="1" fill="hold" nodeType="withEffect">
+                                  <p:stCondLst>
+                                    <p:cond delay="0"/>
+                                  </p:stCondLst>
+                                  <p:childTnLst>
+                                    <p:set>
+                                      <p:cBhvr>
+                                        <p:cTn id="18" dur="1" fill="hold">
+                                          <p:stCondLst>
+                                            <p:cond delay="0"/>
+                                          </p:stCondLst>
+                                        </p:cTn>
+                                        <p:tgtEl>
+                                          <p:spTgt spid="46"/>
+                                        </p:tgtEl>
+                                        <p:attrNameLst>
+                                          <p:attrName>style.visibility</p:attrName>
+                                        </p:attrNameLst>
+                                      </p:cBhvr>
+                                      <p:to>
+                                        <p:strVal val="visible"/>
+                                      </p:to>
+                                    </p:set>
+                                    <p:animEffect transition="in" filter="wipe(up)">
+                                      <p:cBhvr>
+                                        <p:cTn id="19" dur="2000"/>
+                                        <p:tgtEl>
+                                          <p:spTgt spid="46"/>
+                                        </p:tgtEl>
+                                      </p:cBhvr>
+                                    </p:animEffect>
+                                  </p:childTnLst>
+                                </p:cTn>
+                              </p:par>
+                              <p:par>
+                                <p:cTn id="20" presetID="10" presetClass="entr" presetSubtype="0" fill="hold" grpId="1" nodeType="withEffect">
+                                  <p:stCondLst>
+                                    <p:cond delay="0"/>
+                                  </p:stCondLst>
+                                  <p:childTnLst>
+                                    <p:set>
+                                      <p:cBhvr>
+                                        <p:cTn id="21" dur="1" fill="hold">
+                                          <p:stCondLst>
+                                            <p:cond delay="0"/>
+                                          </p:stCondLst>
+                                        </p:cTn>
+                                        <p:tgtEl>
+                                          <p:spTgt spid="27"/>
+                                        </p:tgtEl>
+                                        <p:attrNameLst>
+                                          <p:attrName>style.visibility</p:attrName>
+                                        </p:attrNameLst>
+                                      </p:cBhvr>
+                                      <p:to>
+                                        <p:strVal val="visible"/>
+                                      </p:to>
+                                    </p:set>
+                                    <p:animEffect transition="in" filter="fade">
+                                      <p:cBhvr>
+                                        <p:cTn id="22" dur="500"/>
+                                        <p:tgtEl>
+                                          <p:spTgt spid="27"/>
+                                        </p:tgtEl>
+                                      </p:cBhvr>
+                                    </p:animEffect>
+                                  </p:childTnLst>
+                                </p:cTn>
+                              </p:par>
+                              <p:par>
+                                <p:cTn id="23" presetID="42" presetClass="path" presetSubtype="0" accel="50000" decel="50000" fill="hold" grpId="0" nodeType="withEffect">
+                                  <p:stCondLst>
+                                    <p:cond delay="0"/>
+                                  </p:stCondLst>
+                                  <p:childTnLst>
+                                    <p:animMotion origin="layout" path="M -1.28205E-6 4.81481E-6 L -1.28205E-6 0.32939 " pathEditMode="relative" rAng="0" ptsTypes="AA">
+                                      <p:cBhvr>
+                                        <p:cTn id="24" dur="2000" fill="hold"/>
+                                        <p:tgtEl>
+                                          <p:spTgt spid="27"/>
+                                        </p:tgtEl>
+                                        <p:attrNameLst>
+                                          <p:attrName>ppt_x</p:attrName>
+                                          <p:attrName>ppt_y</p:attrName>
+                                        </p:attrNameLst>
+                                      </p:cBhvr>
+                                      <p:rCtr x="0" y="16458"/>
+                                    </p:animMotion>
+                                  </p:childTnLst>
+                                </p:cTn>
+                              </p:par>
+                              <p:par>
+                                <p:cTn id="25" presetID="22" presetClass="entr" presetSubtype="1" fill="hold" nodeType="withEffect">
+                                  <p:stCondLst>
+                                    <p:cond delay="0"/>
+                                  </p:stCondLst>
+                                  <p:childTnLst>
+                                    <p:set>
+                                      <p:cBhvr>
+                                        <p:cTn id="26" dur="1" fill="hold">
+                                          <p:stCondLst>
+                                            <p:cond delay="0"/>
+                                          </p:stCondLst>
+                                        </p:cTn>
+                                        <p:tgtEl>
+                                          <p:spTgt spid="22"/>
+                                        </p:tgtEl>
+                                        <p:attrNameLst>
+                                          <p:attrName>style.visibility</p:attrName>
+                                        </p:attrNameLst>
+                                      </p:cBhvr>
+                                      <p:to>
+                                        <p:strVal val="visible"/>
+                                      </p:to>
+                                    </p:set>
+                                    <p:animEffect transition="in" filter="wipe(up)">
+                                      <p:cBhvr>
+                                        <p:cTn id="27" dur="2000"/>
+                                        <p:tgtEl>
+                                          <p:spTgt spid="22"/>
+                                        </p:tgtEl>
+                                      </p:cBhvr>
+                                    </p:animEffect>
+                                  </p:childTnLst>
+                                </p:cTn>
+                              </p:par>
+                            </p:childTnLst>
+                          </p:cTn>
+                        </p:par>
+                        <p:par>
+                          <p:cTn id="28" fill="hold">
+                            <p:stCondLst>
+                              <p:cond delay="2000"/>
+                            </p:stCondLst>
+                            <p:childTnLst>
+                              <p:par>
+                                <p:cTn id="29" presetID="10" presetClass="entr" presetSubtype="0" fill="hold" grpId="0" nodeType="afterEffect">
+                                  <p:stCondLst>
+                                    <p:cond delay="0"/>
+                                  </p:stCondLst>
+                                  <p:childTnLst>
+                                    <p:set>
+                                      <p:cBhvr>
+                                        <p:cTn id="30" dur="1" fill="hold">
+                                          <p:stCondLst>
+                                            <p:cond delay="0"/>
+                                          </p:stCondLst>
+                                        </p:cTn>
+                                        <p:tgtEl>
+                                          <p:spTgt spid="35"/>
+                                        </p:tgtEl>
+                                        <p:attrNameLst>
+                                          <p:attrName>style.visibility</p:attrName>
+                                        </p:attrNameLst>
+                                      </p:cBhvr>
+                                      <p:to>
+                                        <p:strVal val="visible"/>
+                                      </p:to>
+                                    </p:set>
+                                    <p:animEffect transition="in" filter="fade">
+                                      <p:cBhvr>
+                                        <p:cTn id="31" dur="500"/>
+                                        <p:tgtEl>
+                                          <p:spTgt spid="35"/>
+                                        </p:tgtEl>
+                                      </p:cBhvr>
+                                    </p:animEffect>
+                                  </p:childTnLst>
+                                </p:cTn>
+                              </p:par>
+                            </p:childTnLst>
+                          </p:cTn>
+                        </p:par>
+                      </p:childTnLst>
+                    </p:cTn>
+                  </p:par>
+                  <p:par>
+                    <p:cTn id="32" fill="hold">
+                      <p:stCondLst>
+                        <p:cond delay="indefinite"/>
+                      </p:stCondLst>
+                      <p:childTnLst>
+                        <p:par>
+                          <p:cTn id="33" fill="hold">
+                            <p:stCondLst>
+                              <p:cond delay="0"/>
+                            </p:stCondLst>
+                            <p:childTnLst>
+                              <p:par>
+                                <p:cTn id="34" presetID="1" presetClass="exit" presetSubtype="0" fill="hold" grpId="1" nodeType="clickEffect">
+                                  <p:stCondLst>
+                                    <p:cond delay="0"/>
+                                  </p:stCondLst>
+                                  <p:childTnLst>
+                                    <p:set>
+                                      <p:cBhvr>
+                                        <p:cTn id="35" dur="1" fill="hold">
+                                          <p:stCondLst>
+                                            <p:cond delay="0"/>
+                                          </p:stCondLst>
+                                        </p:cTn>
+                                        <p:tgtEl>
+                                          <p:spTgt spid="35"/>
+                                        </p:tgtEl>
+                                        <p:attrNameLst>
+                                          <p:attrName>style.visibility</p:attrName>
+                                        </p:attrNameLst>
+                                      </p:cBhvr>
+                                      <p:to>
+                                        <p:strVal val="hidden"/>
+                                      </p:to>
+                                    </p:set>
+                                  </p:childTnLst>
+                                </p:cTn>
+                              </p:par>
+                              <p:par>
+                                <p:cTn id="36" presetID="1" presetClass="exit" presetSubtype="0" fill="hold" grpId="1" nodeType="withEffect">
+                                  <p:stCondLst>
+                                    <p:cond delay="0"/>
+                                  </p:stCondLst>
+                                  <p:childTnLst>
+                                    <p:set>
+                                      <p:cBhvr>
+                                        <p:cTn id="37" dur="1" fill="hold">
+                                          <p:stCondLst>
+                                            <p:cond delay="0"/>
+                                          </p:stCondLst>
+                                        </p:cTn>
+                                        <p:tgtEl>
+                                          <p:spTgt spid="16"/>
+                                        </p:tgtEl>
+                                        <p:attrNameLst>
+                                          <p:attrName>style.visibility</p:attrName>
+                                        </p:attrNameLst>
+                                      </p:cBhvr>
+                                      <p:to>
+                                        <p:strVal val="hidden"/>
+                                      </p:to>
+                                    </p:set>
+                                  </p:childTnLst>
+                                </p:cTn>
+                              </p:par>
+                              <p:par>
+                                <p:cTn id="38" presetID="1" presetClass="exit" presetSubtype="0" fill="hold" nodeType="withEffect">
+                                  <p:stCondLst>
+                                    <p:cond delay="0"/>
+                                  </p:stCondLst>
+                                  <p:childTnLst>
+                                    <p:set>
+                                      <p:cBhvr>
+                                        <p:cTn id="39" dur="1" fill="hold">
+                                          <p:stCondLst>
+                                            <p:cond delay="0"/>
+                                          </p:stCondLst>
+                                        </p:cTn>
+                                        <p:tgtEl>
+                                          <p:spTgt spid="46"/>
+                                        </p:tgtEl>
+                                        <p:attrNameLst>
+                                          <p:attrName>style.visibility</p:attrName>
+                                        </p:attrNameLst>
+                                      </p:cBhvr>
+                                      <p:to>
+                                        <p:strVal val="hidden"/>
+                                      </p:to>
+                                    </p:set>
+                                  </p:childTnLst>
+                                </p:cTn>
+                              </p:par>
+                            </p:childTnLst>
+                          </p:cTn>
+                        </p:par>
+                        <p:par>
+                          <p:cTn id="40" fill="hold">
+                            <p:stCondLst>
+                              <p:cond delay="0"/>
+                            </p:stCondLst>
+                            <p:childTnLst>
+                              <p:par>
+                                <p:cTn id="41" presetID="10" presetClass="entr" presetSubtype="0" fill="hold" grpId="2" nodeType="afterEffect">
+                                  <p:stCondLst>
+                                    <p:cond delay="0"/>
+                                  </p:stCondLst>
+                                  <p:childTnLst>
+                                    <p:set>
+                                      <p:cBhvr>
+                                        <p:cTn id="42" dur="1" fill="hold">
+                                          <p:stCondLst>
+                                            <p:cond delay="0"/>
+                                          </p:stCondLst>
+                                        </p:cTn>
+                                        <p:tgtEl>
+                                          <p:spTgt spid="16"/>
+                                        </p:tgtEl>
+                                        <p:attrNameLst>
+                                          <p:attrName>style.visibility</p:attrName>
+                                        </p:attrNameLst>
+                                      </p:cBhvr>
+                                      <p:to>
+                                        <p:strVal val="visible"/>
+                                      </p:to>
+                                    </p:set>
+                                    <p:animEffect transition="in" filter="fade">
+                                      <p:cBhvr>
+                                        <p:cTn id="43" dur="500"/>
+                                        <p:tgtEl>
+                                          <p:spTgt spid="16"/>
+                                        </p:tgtEl>
+                                      </p:cBhvr>
+                                    </p:animEffect>
+                                  </p:childTnLst>
+                                </p:cTn>
+                              </p:par>
+                              <p:par>
+                                <p:cTn id="44" presetID="42" presetClass="path" presetSubtype="0" accel="50000" decel="50000" fill="hold" nodeType="withEffect">
+                                  <p:stCondLst>
+                                    <p:cond delay="0"/>
+                                  </p:stCondLst>
+                                  <p:childTnLst>
+                                    <p:animMotion origin="layout" path="M -1.53846E-6 -3.7037E-6 L -1.53846E-6 0.16436 " pathEditMode="relative" rAng="0" ptsTypes="AA">
+                                      <p:cBhvr>
+                                        <p:cTn id="45" dur="2000" fill="hold"/>
+                                        <p:tgtEl>
+                                          <p:spTgt spid="21"/>
+                                        </p:tgtEl>
+                                        <p:attrNameLst>
+                                          <p:attrName>ppt_x</p:attrName>
+                                          <p:attrName>ppt_y</p:attrName>
+                                        </p:attrNameLst>
+                                      </p:cBhvr>
+                                      <p:rCtr x="0" y="8218"/>
+                                    </p:animMotion>
+                                  </p:childTnLst>
+                                </p:cTn>
+                              </p:par>
+                              <p:par>
+                                <p:cTn id="46" presetID="22" presetClass="entr" presetSubtype="1" fill="hold" nodeType="withEffect">
+                                  <p:stCondLst>
+                                    <p:cond delay="0"/>
+                                  </p:stCondLst>
+                                  <p:childTnLst>
+                                    <p:set>
+                                      <p:cBhvr>
+                                        <p:cTn id="47" dur="1" fill="hold">
+                                          <p:stCondLst>
+                                            <p:cond delay="0"/>
+                                          </p:stCondLst>
+                                        </p:cTn>
+                                        <p:tgtEl>
+                                          <p:spTgt spid="47"/>
+                                        </p:tgtEl>
+                                        <p:attrNameLst>
+                                          <p:attrName>style.visibility</p:attrName>
+                                        </p:attrNameLst>
+                                      </p:cBhvr>
+                                      <p:to>
+                                        <p:strVal val="visible"/>
+                                      </p:to>
+                                    </p:set>
+                                    <p:animEffect transition="in" filter="wipe(up)">
+                                      <p:cBhvr>
+                                        <p:cTn id="48" dur="2000"/>
+                                        <p:tgtEl>
+                                          <p:spTgt spid="47"/>
+                                        </p:tgtEl>
+                                      </p:cBhvr>
+                                    </p:animEffect>
+                                  </p:childTnLst>
+                                </p:cTn>
+                              </p:par>
+                              <p:par>
+                                <p:cTn id="49" presetID="42" presetClass="path" presetSubtype="0" accel="50000" decel="50000" fill="hold" grpId="2" nodeType="withEffect">
+                                  <p:stCondLst>
+                                    <p:cond delay="0"/>
+                                  </p:stCondLst>
+                                  <p:childTnLst>
+                                    <p:animMotion origin="layout" path="M -1.28205E-6 4.81481E-6 L -1.28205E-6 0.32939 " pathEditMode="relative" rAng="0" ptsTypes="AA">
+                                      <p:cBhvr>
+                                        <p:cTn id="50" dur="2000" fill="hold"/>
+                                        <p:tgtEl>
+                                          <p:spTgt spid="27"/>
+                                        </p:tgtEl>
+                                        <p:attrNameLst>
+                                          <p:attrName>ppt_x</p:attrName>
+                                          <p:attrName>ppt_y</p:attrName>
+                                        </p:attrNameLst>
+                                      </p:cBhvr>
+                                      <p:rCtr x="0" y="16458"/>
+                                    </p:animMotion>
+                                  </p:childTnLst>
+                                </p:cTn>
+                              </p:par>
+                            </p:childTnLst>
+                          </p:cTn>
+                        </p:par>
+                        <p:par>
+                          <p:cTn id="51" fill="hold">
+                            <p:stCondLst>
+                              <p:cond delay="2000"/>
+                            </p:stCondLst>
+                            <p:childTnLst>
+                              <p:par>
+                                <p:cTn id="52" presetID="10" presetClass="entr" presetSubtype="0" fill="hold" grpId="0" nodeType="afterEffect">
+                                  <p:stCondLst>
+                                    <p:cond delay="0"/>
+                                  </p:stCondLst>
+                                  <p:childTnLst>
+                                    <p:set>
+                                      <p:cBhvr>
+                                        <p:cTn id="53" dur="1" fill="hold">
+                                          <p:stCondLst>
+                                            <p:cond delay="0"/>
+                                          </p:stCondLst>
+                                        </p:cTn>
+                                        <p:tgtEl>
+                                          <p:spTgt spid="39"/>
+                                        </p:tgtEl>
+                                        <p:attrNameLst>
+                                          <p:attrName>style.visibility</p:attrName>
+                                        </p:attrNameLst>
+                                      </p:cBhvr>
+                                      <p:to>
+                                        <p:strVal val="visible"/>
+                                      </p:to>
+                                    </p:set>
+                                    <p:animEffect transition="in" filter="fade">
+                                      <p:cBhvr>
+                                        <p:cTn id="54" dur="500"/>
+                                        <p:tgtEl>
+                                          <p:spTgt spid="39"/>
+                                        </p:tgtEl>
+                                      </p:cBhvr>
+                                    </p:animEffect>
+                                  </p:childTnLst>
+                                </p:cTn>
+                              </p:par>
+                            </p:childTnLst>
+                          </p:cTn>
+                        </p:par>
+                      </p:childTnLst>
+                    </p:cTn>
+                  </p:par>
+                </p:childTnLst>
+              </p:cTn>
+              <p:prevCondLst>
+                <p:cond evt="onPrev" delay="0">
+                  <p:tgtEl>
+                    <p:sldTgt/>
+                  </p:tgtEl>
+                </p:cond>
+              </p:prevCondLst>
+              <p:nextCondLst>
+                <p:cond evt="onNext" delay="0">
+                  <p:tgtEl>
+                    <p:sldTgt/>
+                  </p:tgtEl>
+                </p:cond>
+              </p:nextCondLst>
+            </p:seq>
+          </p:childTnLst>
+        </p:cTn>
+      </p:par>
+    </p:tnLst>
+    <p:bldLst>
+      <p:bldP spid="39" grpId="0"/>
+      <p:bldP spid="27" grpId="0" animBg="1"/>
+      <p:bldP spid="27" grpId="1" animBg="1"/>
+      <p:bldP spid="27" grpId="2" animBg="1"/>
+      <p:bldP spid="16" grpId="0"/>
+      <p:bldP spid="16" grpId="1"/>
+      <p:bldP spid="16" grpId="2"/>
+      <p:bldP spid="35" grpId="0"/>
+      <p:bldP spid="35" grpId="1"/>
+    </p:bldLst>
+  </p:timing>
+</p:sld>
+</file>
+
+<file path=ppt/slides/slide9.xml><?xml version="1.0" encoding="utf-8"?>
+<p:sld xmlns:a="http://schemas.openxmlformats.org/drawingml/2006/main" xmlns:r="http://schemas.openxmlformats.org/officeDocument/2006/relationships" xmlns:p="http://schemas.openxmlformats.org/presentationml/2006/main">
+  <p:cSld>
+    <p:spTree>
+      <p:nvGrpSpPr>
+        <p:cNvPr id="1" name=""/>
+        <p:cNvGrpSpPr/>
+        <p:nvPr/>
+      </p:nvGrpSpPr>
+      <p:grpSpPr>
+        <a:xfrm>
+          <a:off x="0" y="0"/>
+          <a:ext cx="0" cy="0"/>
+          <a:chOff x="0" y="0"/>
+          <a:chExt cx="0" cy="0"/>
+        </a:xfrm>
+      </p:grpSpPr>
+      <p:sp>
+        <p:nvSpPr>
+          <p:cNvPr id="3" name="矢印: 左右 2">
+            <a:extLst>
+              <a:ext uri="{FF2B5EF4-FFF2-40B4-BE49-F238E27FC236}">
+                <a16:creationId xmlns:a16="http://schemas.microsoft.com/office/drawing/2014/main" id="{A9C55981-469E-BB9D-D171-4A3F03AE4C96}"/>
+              </a:ext>
+            </a:extLst>
+          </p:cNvPr>
+          <p:cNvSpPr/>
+          <p:nvPr/>
+        </p:nvSpPr>
+        <p:spPr>
+          <a:xfrm>
+            <a:off x="3608293" y="4991924"/>
+            <a:ext cx="2689411" cy="1113843"/>
+          </a:xfrm>
+          <a:prstGeom prst="leftRightArrow">
+            <a:avLst>
+              <a:gd name="adj1" fmla="val 38421"/>
+              <a:gd name="adj2" fmla="val 42632"/>
+            </a:avLst>
+          </a:prstGeom>
+        </p:spPr>
+        <p:style>
+          <a:lnRef idx="1">
+            <a:schemeClr val="accent5"/>
+          </a:lnRef>
+          <a:fillRef idx="2">
+            <a:schemeClr val="accent5"/>
+          </a:fillRef>
+          <a:effectRef idx="1">
+            <a:schemeClr val="accent5"/>
+          </a:effectRef>
+          <a:fontRef idx="minor">
+            <a:schemeClr val="dk1"/>
+          </a:fontRef>
+        </p:style>
+        <p:txBody>
+          <a:bodyPr rtlCol="0" anchor="ctr"/>
+          <a:lstStyle/>
+          <a:p>
+            <a:pPr algn="ctr"/>
+            <a:r>
+              <a:rPr kumimoji="1" lang="ja-JP" altLang="en-US" sz="2800" dirty="0"/>
+              <a:t>逆</a:t>
+            </a:r>
+          </a:p>
+        </p:txBody>
+      </p:sp>
+      <p:sp>
+        <p:nvSpPr>
+          <p:cNvPr id="47" name="正方形/長方形 46">
+            <a:extLst>
+              <a:ext uri="{FF2B5EF4-FFF2-40B4-BE49-F238E27FC236}">
+                <a16:creationId xmlns:a16="http://schemas.microsoft.com/office/drawing/2014/main" id="{B7A1486C-C0DF-4181-DCCC-4CE96EB3F993}"/>
+              </a:ext>
+            </a:extLst>
+          </p:cNvPr>
+          <p:cNvSpPr/>
+          <p:nvPr/>
+        </p:nvSpPr>
+        <p:spPr>
+          <a:xfrm>
+            <a:off x="731220" y="4991924"/>
+            <a:ext cx="8443555" cy="1113843"/>
+          </a:xfrm>
+          <a:prstGeom prst="rect">
+            <a:avLst/>
+          </a:prstGeom>
+        </p:spPr>
+        <p:style>
+          <a:lnRef idx="1">
+            <a:schemeClr val="accent5"/>
+          </a:lnRef>
+          <a:fillRef idx="2">
+            <a:schemeClr val="accent5"/>
+          </a:fillRef>
+          <a:effectRef idx="1">
+            <a:schemeClr val="accent5"/>
+          </a:effectRef>
+          <a:fontRef idx="minor">
+            <a:schemeClr val="dk1"/>
+          </a:fontRef>
+        </p:style>
+        <p:txBody>
+          <a:bodyPr rtlCol="0" anchor="ctr"/>
+          <a:lstStyle/>
+          <a:p>
+            <a:pPr algn="ctr"/>
+            <a:r>
+              <a:rPr kumimoji="1" lang="ja-JP" altLang="en-US" sz="3200" dirty="0">
+                <a:solidFill>
+                  <a:schemeClr val="accent6"/>
+                </a:solidFill>
+              </a:rPr>
+              <a:t>論理的な矛盾</a:t>
+            </a:r>
+            <a:r>
+              <a:rPr kumimoji="1" lang="ja-JP" altLang="en-US" sz="3200" dirty="0"/>
+              <a:t>が生じている！</a:t>
+            </a:r>
+          </a:p>
+        </p:txBody>
+      </p:sp>
+      <p:sp>
+        <p:nvSpPr>
+          <p:cNvPr id="4" name="タイトル 3">
+            <a:extLst>
+              <a:ext uri="{FF2B5EF4-FFF2-40B4-BE49-F238E27FC236}">
+                <a16:creationId xmlns:a16="http://schemas.microsoft.com/office/drawing/2014/main" id="{6B502ADB-AF47-A521-948A-7CE52341C702}"/>
+              </a:ext>
+            </a:extLst>
+          </p:cNvPr>
+          <p:cNvSpPr>
+            <a:spLocks noGrp="1"/>
+          </p:cNvSpPr>
+          <p:nvPr>
+            <p:ph type="title"/>
+          </p:nvPr>
+        </p:nvSpPr>
+        <p:spPr/>
+        <p:txBody>
+          <a:bodyPr/>
+          <a:lstStyle/>
+          <a:p>
+            <a:r>
+              <a:rPr kumimoji="1" lang="ja-JP" altLang="en-US" dirty="0"/>
+              <a:t>パラドクスだった！</a:t>
+            </a:r>
+          </a:p>
+        </p:txBody>
+      </p:sp>
+      <p:sp>
+        <p:nvSpPr>
+          <p:cNvPr id="7" name="スライド番号プレースホルダー 6">
+            <a:extLst>
+              <a:ext uri="{FF2B5EF4-FFF2-40B4-BE49-F238E27FC236}">
+                <a16:creationId xmlns:a16="http://schemas.microsoft.com/office/drawing/2014/main" id="{40062891-9EDD-6E1F-08F3-935B26951E6E}"/>
+              </a:ext>
+            </a:extLst>
+          </p:cNvPr>
+          <p:cNvSpPr>
+            <a:spLocks noGrp="1"/>
+          </p:cNvSpPr>
+          <p:nvPr>
+            <p:ph type="sldNum" sz="quarter" idx="26"/>
+          </p:nvPr>
+        </p:nvSpPr>
+        <p:spPr/>
+        <p:txBody>
+          <a:bodyPr/>
+          <a:lstStyle/>
+          <a:p>
+            <a:fld id="{6408349E-6932-463E-ABE1-6FC2A2453113}" type="slidenum">
+              <a:rPr kumimoji="1" lang="ja-JP" altLang="en-US" smtClean="0"/>
+              <a:pPr/>
+              <a:t>9</a:t>
+            </a:fld>
+            <a:endParaRPr kumimoji="1" lang="ja-JP" altLang="en-US"/>
+          </a:p>
+        </p:txBody>
+      </p:sp>
+      <p:sp>
+        <p:nvSpPr>
+          <p:cNvPr id="12" name="正方形/長方形 11">
+            <a:extLst>
+              <a:ext uri="{FF2B5EF4-FFF2-40B4-BE49-F238E27FC236}">
+                <a16:creationId xmlns:a16="http://schemas.microsoft.com/office/drawing/2014/main" id="{C3FA60F9-C24A-8D98-78D8-6DC701C1C20F}"/>
+              </a:ext>
+            </a:extLst>
+          </p:cNvPr>
+          <p:cNvSpPr/>
+          <p:nvPr/>
+        </p:nvSpPr>
+        <p:spPr>
+          <a:xfrm>
+            <a:off x="1792822" y="3406559"/>
+            <a:ext cx="2439202" cy="1195781"/>
+          </a:xfrm>
+          <a:prstGeom prst="rect">
+            <a:avLst/>
+          </a:prstGeom>
+        </p:spPr>
+        <p:style>
+          <a:lnRef idx="1">
+            <a:schemeClr val="accent6"/>
+          </a:lnRef>
+          <a:fillRef idx="2">
+            <a:schemeClr val="accent6"/>
+          </a:fillRef>
+          <a:effectRef idx="1">
+            <a:schemeClr val="accent6"/>
+          </a:effectRef>
+          <a:fontRef idx="minor">
+            <a:schemeClr val="dk1"/>
+          </a:fontRef>
+        </p:style>
+        <p:txBody>
+          <a:bodyPr rtlCol="0" anchor="ctr"/>
+          <a:lstStyle/>
+          <a:p>
+            <a:r>
+              <a:rPr kumimoji="1" lang="en-US" altLang="ja-JP" sz="2400" dirty="0"/>
+              <a:t>100 kg</a:t>
+            </a:r>
+            <a:r>
+              <a:rPr kumimoji="1" lang="ja-JP" altLang="en-US" sz="2400" dirty="0"/>
+              <a:t>の鉄球に</a:t>
+            </a:r>
+            <a:endParaRPr kumimoji="1" lang="en-US" altLang="ja-JP" sz="2400" dirty="0"/>
+          </a:p>
+          <a:p>
+            <a:r>
+              <a:rPr kumimoji="1" lang="ja-JP" altLang="en-US" sz="2400" dirty="0"/>
+              <a:t>引っ張られて</a:t>
+            </a:r>
+            <a:endParaRPr kumimoji="1" lang="en-US" altLang="ja-JP" sz="2400" dirty="0"/>
+          </a:p>
+          <a:p>
+            <a:r>
+              <a:rPr kumimoji="1" lang="ja-JP" altLang="en-US" sz="2400" dirty="0">
+                <a:solidFill>
+                  <a:schemeClr val="tx1"/>
+                </a:solidFill>
+              </a:rPr>
+              <a:t>より速く</a:t>
+            </a:r>
+            <a:r>
+              <a:rPr kumimoji="1" lang="ja-JP" altLang="en-US" sz="2400" dirty="0"/>
+              <a:t>落ちる．</a:t>
+            </a:r>
+          </a:p>
+        </p:txBody>
+      </p:sp>
+      <p:sp>
+        <p:nvSpPr>
+          <p:cNvPr id="15" name="正方形/長方形 14">
+            <a:extLst>
+              <a:ext uri="{FF2B5EF4-FFF2-40B4-BE49-F238E27FC236}">
+                <a16:creationId xmlns:a16="http://schemas.microsoft.com/office/drawing/2014/main" id="{4F1DA84F-6334-6AB2-D86E-FEBE74B15DA5}"/>
+              </a:ext>
+            </a:extLst>
+          </p:cNvPr>
+          <p:cNvSpPr/>
+          <p:nvPr/>
+        </p:nvSpPr>
+        <p:spPr>
+          <a:xfrm>
+            <a:off x="5673977" y="3406559"/>
+            <a:ext cx="2439202" cy="1195780"/>
+          </a:xfrm>
+          <a:prstGeom prst="rect">
+            <a:avLst/>
+          </a:prstGeom>
+        </p:spPr>
+        <p:style>
+          <a:lnRef idx="1">
+            <a:schemeClr val="accent1"/>
+          </a:lnRef>
+          <a:fillRef idx="2">
+            <a:schemeClr val="accent1"/>
+          </a:fillRef>
+          <a:effectRef idx="1">
+            <a:schemeClr val="accent1"/>
+          </a:effectRef>
+          <a:fontRef idx="minor">
+            <a:schemeClr val="dk1"/>
+          </a:fontRef>
+        </p:style>
+        <p:txBody>
+          <a:bodyPr rtlCol="0" anchor="ctr"/>
+          <a:lstStyle/>
+          <a:p>
+            <a:r>
+              <a:rPr kumimoji="1" lang="en-US" altLang="ja-JP" sz="2400" dirty="0"/>
+              <a:t>1 kg</a:t>
+            </a:r>
+            <a:r>
+              <a:rPr kumimoji="1" lang="ja-JP" altLang="en-US" sz="2400" dirty="0"/>
+              <a:t>の鉄球に</a:t>
+            </a:r>
+            <a:endParaRPr kumimoji="1" lang="en-US" altLang="ja-JP" sz="2400" dirty="0"/>
+          </a:p>
+          <a:p>
+            <a:r>
+              <a:rPr kumimoji="1" lang="ja-JP" altLang="en-US" sz="2400" dirty="0"/>
+              <a:t>引っ張られて</a:t>
+            </a:r>
+            <a:endParaRPr kumimoji="1" lang="en-US" altLang="ja-JP" sz="2400" dirty="0"/>
+          </a:p>
+          <a:p>
+            <a:r>
+              <a:rPr kumimoji="1" lang="ja-JP" altLang="en-US" sz="2400" dirty="0">
+                <a:solidFill>
+                  <a:schemeClr val="tx1"/>
+                </a:solidFill>
+              </a:rPr>
+              <a:t>より遅く</a:t>
+            </a:r>
+            <a:r>
+              <a:rPr kumimoji="1" lang="ja-JP" altLang="en-US" sz="2400" dirty="0"/>
+              <a:t>落ちる．</a:t>
+            </a:r>
+          </a:p>
+        </p:txBody>
+      </p:sp>
+      <p:cxnSp>
+        <p:nvCxnSpPr>
+          <p:cNvPr id="8" name="直線コネクタ 7">
+            <a:extLst>
+              <a:ext uri="{FF2B5EF4-FFF2-40B4-BE49-F238E27FC236}">
+                <a16:creationId xmlns:a16="http://schemas.microsoft.com/office/drawing/2014/main" id="{212D98F1-34E2-6F98-543D-9B10F4CFA61A}"/>
+              </a:ext>
+            </a:extLst>
+          </p:cNvPr>
+          <p:cNvCxnSpPr>
+            <a:cxnSpLocks/>
+            <a:endCxn id="12" idx="0"/>
+          </p:cNvCxnSpPr>
+          <p:nvPr/>
+        </p:nvCxnSpPr>
+        <p:spPr>
+          <a:xfrm>
+            <a:off x="3012423" y="2631005"/>
+            <a:ext cx="0" cy="775554"/>
+          </a:xfrm>
+          <a:prstGeom prst="line">
+            <a:avLst/>
+          </a:prstGeom>
+          <a:ln w="38100">
+            <a:solidFill>
+              <a:schemeClr val="accent6"/>
+            </a:solidFill>
+            <a:headEnd type="none" w="med" len="med"/>
+            <a:tailEnd type="triangle" w="med" len="med"/>
+          </a:ln>
+        </p:spPr>
+        <p:style>
+          <a:lnRef idx="1">
+            <a:schemeClr val="accent1"/>
+          </a:lnRef>
+          <a:fillRef idx="0">
+            <a:schemeClr val="accent1"/>
+          </a:fillRef>
+          <a:effectRef idx="0">
+            <a:schemeClr val="accent1"/>
+          </a:effectRef>
+          <a:fontRef idx="minor">
+            <a:schemeClr val="tx1"/>
+          </a:fontRef>
+        </p:style>
+      </p:cxnSp>
+      <p:cxnSp>
+        <p:nvCxnSpPr>
+          <p:cNvPr id="9" name="直線コネクタ 8">
+            <a:extLst>
+              <a:ext uri="{FF2B5EF4-FFF2-40B4-BE49-F238E27FC236}">
+                <a16:creationId xmlns:a16="http://schemas.microsoft.com/office/drawing/2014/main" id="{10A5D3AF-18A9-E77C-0092-7A5EB2837F6A}"/>
+              </a:ext>
+            </a:extLst>
+          </p:cNvPr>
+          <p:cNvCxnSpPr>
+            <a:cxnSpLocks/>
+            <a:endCxn id="15" idx="0"/>
+          </p:cNvCxnSpPr>
+          <p:nvPr/>
+        </p:nvCxnSpPr>
+        <p:spPr>
+          <a:xfrm flipH="1">
+            <a:off x="6893578" y="2631004"/>
+            <a:ext cx="1" cy="775555"/>
+          </a:xfrm>
+          <a:prstGeom prst="line">
+            <a:avLst/>
+          </a:prstGeom>
+          <a:ln w="38100">
+            <a:solidFill>
+              <a:schemeClr val="accent1"/>
+            </a:solidFill>
+            <a:headEnd type="none" w="med" len="med"/>
+            <a:tailEnd type="triangle" w="med" len="med"/>
+          </a:ln>
+        </p:spPr>
+        <p:style>
+          <a:lnRef idx="1">
+            <a:schemeClr val="accent1"/>
+          </a:lnRef>
+          <a:fillRef idx="0">
+            <a:schemeClr val="accent1"/>
+          </a:fillRef>
+          <a:effectRef idx="0">
+            <a:schemeClr val="accent1"/>
+          </a:effectRef>
+          <a:fontRef idx="minor">
+            <a:schemeClr val="tx1"/>
+          </a:fontRef>
+        </p:style>
+      </p:cxnSp>
+      <p:sp>
+        <p:nvSpPr>
+          <p:cNvPr id="2" name="正方形/長方形 1">
+            <a:extLst>
+              <a:ext uri="{FF2B5EF4-FFF2-40B4-BE49-F238E27FC236}">
+                <a16:creationId xmlns:a16="http://schemas.microsoft.com/office/drawing/2014/main" id="{2B8DACF3-6787-F1A3-845D-CE067AA0F88D}"/>
+              </a:ext>
+            </a:extLst>
+          </p:cNvPr>
+          <p:cNvSpPr/>
+          <p:nvPr/>
+        </p:nvSpPr>
+        <p:spPr>
+          <a:xfrm>
+            <a:off x="1406999" y="1823173"/>
+            <a:ext cx="7043014" cy="809528"/>
+          </a:xfrm>
+          <a:prstGeom prst="rect">
+            <a:avLst/>
+          </a:prstGeom>
+          <a:ln/>
+        </p:spPr>
+        <p:style>
+          <a:lnRef idx="1">
+            <a:schemeClr val="dk1"/>
+          </a:lnRef>
+          <a:fillRef idx="2">
+            <a:schemeClr val="dk1"/>
+          </a:fillRef>
+          <a:effectRef idx="1">
+            <a:schemeClr val="dk1"/>
+          </a:effectRef>
+          <a:fontRef idx="minor">
+            <a:schemeClr val="dk1"/>
+          </a:fontRef>
+        </p:style>
+        <p:txBody>
+          <a:bodyPr rtlCol="0" anchor="ctr"/>
+          <a:lstStyle/>
+          <a:p>
+            <a:pPr algn="ctr"/>
+            <a:r>
+              <a:rPr lang="ja-JP" altLang="en-US" sz="3200" dirty="0"/>
+              <a:t>重い物体ほど速く落下する！</a:t>
+            </a:r>
+            <a:endParaRPr kumimoji="1" lang="ja-JP" altLang="en-US" sz="3200" dirty="0"/>
+          </a:p>
+        </p:txBody>
+      </p:sp>
+    </p:spTree>
+    <p:extLst>
+      <p:ext uri="{BB962C8B-B14F-4D97-AF65-F5344CB8AC3E}">
+        <p14:creationId xmlns:p14="http://schemas.microsoft.com/office/powerpoint/2010/main" val="3194650206"/>
+      </p:ext>
+    </p:extLst>
+  </p:cSld>
+  <p:clrMapOvr>
+    <a:masterClrMapping/>
+  </p:clrMapOvr>
+  <p:timing>
+    <p:tnLst>
+      <p:par>
+        <p:cTn id="1" dur="indefinite" restart="never" nodeType="tmRoot">
+          <p:childTnLst>
+            <p:seq concurrent="1" nextAc="seek">
+              <p:cTn id="2" dur="indefinite" nodeType="mainSeq">
+                <p:childTnLst>
+                  <p:par>
+                    <p:cTn id="3" fill="hold">
+                      <p:stCondLst>
+                        <p:cond delay="indefinite"/>
+                        <p:cond evt="onBegin" delay="0">
+                          <p:tn val="2"/>
+                        </p:cond>
+                      </p:stCondLst>
+                      <p:childTnLst>
+                        <p:par>
+                          <p:cTn id="4" fill="hold">
+                            <p:stCondLst>
+                              <p:cond delay="0"/>
+                            </p:stCondLst>
+                            <p:childTnLst>
+                              <p:par>
+                                <p:cTn id="5" presetID="16" presetClass="entr" presetSubtype="37" fill="hold" grpId="0" nodeType="withEffect">
+                                  <p:stCondLst>
+                                    <p:cond delay="0"/>
+                                  </p:stCondLst>
+                                  <p:childTnLst>
+                                    <p:set>
+                                      <p:cBhvr>
+                                        <p:cTn id="6" dur="1" fill="hold">
+                                          <p:stCondLst>
+                                            <p:cond delay="0"/>
+                                          </p:stCondLst>
+                                        </p:cTn>
+                                        <p:tgtEl>
+                                          <p:spTgt spid="2"/>
+                                        </p:tgtEl>
+                                        <p:attrNameLst>
+                                          <p:attrName>style.visibility</p:attrName>
+                                        </p:attrNameLst>
+                                      </p:cBhvr>
+                                      <p:to>
+                                        <p:strVal val="visible"/>
+                                      </p:to>
+                                    </p:set>
+                                    <p:animEffect transition="in" filter="barn(outVertical)">
+                                      <p:cBhvr>
+                                        <p:cTn id="7" dur="500"/>
+                                        <p:tgtEl>
+                                          <p:spTgt spid="2"/>
+                                        </p:tgtEl>
+                                      </p:cBhvr>
+                                    </p:animEffect>
+                                  </p:childTnLst>
+                                </p:cTn>
+                              </p:par>
+                            </p:childTnLst>
+                          </p:cTn>
+                        </p:par>
+                      </p:childTnLst>
+                    </p:cTn>
+                  </p:par>
+                  <p:par>
+                    <p:cTn id="8" fill="hold">
+                      <p:stCondLst>
+                        <p:cond delay="indefinite"/>
+                      </p:stCondLst>
+                      <p:childTnLst>
+                        <p:par>
+                          <p:cTn id="9" fill="hold">
+                            <p:stCondLst>
+                              <p:cond delay="0"/>
+                            </p:stCondLst>
+                            <p:childTnLst>
+                              <p:par>
+                                <p:cTn id="10" presetID="22" presetClass="entr" presetSubtype="1" fill="hold" nodeType="clickEffect">
+                                  <p:stCondLst>
+                                    <p:cond delay="0"/>
+                                  </p:stCondLst>
+                                  <p:childTnLst>
+                                    <p:set>
+                                      <p:cBhvr>
+                                        <p:cTn id="11" dur="1" fill="hold">
+                                          <p:stCondLst>
+                                            <p:cond delay="0"/>
+                                          </p:stCondLst>
+                                        </p:cTn>
+                                        <p:tgtEl>
+                                          <p:spTgt spid="8"/>
+                                        </p:tgtEl>
+                                        <p:attrNameLst>
+                                          <p:attrName>style.visibility</p:attrName>
+                                        </p:attrNameLst>
+                                      </p:cBhvr>
+                                      <p:to>
+                                        <p:strVal val="visible"/>
+                                      </p:to>
+                                    </p:set>
+                                    <p:animEffect transition="in" filter="wipe(up)">
+                                      <p:cBhvr>
+                                        <p:cTn id="12" dur="500"/>
+                                        <p:tgtEl>
+                                          <p:spTgt spid="8"/>
+                                        </p:tgtEl>
+                                      </p:cBhvr>
+                                    </p:animEffect>
+                                  </p:childTnLst>
+                                </p:cTn>
+                              </p:par>
+                            </p:childTnLst>
+                          </p:cTn>
+                        </p:par>
+                        <p:par>
+                          <p:cTn id="13" fill="hold">
+                            <p:stCondLst>
+                              <p:cond delay="500"/>
+                            </p:stCondLst>
+                            <p:childTnLst>
+                              <p:par>
+                                <p:cTn id="14" presetID="10" presetClass="entr" presetSubtype="0" fill="hold" grpId="0" nodeType="afterEffect">
+                                  <p:stCondLst>
+                                    <p:cond delay="0"/>
+                                  </p:stCondLst>
+                                  <p:childTnLst>
+                                    <p:set>
+                                      <p:cBhvr>
+                                        <p:cTn id="15" dur="1" fill="hold">
+                                          <p:stCondLst>
+                                            <p:cond delay="0"/>
+                                          </p:stCondLst>
+                                        </p:cTn>
+                                        <p:tgtEl>
+                                          <p:spTgt spid="12"/>
+                                        </p:tgtEl>
+                                        <p:attrNameLst>
+                                          <p:attrName>style.visibility</p:attrName>
+                                        </p:attrNameLst>
+                                      </p:cBhvr>
+                                      <p:to>
+                                        <p:strVal val="visible"/>
+                                      </p:to>
+                                    </p:set>
+                                    <p:animEffect transition="in" filter="fade">
+                                      <p:cBhvr>
+                                        <p:cTn id="16" dur="500"/>
+                                        <p:tgtEl>
+                                          <p:spTgt spid="12"/>
+                                        </p:tgtEl>
+                                      </p:cBhvr>
+                                    </p:animEffect>
+                                  </p:childTnLst>
+                                </p:cTn>
+                              </p:par>
+                            </p:childTnLst>
+                          </p:cTn>
+                        </p:par>
+                      </p:childTnLst>
+                    </p:cTn>
+                  </p:par>
+                  <p:par>
+                    <p:cTn id="17" fill="hold">
+                      <p:stCondLst>
+                        <p:cond delay="indefinite"/>
+                      </p:stCondLst>
+                      <p:childTnLst>
+                        <p:par>
+                          <p:cTn id="18" fill="hold">
+                            <p:stCondLst>
+                              <p:cond delay="0"/>
+                            </p:stCondLst>
+                            <p:childTnLst>
+                              <p:par>
+                                <p:cTn id="19" presetID="22" presetClass="entr" presetSubtype="1" fill="hold" nodeType="clickEffect">
+                                  <p:stCondLst>
+                                    <p:cond delay="0"/>
+                                  </p:stCondLst>
+                                  <p:childTnLst>
+                                    <p:set>
+                                      <p:cBhvr>
+                                        <p:cTn id="20" dur="1" fill="hold">
+                                          <p:stCondLst>
+                                            <p:cond delay="0"/>
+                                          </p:stCondLst>
+                                        </p:cTn>
+                                        <p:tgtEl>
+                                          <p:spTgt spid="9"/>
+                                        </p:tgtEl>
+                                        <p:attrNameLst>
+                                          <p:attrName>style.visibility</p:attrName>
+                                        </p:attrNameLst>
+                                      </p:cBhvr>
+                                      <p:to>
+                                        <p:strVal val="visible"/>
+                                      </p:to>
+                                    </p:set>
+                                    <p:animEffect transition="in" filter="wipe(up)">
+                                      <p:cBhvr>
+                                        <p:cTn id="21" dur="500"/>
+                                        <p:tgtEl>
+                                          <p:spTgt spid="9"/>
+                                        </p:tgtEl>
+                                      </p:cBhvr>
+                                    </p:animEffect>
+                                  </p:childTnLst>
+                                </p:cTn>
+                              </p:par>
+                            </p:childTnLst>
+                          </p:cTn>
+                        </p:par>
+                        <p:par>
+                          <p:cTn id="22" fill="hold">
+                            <p:stCondLst>
+                              <p:cond delay="500"/>
+                            </p:stCondLst>
+                            <p:childTnLst>
+                              <p:par>
+                                <p:cTn id="23" presetID="10" presetClass="entr" presetSubtype="0" fill="hold" grpId="0" nodeType="afterEffect">
+                                  <p:stCondLst>
+                                    <p:cond delay="0"/>
+                                  </p:stCondLst>
+                                  <p:childTnLst>
+                                    <p:set>
+                                      <p:cBhvr>
+                                        <p:cTn id="24" dur="1" fill="hold">
+                                          <p:stCondLst>
+                                            <p:cond delay="0"/>
+                                          </p:stCondLst>
+                                        </p:cTn>
+                                        <p:tgtEl>
+                                          <p:spTgt spid="15"/>
+                                        </p:tgtEl>
+                                        <p:attrNameLst>
+                                          <p:attrName>style.visibility</p:attrName>
+                                        </p:attrNameLst>
+                                      </p:cBhvr>
+                                      <p:to>
+                                        <p:strVal val="visible"/>
+                                      </p:to>
+                                    </p:set>
+                                    <p:animEffect transition="in" filter="fade">
+                                      <p:cBhvr>
+                                        <p:cTn id="25" dur="500"/>
+                                        <p:tgtEl>
+                                          <p:spTgt spid="15"/>
+                                        </p:tgtEl>
+                                      </p:cBhvr>
+                                    </p:animEffect>
+                                  </p:childTnLst>
+                                </p:cTn>
+                              </p:par>
+                            </p:childTnLst>
+                          </p:cTn>
+                        </p:par>
+                      </p:childTnLst>
+                    </p:cTn>
+                  </p:par>
+                  <p:par>
+                    <p:cTn id="26" fill="hold">
+                      <p:stCondLst>
+                        <p:cond delay="indefinite"/>
+                      </p:stCondLst>
+                      <p:childTnLst>
+                        <p:par>
+                          <p:cTn id="27" fill="hold">
+                            <p:stCondLst>
+                              <p:cond delay="0"/>
+                            </p:stCondLst>
+                            <p:childTnLst>
+                              <p:par>
+                                <p:cTn id="28" presetID="16" presetClass="entr" presetSubtype="37" fill="hold" grpId="0" nodeType="clickEffect">
+                                  <p:stCondLst>
+                                    <p:cond delay="0"/>
+                                  </p:stCondLst>
+                                  <p:childTnLst>
+                                    <p:set>
+                                      <p:cBhvr>
+                                        <p:cTn id="29" dur="1" fill="hold">
+                                          <p:stCondLst>
+                                            <p:cond delay="0"/>
+                                          </p:stCondLst>
+                                        </p:cTn>
+                                        <p:tgtEl>
+                                          <p:spTgt spid="3"/>
+                                        </p:tgtEl>
+                                        <p:attrNameLst>
+                                          <p:attrName>style.visibility</p:attrName>
+                                        </p:attrNameLst>
+                                      </p:cBhvr>
+                                      <p:to>
+                                        <p:strVal val="visible"/>
+                                      </p:to>
+                                    </p:set>
+                                    <p:animEffect transition="in" filter="barn(outVertical)">
+                                      <p:cBhvr>
+                                        <p:cTn id="30" dur="500"/>
+                                        <p:tgtEl>
+                                          <p:spTgt spid="3"/>
+                                        </p:tgtEl>
+                                      </p:cBhvr>
+                                    </p:animEffect>
+                                  </p:childTnLst>
+                                </p:cTn>
+                              </p:par>
+                            </p:childTnLst>
+                          </p:cTn>
+                        </p:par>
+                      </p:childTnLst>
+                    </p:cTn>
+                  </p:par>
+                  <p:par>
+                    <p:cTn id="31" fill="hold">
+                      <p:stCondLst>
+                        <p:cond delay="indefinite"/>
+                      </p:stCondLst>
+                      <p:childTnLst>
+                        <p:par>
+                          <p:cTn id="32" fill="hold">
+                            <p:stCondLst>
+                              <p:cond delay="0"/>
+                            </p:stCondLst>
+                            <p:childTnLst>
+                              <p:par>
+                                <p:cTn id="33" presetID="50" presetClass="entr" presetSubtype="0" decel="100000" fill="hold" grpId="0" nodeType="clickEffect">
+                                  <p:stCondLst>
+                                    <p:cond delay="0"/>
+                                  </p:stCondLst>
+                                  <p:childTnLst>
+                                    <p:set>
+                                      <p:cBhvr>
+                                        <p:cTn id="34" dur="1" fill="hold">
+                                          <p:stCondLst>
+                                            <p:cond delay="0"/>
+                                          </p:stCondLst>
+                                        </p:cTn>
+                                        <p:tgtEl>
+                                          <p:spTgt spid="47"/>
+                                        </p:tgtEl>
+                                        <p:attrNameLst>
+                                          <p:attrName>style.visibility</p:attrName>
+                                        </p:attrNameLst>
+                                      </p:cBhvr>
+                                      <p:to>
+                                        <p:strVal val="visible"/>
+                                      </p:to>
+                                    </p:set>
+                                    <p:anim calcmode="lin" valueType="num">
+                                      <p:cBhvr>
+                                        <p:cTn id="35" dur="1000" fill="hold"/>
+                                        <p:tgtEl>
+                                          <p:spTgt spid="47"/>
+                                        </p:tgtEl>
+                                        <p:attrNameLst>
+                                          <p:attrName>ppt_w</p:attrName>
+                                        </p:attrNameLst>
+                                      </p:cBhvr>
+                                      <p:tavLst>
+                                        <p:tav tm="0">
+                                          <p:val>
+                                            <p:strVal val="#ppt_w+.3"/>
+                                          </p:val>
+                                        </p:tav>
+                                        <p:tav tm="100000">
+                                          <p:val>
+                                            <p:strVal val="#ppt_w"/>
+                                          </p:val>
+                                        </p:tav>
+                                      </p:tavLst>
+                                    </p:anim>
+                                    <p:anim calcmode="lin" valueType="num">
+                                      <p:cBhvr>
+                                        <p:cTn id="36" dur="1000" fill="hold"/>
+                                        <p:tgtEl>
+                                          <p:spTgt spid="47"/>
+                                        </p:tgtEl>
+                                        <p:attrNameLst>
+                                          <p:attrName>ppt_h</p:attrName>
+                                        </p:attrNameLst>
+                                      </p:cBhvr>
+                                      <p:tavLst>
+                                        <p:tav tm="0">
+                                          <p:val>
+                                            <p:strVal val="#ppt_h"/>
+                                          </p:val>
+                                        </p:tav>
+                                        <p:tav tm="100000">
+                                          <p:val>
+                                            <p:strVal val="#ppt_h"/>
+                                          </p:val>
+                                        </p:tav>
+                                      </p:tavLst>
+                                    </p:anim>
+                                    <p:animEffect transition="in" filter="fade">
+                                      <p:cBhvr>
+                                        <p:cTn id="37" dur="1000"/>
+                                        <p:tgtEl>
+                                          <p:spTgt spid="47"/>
+                                        </p:tgtEl>
+                                      </p:cBhvr>
+                                    </p:animEffect>
+                                  </p:childTnLst>
+                                </p:cTn>
+                              </p:par>
+                              <p:par>
+                                <p:cTn id="38" presetID="10" presetClass="exit" presetSubtype="0" fill="hold" grpId="1" nodeType="withEffect">
+                                  <p:stCondLst>
+                                    <p:cond delay="0"/>
+                                  </p:stCondLst>
+                                  <p:childTnLst>
+                                    <p:animEffect transition="out" filter="fade">
+                                      <p:cBhvr>
+                                        <p:cTn id="39" dur="500"/>
+                                        <p:tgtEl>
+                                          <p:spTgt spid="3"/>
+                                        </p:tgtEl>
+                                      </p:cBhvr>
+                                    </p:animEffect>
+                                    <p:set>
+                                      <p:cBhvr>
+                                        <p:cTn id="40" dur="1" fill="hold">
+                                          <p:stCondLst>
+                                            <p:cond delay="499"/>
+                                          </p:stCondLst>
+                                        </p:cTn>
+                                        <p:tgtEl>
+                                          <p:spTgt spid="3"/>
+                                        </p:tgtEl>
+                                        <p:attrNameLst>
+                                          <p:attrName>style.visibility</p:attrName>
+                                        </p:attrNameLst>
+                                      </p:cBhvr>
+                                      <p:to>
+                                        <p:strVal val="hidden"/>
+                                      </p:to>
+                                    </p:set>
+                                  </p:childTnLst>
+                                </p:cTn>
+                              </p:par>
+                            </p:childTnLst>
+                          </p:cTn>
+                        </p:par>
+                      </p:childTnLst>
+                    </p:cTn>
+                  </p:par>
+                </p:childTnLst>
+              </p:cTn>
+              <p:prevCondLst>
+                <p:cond evt="onPrev" delay="0">
+                  <p:tgtEl>
+                    <p:sldTgt/>
+                  </p:tgtEl>
+                </p:cond>
+              </p:prevCondLst>
+              <p:nextCondLst>
+                <p:cond evt="onNext" delay="0">
+                  <p:tgtEl>
+                    <p:sldTgt/>
+                  </p:tgtEl>
+                </p:cond>
+              </p:nextCondLst>
+            </p:seq>
+          </p:childTnLst>
+        </p:cTn>
+      </p:par>
+    </p:tnLst>
+    <p:bldLst>
+      <p:bldP spid="3" grpId="0" animBg="1"/>
+      <p:bldP spid="3" grpId="1" animBg="1"/>
+      <p:bldP spid="47" grpId="0" animBg="1"/>
+      <p:bldP spid="12" grpId="0" animBg="1"/>
+      <p:bldP spid="15" grpId="0" animBg="1"/>
+      <p:bldP spid="2" grpId="0" animBg="1"/>
+    </p:bldLst>
   </p:timing>
 </p:sld>
 </file>
@@ -11840,23 +12264,6 @@
 </file>
 
 <file path=customXml/item1.xml><?xml version="1.0" encoding="utf-8"?>
-<p:properties xmlns:p="http://schemas.microsoft.com/office/2006/metadata/properties" xmlns:xsi="http://www.w3.org/2001/XMLSchema-instance" xmlns:pc="http://schemas.microsoft.com/office/infopath/2007/PartnerControls">
-  <documentManagement>
-    <_activity xmlns="4952ab04-0ae3-4d00-bda6-702fdc5fffab" xsi:nil="true"/>
-  </documentManagement>
-</p:properties>
-</file>
-
-<file path=customXml/item2.xml><?xml version="1.0" encoding="utf-8"?>
-<?mso-contentType ?>
-<FormTemplates xmlns="http://schemas.microsoft.com/sharepoint/v3/contenttype/forms">
-  <Display>DocumentLibraryForm</Display>
-  <Edit>DocumentLibraryForm</Edit>
-  <New>DocumentLibraryForm</New>
-</FormTemplates>
-</file>
-
-<file path=customXml/item3.xml><?xml version="1.0" encoding="utf-8"?>
 <ct:contentTypeSchema xmlns:ct="http://schemas.microsoft.com/office/2006/metadata/contentType" xmlns:ma="http://schemas.microsoft.com/office/2006/metadata/properties/metaAttributes" ct:_="" ma:_="" ma:contentTypeName="ドキュメント" ma:contentTypeID="0x010100317BAD2A974274468B93BA0E70B86153" ma:contentTypeVersion="14" ma:contentTypeDescription="新しいドキュメントを作成します。" ma:contentTypeScope="" ma:versionID="19deaf902174782fcab1e59d5990709b">
   <xsd:schema xmlns:xsd="http://www.w3.org/2001/XMLSchema" xmlns:xs="http://www.w3.org/2001/XMLSchema" xmlns:p="http://schemas.microsoft.com/office/2006/metadata/properties" xmlns:ns3="4952ab04-0ae3-4d00-bda6-702fdc5fffab" xmlns:ns4="a9997899-e6ea-448c-9370-6665c1cb1ca9" targetNamespace="http://schemas.microsoft.com/office/2006/metadata/properties" ma:root="true" ma:fieldsID="626e8013a1feda8fd847dbe4d0402ef4" ns3:_="" ns4:_="">
     <xsd:import namespace="4952ab04-0ae3-4d00-bda6-702fdc5fffab"/>
@@ -12083,32 +12490,24 @@
 </ct:contentTypeSchema>
 </file>
 
-<file path=customXml/itemProps1.xml><?xml version="1.0" encoding="utf-8"?>
-<ds:datastoreItem xmlns:ds="http://schemas.openxmlformats.org/officeDocument/2006/customXml" ds:itemID="{F5BCF84E-3EFE-4EC9-AB6C-7D53083CF2F0}">
-  <ds:schemaRefs>
-    <ds:schemaRef ds:uri="4952ab04-0ae3-4d00-bda6-702fdc5fffab"/>
-    <ds:schemaRef ds:uri="http://schemas.microsoft.com/office/2006/metadata/properties"/>
-    <ds:schemaRef ds:uri="http://schemas.microsoft.com/office/2006/documentManagement/types"/>
-    <ds:schemaRef ds:uri="http://www.w3.org/XML/1998/namespace"/>
-    <ds:schemaRef ds:uri="http://purl.org/dc/terms/"/>
-    <ds:schemaRef ds:uri="http://purl.org/dc/elements/1.1/"/>
-    <ds:schemaRef ds:uri="a9997899-e6ea-448c-9370-6665c1cb1ca9"/>
-    <ds:schemaRef ds:uri="http://purl.org/dc/dcmitype/"/>
-    <ds:schemaRef ds:uri="http://schemas.microsoft.com/office/infopath/2007/PartnerControls"/>
-    <ds:schemaRef ds:uri="http://schemas.openxmlformats.org/package/2006/metadata/core-properties"/>
-  </ds:schemaRefs>
-</ds:datastoreItem>
+<file path=customXml/item2.xml><?xml version="1.0" encoding="utf-8"?>
+<?mso-contentType ?>
+<FormTemplates xmlns="http://schemas.microsoft.com/sharepoint/v3/contenttype/forms">
+  <Display>DocumentLibraryForm</Display>
+  <Edit>DocumentLibraryForm</Edit>
+  <New>DocumentLibraryForm</New>
+</FormTemplates>
 </file>
 
-<file path=customXml/itemProps2.xml><?xml version="1.0" encoding="utf-8"?>
-<ds:datastoreItem xmlns:ds="http://schemas.openxmlformats.org/officeDocument/2006/customXml" ds:itemID="{E556F4D6-31A5-4692-BD03-E6D6534FF51F}">
-  <ds:schemaRefs>
-    <ds:schemaRef ds:uri="http://schemas.microsoft.com/sharepoint/v3/contenttype/forms"/>
-  </ds:schemaRefs>
-</ds:datastoreItem>
+<file path=customXml/item3.xml><?xml version="1.0" encoding="utf-8"?>
+<p:properties xmlns:p="http://schemas.microsoft.com/office/2006/metadata/properties" xmlns:xsi="http://www.w3.org/2001/XMLSchema-instance" xmlns:pc="http://schemas.microsoft.com/office/infopath/2007/PartnerControls">
+  <documentManagement>
+    <_activity xmlns="4952ab04-0ae3-4d00-bda6-702fdc5fffab" xsi:nil="true"/>
+  </documentManagement>
+</p:properties>
 </file>
 
-<file path=customXml/itemProps3.xml><?xml version="1.0" encoding="utf-8"?>
+<file path=customXml/itemProps1.xml><?xml version="1.0" encoding="utf-8"?>
 <ds:datastoreItem xmlns:ds="http://schemas.openxmlformats.org/officeDocument/2006/customXml" ds:itemID="{F412A431-86F1-4D8E-AC27-86C6F4A4DCAA}">
   <ds:schemaRefs>
     <ds:schemaRef ds:uri="4952ab04-0ae3-4d00-bda6-702fdc5fffab"/>
@@ -12126,4 +12525,29 @@
     <ds:schemaRef ds:uri="http://www.w3.org/2001/XMLSchema"/>
   </ds:schemaRefs>
 </ds:datastoreItem>
+</file>
+
+<file path=customXml/itemProps2.xml><?xml version="1.0" encoding="utf-8"?>
+<ds:datastoreItem xmlns:ds="http://schemas.openxmlformats.org/officeDocument/2006/customXml" ds:itemID="{E556F4D6-31A5-4692-BD03-E6D6534FF51F}">
+  <ds:schemaRefs>
+    <ds:schemaRef ds:uri="http://schemas.microsoft.com/sharepoint/v3/contenttype/forms"/>
+  </ds:schemaRefs>
+</ds:datastoreItem>
+</file>
+
+<file path=customXml/itemProps3.xml><?xml version="1.0" encoding="utf-8"?>
+<ds:datastoreItem xmlns:ds="http://schemas.openxmlformats.org/officeDocument/2006/customXml" ds:itemID="{F5BCF84E-3EFE-4EC9-AB6C-7D53083CF2F0}">
+  <ds:schemaRefs>
+    <ds:schemaRef ds:uri="4952ab04-0ae3-4d00-bda6-702fdc5fffab"/>
+    <ds:schemaRef ds:uri="http://schemas.microsoft.com/office/2006/metadata/properties"/>
+    <ds:schemaRef ds:uri="http://schemas.microsoft.com/office/2006/documentManagement/types"/>
+    <ds:schemaRef ds:uri="http://www.w3.org/XML/1998/namespace"/>
+    <ds:schemaRef ds:uri="http://purl.org/dc/terms/"/>
+    <ds:schemaRef ds:uri="http://purl.org/dc/elements/1.1/"/>
+    <ds:schemaRef ds:uri="a9997899-e6ea-448c-9370-6665c1cb1ca9"/>
+    <ds:schemaRef ds:uri="http://purl.org/dc/dcmitype/"/>
+    <ds:schemaRef ds:uri="http://schemas.microsoft.com/office/infopath/2007/PartnerControls"/>
+    <ds:schemaRef ds:uri="http://schemas.openxmlformats.org/package/2006/metadata/core-properties"/>
+  </ds:schemaRefs>
+</ds:datastoreItem>
 </file>